--- a/documentation/Mock-up.pptx
+++ b/documentation/Mock-up.pptx
@@ -8,19 +8,21 @@
     <p:sldId id="256" r:id="rId2"/>
     <p:sldId id="260" r:id="rId3"/>
     <p:sldId id="265" r:id="rId4"/>
-    <p:sldId id="268" r:id="rId5"/>
-    <p:sldId id="269" r:id="rId6"/>
-    <p:sldId id="270" r:id="rId7"/>
-    <p:sldId id="271" r:id="rId8"/>
-    <p:sldId id="272" r:id="rId9"/>
+    <p:sldId id="274" r:id="rId5"/>
+    <p:sldId id="268" r:id="rId6"/>
+    <p:sldId id="269" r:id="rId7"/>
+    <p:sldId id="270" r:id="rId8"/>
+    <p:sldId id="273" r:id="rId9"/>
     <p:sldId id="257" r:id="rId10"/>
-    <p:sldId id="258" r:id="rId11"/>
-    <p:sldId id="259" r:id="rId12"/>
-    <p:sldId id="262" r:id="rId13"/>
-    <p:sldId id="261" r:id="rId14"/>
-    <p:sldId id="264" r:id="rId15"/>
-    <p:sldId id="263" r:id="rId16"/>
-    <p:sldId id="267" r:id="rId17"/>
+    <p:sldId id="271" r:id="rId11"/>
+    <p:sldId id="272" r:id="rId12"/>
+    <p:sldId id="258" r:id="rId13"/>
+    <p:sldId id="259" r:id="rId14"/>
+    <p:sldId id="262" r:id="rId15"/>
+    <p:sldId id="261" r:id="rId16"/>
+    <p:sldId id="264" r:id="rId17"/>
+    <p:sldId id="263" r:id="rId18"/>
+    <p:sldId id="267" r:id="rId19"/>
   </p:sldIdLst>
   <p:sldSz cx="12192000" cy="6858000"/>
   <p:notesSz cx="6858000" cy="9144000"/>
@@ -135,16 +137,18 @@
         <p14:section name="User" id="{D4E72D36-06D4-4434-952A-6A21ACEFDB08}">
           <p14:sldIdLst>
             <p14:sldId id="265"/>
+            <p14:sldId id="274"/>
             <p14:sldId id="268"/>
             <p14:sldId id="269"/>
             <p14:sldId id="270"/>
-            <p14:sldId id="271"/>
-            <p14:sldId id="272"/>
+            <p14:sldId id="273"/>
           </p14:sldIdLst>
         </p14:section>
         <p14:section name="Abandoned" id="{3813602E-19CB-4DAF-B130-CA91F0EB957D}">
           <p14:sldIdLst>
             <p14:sldId id="257"/>
+            <p14:sldId id="271"/>
+            <p14:sldId id="272"/>
             <p14:sldId id="258"/>
             <p14:sldId id="259"/>
             <p14:sldId id="262"/>
@@ -424,7 +428,7 @@
           <a:p>
             <a:fld id="{46946690-137B-4B81-B03D-AAEB9004CED8}" type="datetimeFigureOut">
               <a:rPr lang="sv-SE" smtClean="0"/>
-              <a:t>2022-01-24</a:t>
+              <a:t>2022-01-25</a:t>
             </a:fld>
             <a:endParaRPr lang="sv-SE"/>
           </a:p>
@@ -624,7 +628,7 @@
           <a:p>
             <a:fld id="{46946690-137B-4B81-B03D-AAEB9004CED8}" type="datetimeFigureOut">
               <a:rPr lang="sv-SE" smtClean="0"/>
-              <a:t>2022-01-24</a:t>
+              <a:t>2022-01-25</a:t>
             </a:fld>
             <a:endParaRPr lang="sv-SE"/>
           </a:p>
@@ -834,7 +838,7 @@
           <a:p>
             <a:fld id="{46946690-137B-4B81-B03D-AAEB9004CED8}" type="datetimeFigureOut">
               <a:rPr lang="sv-SE" smtClean="0"/>
-              <a:t>2022-01-24</a:t>
+              <a:t>2022-01-25</a:t>
             </a:fld>
             <a:endParaRPr lang="sv-SE"/>
           </a:p>
@@ -1034,7 +1038,7 @@
           <a:p>
             <a:fld id="{46946690-137B-4B81-B03D-AAEB9004CED8}" type="datetimeFigureOut">
               <a:rPr lang="sv-SE" smtClean="0"/>
-              <a:t>2022-01-24</a:t>
+              <a:t>2022-01-25</a:t>
             </a:fld>
             <a:endParaRPr lang="sv-SE"/>
           </a:p>
@@ -1310,7 +1314,7 @@
           <a:p>
             <a:fld id="{46946690-137B-4B81-B03D-AAEB9004CED8}" type="datetimeFigureOut">
               <a:rPr lang="sv-SE" smtClean="0"/>
-              <a:t>2022-01-24</a:t>
+              <a:t>2022-01-25</a:t>
             </a:fld>
             <a:endParaRPr lang="sv-SE"/>
           </a:p>
@@ -1578,7 +1582,7 @@
           <a:p>
             <a:fld id="{46946690-137B-4B81-B03D-AAEB9004CED8}" type="datetimeFigureOut">
               <a:rPr lang="sv-SE" smtClean="0"/>
-              <a:t>2022-01-24</a:t>
+              <a:t>2022-01-25</a:t>
             </a:fld>
             <a:endParaRPr lang="sv-SE"/>
           </a:p>
@@ -1993,7 +1997,7 @@
           <a:p>
             <a:fld id="{46946690-137B-4B81-B03D-AAEB9004CED8}" type="datetimeFigureOut">
               <a:rPr lang="sv-SE" smtClean="0"/>
-              <a:t>2022-01-24</a:t>
+              <a:t>2022-01-25</a:t>
             </a:fld>
             <a:endParaRPr lang="sv-SE"/>
           </a:p>
@@ -2135,7 +2139,7 @@
           <a:p>
             <a:fld id="{46946690-137B-4B81-B03D-AAEB9004CED8}" type="datetimeFigureOut">
               <a:rPr lang="sv-SE" smtClean="0"/>
-              <a:t>2022-01-24</a:t>
+              <a:t>2022-01-25</a:t>
             </a:fld>
             <a:endParaRPr lang="sv-SE"/>
           </a:p>
@@ -2248,7 +2252,7 @@
           <a:p>
             <a:fld id="{46946690-137B-4B81-B03D-AAEB9004CED8}" type="datetimeFigureOut">
               <a:rPr lang="sv-SE" smtClean="0"/>
-              <a:t>2022-01-24</a:t>
+              <a:t>2022-01-25</a:t>
             </a:fld>
             <a:endParaRPr lang="sv-SE"/>
           </a:p>
@@ -2561,7 +2565,7 @@
           <a:p>
             <a:fld id="{46946690-137B-4B81-B03D-AAEB9004CED8}" type="datetimeFigureOut">
               <a:rPr lang="sv-SE" smtClean="0"/>
-              <a:t>2022-01-24</a:t>
+              <a:t>2022-01-25</a:t>
             </a:fld>
             <a:endParaRPr lang="sv-SE"/>
           </a:p>
@@ -2850,7 +2854,7 @@
           <a:p>
             <a:fld id="{46946690-137B-4B81-B03D-AAEB9004CED8}" type="datetimeFigureOut">
               <a:rPr lang="sv-SE" smtClean="0"/>
-              <a:t>2022-01-24</a:t>
+              <a:t>2022-01-25</a:t>
             </a:fld>
             <a:endParaRPr lang="sv-SE"/>
           </a:p>
@@ -3093,7 +3097,7 @@
           <a:p>
             <a:fld id="{46946690-137B-4B81-B03D-AAEB9004CED8}" type="datetimeFigureOut">
               <a:rPr lang="sv-SE" smtClean="0"/>
-              <a:t>2022-01-24</a:t>
+              <a:t>2022-01-25</a:t>
             </a:fld>
             <a:endParaRPr lang="sv-SE"/>
           </a:p>
@@ -3594,6 +3598,3762 @@
           <a:chExt cx="0" cy="0"/>
         </a:xfrm>
       </p:grpSpPr>
+      <p:pic>
+        <p:nvPicPr>
+          <p:cNvPr id="1032" name="Picture 8" descr="Winter olympics Images, Stock Photos &amp;amp; Vectors | Shutterstock">
+            <a:extLst>
+              <a:ext uri="{FF2B5EF4-FFF2-40B4-BE49-F238E27FC236}">
+                <a16:creationId xmlns:a16="http://schemas.microsoft.com/office/drawing/2014/main" id="{9381FD0B-4BB1-451B-84D8-D12A1C1721D1}"/>
+              </a:ext>
+            </a:extLst>
+          </p:cNvPr>
+          <p:cNvPicPr>
+            <a:picLocks noChangeAspect="1" noChangeArrowheads="1"/>
+          </p:cNvPicPr>
+          <p:nvPr/>
+        </p:nvPicPr>
+        <p:blipFill rotWithShape="1">
+          <a:blip r:embed="rId3">
+            <a:extLst>
+              <a:ext uri="{28A0092B-C50C-407E-A947-70E740481C1C}">
+                <a14:useLocalDpi xmlns:a14="http://schemas.microsoft.com/office/drawing/2010/main" val="0"/>
+              </a:ext>
+            </a:extLst>
+          </a:blip>
+          <a:srcRect l="6645" b="14121"/>
+          <a:stretch/>
+        </p:blipFill>
+        <p:spPr bwMode="auto">
+          <a:xfrm>
+            <a:off x="-18058" y="0"/>
+            <a:ext cx="12210057" cy="6858815"/>
+          </a:xfrm>
+          <a:prstGeom prst="rect">
+            <a:avLst/>
+          </a:prstGeom>
+          <a:noFill/>
+          <a:extLst>
+            <a:ext uri="{909E8E84-426E-40DD-AFC4-6F175D3DCCD1}">
+              <a14:hiddenFill xmlns:a14="http://schemas.microsoft.com/office/drawing/2010/main">
+                <a:solidFill>
+                  <a:srgbClr val="FFFFFF"/>
+                </a:solidFill>
+              </a14:hiddenFill>
+            </a:ext>
+          </a:extLst>
+        </p:spPr>
+      </p:pic>
+      <p:sp>
+        <p:nvSpPr>
+          <p:cNvPr id="11" name="Rectangle 10">
+            <a:extLst>
+              <a:ext uri="{FF2B5EF4-FFF2-40B4-BE49-F238E27FC236}">
+                <a16:creationId xmlns:a16="http://schemas.microsoft.com/office/drawing/2014/main" id="{10EB8D02-9EDE-4911-8F59-FDB495188B2A}"/>
+              </a:ext>
+            </a:extLst>
+          </p:cNvPr>
+          <p:cNvSpPr/>
+          <p:nvPr/>
+        </p:nvSpPr>
+        <p:spPr>
+          <a:xfrm>
+            <a:off x="-18058" y="1"/>
+            <a:ext cx="12210058" cy="802104"/>
+          </a:xfrm>
+          <a:prstGeom prst="rect">
+            <a:avLst/>
+          </a:prstGeom>
+          <a:solidFill>
+            <a:srgbClr val="304550"/>
+          </a:solidFill>
+          <a:ln>
+            <a:noFill/>
+          </a:ln>
+          <a:effectLst/>
+        </p:spPr>
+        <p:style>
+          <a:lnRef idx="0">
+            <a:scrgbClr r="0" g="0" b="0"/>
+          </a:lnRef>
+          <a:fillRef idx="0">
+            <a:scrgbClr r="0" g="0" b="0"/>
+          </a:fillRef>
+          <a:effectRef idx="0">
+            <a:scrgbClr r="0" g="0" b="0"/>
+          </a:effectRef>
+          <a:fontRef idx="minor">
+            <a:schemeClr val="lt1"/>
+          </a:fontRef>
+        </p:style>
+        <p:txBody>
+          <a:bodyPr rtlCol="0" anchor="ctr"/>
+          <a:lstStyle/>
+          <a:p>
+            <a:r>
+              <a:rPr lang="en-GB" sz="2800" b="1" dirty="0"/>
+              <a:t>	Olympic Planner</a:t>
+            </a:r>
+          </a:p>
+        </p:txBody>
+      </p:sp>
+      <p:sp>
+        <p:nvSpPr>
+          <p:cNvPr id="2" name="TextBox 1">
+            <a:extLst>
+              <a:ext uri="{FF2B5EF4-FFF2-40B4-BE49-F238E27FC236}">
+                <a16:creationId xmlns:a16="http://schemas.microsoft.com/office/drawing/2014/main" id="{02A273FF-198B-4733-95DB-1931741DFB95}"/>
+              </a:ext>
+            </a:extLst>
+          </p:cNvPr>
+          <p:cNvSpPr txBox="1"/>
+          <p:nvPr/>
+        </p:nvSpPr>
+        <p:spPr>
+          <a:xfrm>
+            <a:off x="4748463" y="216568"/>
+            <a:ext cx="1919037" cy="369332"/>
+          </a:xfrm>
+          <a:prstGeom prst="rect">
+            <a:avLst/>
+          </a:prstGeom>
+          <a:noFill/>
+        </p:spPr>
+        <p:txBody>
+          <a:bodyPr wrap="square" rtlCol="0">
+            <a:spAutoFit/>
+          </a:bodyPr>
+          <a:lstStyle/>
+          <a:p>
+            <a:r>
+              <a:rPr lang="en-GB" dirty="0">
+                <a:solidFill>
+                  <a:schemeClr val="bg1"/>
+                </a:solidFill>
+              </a:rPr>
+              <a:t>Create schedule</a:t>
+            </a:r>
+            <a:endParaRPr lang="sv-SE" dirty="0">
+              <a:solidFill>
+                <a:schemeClr val="bg1"/>
+              </a:solidFill>
+            </a:endParaRPr>
+          </a:p>
+        </p:txBody>
+      </p:sp>
+      <p:sp>
+        <p:nvSpPr>
+          <p:cNvPr id="7" name="TextBox 6">
+            <a:extLst>
+              <a:ext uri="{FF2B5EF4-FFF2-40B4-BE49-F238E27FC236}">
+                <a16:creationId xmlns:a16="http://schemas.microsoft.com/office/drawing/2014/main" id="{7A0D3294-7EE1-45BB-B18F-7F0D6EFBA551}"/>
+              </a:ext>
+            </a:extLst>
+          </p:cNvPr>
+          <p:cNvSpPr txBox="1"/>
+          <p:nvPr/>
+        </p:nvSpPr>
+        <p:spPr>
+          <a:xfrm>
+            <a:off x="7058525" y="213765"/>
+            <a:ext cx="1729875" cy="369332"/>
+          </a:xfrm>
+          <a:prstGeom prst="rect">
+            <a:avLst/>
+          </a:prstGeom>
+          <a:noFill/>
+        </p:spPr>
+        <p:txBody>
+          <a:bodyPr wrap="square" rtlCol="0">
+            <a:spAutoFit/>
+          </a:bodyPr>
+          <a:lstStyle/>
+          <a:p>
+            <a:r>
+              <a:rPr lang="en-GB" dirty="0">
+                <a:solidFill>
+                  <a:schemeClr val="bg1"/>
+                </a:solidFill>
+              </a:rPr>
+              <a:t>My schedules</a:t>
+            </a:r>
+            <a:endParaRPr lang="sv-SE" dirty="0">
+              <a:solidFill>
+                <a:schemeClr val="bg1"/>
+              </a:solidFill>
+            </a:endParaRPr>
+          </a:p>
+        </p:txBody>
+      </p:sp>
+      <p:sp>
+        <p:nvSpPr>
+          <p:cNvPr id="3" name="Rectangle 2">
+            <a:extLst>
+              <a:ext uri="{FF2B5EF4-FFF2-40B4-BE49-F238E27FC236}">
+                <a16:creationId xmlns:a16="http://schemas.microsoft.com/office/drawing/2014/main" id="{69EDFEF5-BCCD-4D0C-ACC1-1686463FEB5A}"/>
+              </a:ext>
+            </a:extLst>
+          </p:cNvPr>
+          <p:cNvSpPr/>
+          <p:nvPr/>
+        </p:nvSpPr>
+        <p:spPr>
+          <a:xfrm>
+            <a:off x="2447925" y="1652003"/>
+            <a:ext cx="4219576" cy="4634498"/>
+          </a:xfrm>
+          <a:prstGeom prst="rect">
+            <a:avLst/>
+          </a:prstGeom>
+          <a:solidFill>
+            <a:schemeClr val="bg2">
+              <a:alpha val="85000"/>
+            </a:schemeClr>
+          </a:solidFill>
+          <a:ln>
+            <a:gradFill>
+              <a:gsLst>
+                <a:gs pos="0">
+                  <a:schemeClr val="accent1">
+                    <a:lumMod val="5000"/>
+                    <a:lumOff val="95000"/>
+                  </a:schemeClr>
+                </a:gs>
+                <a:gs pos="74000">
+                  <a:schemeClr val="accent1">
+                    <a:lumMod val="45000"/>
+                    <a:lumOff val="55000"/>
+                  </a:schemeClr>
+                </a:gs>
+                <a:gs pos="83000">
+                  <a:schemeClr val="accent1">
+                    <a:lumMod val="45000"/>
+                    <a:lumOff val="55000"/>
+                  </a:schemeClr>
+                </a:gs>
+                <a:gs pos="100000">
+                  <a:schemeClr val="accent1">
+                    <a:lumMod val="30000"/>
+                    <a:lumOff val="70000"/>
+                  </a:schemeClr>
+                </a:gs>
+              </a:gsLst>
+              <a:lin ang="5400000" scaled="1"/>
+            </a:gradFill>
+          </a:ln>
+          <a:effectLst>
+            <a:outerShdw blurRad="63500" sx="102000" sy="102000" algn="ctr" rotWithShape="0">
+              <a:prstClr val="black">
+                <a:alpha val="40000"/>
+              </a:prstClr>
+            </a:outerShdw>
+          </a:effectLst>
+        </p:spPr>
+        <p:style>
+          <a:lnRef idx="2">
+            <a:schemeClr val="accent1">
+              <a:shade val="50000"/>
+            </a:schemeClr>
+          </a:lnRef>
+          <a:fillRef idx="1">
+            <a:schemeClr val="accent1"/>
+          </a:fillRef>
+          <a:effectRef idx="0">
+            <a:schemeClr val="accent1"/>
+          </a:effectRef>
+          <a:fontRef idx="minor">
+            <a:schemeClr val="lt1"/>
+          </a:fontRef>
+        </p:style>
+        <p:txBody>
+          <a:bodyPr rtlCol="0" anchor="t"/>
+          <a:lstStyle/>
+          <a:p>
+            <a:pPr algn="ctr"/>
+            <a:endParaRPr lang="sv-SE" dirty="0"/>
+          </a:p>
+        </p:txBody>
+      </p:sp>
+      <p:sp>
+        <p:nvSpPr>
+          <p:cNvPr id="4" name="TextBox 3">
+            <a:extLst>
+              <a:ext uri="{FF2B5EF4-FFF2-40B4-BE49-F238E27FC236}">
+                <a16:creationId xmlns:a16="http://schemas.microsoft.com/office/drawing/2014/main" id="{A1F74440-F4FD-4161-AB2B-CF288D0F6C19}"/>
+              </a:ext>
+            </a:extLst>
+          </p:cNvPr>
+          <p:cNvSpPr txBox="1"/>
+          <p:nvPr/>
+        </p:nvSpPr>
+        <p:spPr>
+          <a:xfrm>
+            <a:off x="2955925" y="2069450"/>
+            <a:ext cx="2870200" cy="369332"/>
+          </a:xfrm>
+          <a:prstGeom prst="rect">
+            <a:avLst/>
+          </a:prstGeom>
+          <a:noFill/>
+        </p:spPr>
+        <p:txBody>
+          <a:bodyPr wrap="square" rtlCol="0">
+            <a:spAutoFit/>
+          </a:bodyPr>
+          <a:lstStyle/>
+          <a:p>
+            <a:r>
+              <a:rPr lang="en-GB" b="1" dirty="0"/>
+              <a:t>Personal Information</a:t>
+            </a:r>
+            <a:endParaRPr lang="sv-SE" b="1" dirty="0"/>
+          </a:p>
+        </p:txBody>
+      </p:sp>
+      <p:sp>
+        <p:nvSpPr>
+          <p:cNvPr id="15" name="Rectangle 14">
+            <a:extLst>
+              <a:ext uri="{FF2B5EF4-FFF2-40B4-BE49-F238E27FC236}">
+                <a16:creationId xmlns:a16="http://schemas.microsoft.com/office/drawing/2014/main" id="{659373C6-639B-45E9-8770-0A8B1E3C17CE}"/>
+              </a:ext>
+            </a:extLst>
+          </p:cNvPr>
+          <p:cNvSpPr/>
+          <p:nvPr/>
+        </p:nvSpPr>
+        <p:spPr>
+          <a:xfrm>
+            <a:off x="8803439" y="0"/>
+            <a:ext cx="1919037" cy="802104"/>
+          </a:xfrm>
+          <a:prstGeom prst="rect">
+            <a:avLst/>
+          </a:prstGeom>
+          <a:solidFill>
+            <a:schemeClr val="bg1">
+              <a:alpha val="31000"/>
+            </a:schemeClr>
+          </a:solidFill>
+          <a:ln>
+            <a:noFill/>
+          </a:ln>
+        </p:spPr>
+        <p:style>
+          <a:lnRef idx="2">
+            <a:schemeClr val="accent1">
+              <a:shade val="50000"/>
+            </a:schemeClr>
+          </a:lnRef>
+          <a:fillRef idx="1">
+            <a:schemeClr val="accent1"/>
+          </a:fillRef>
+          <a:effectRef idx="0">
+            <a:schemeClr val="accent1"/>
+          </a:effectRef>
+          <a:fontRef idx="minor">
+            <a:schemeClr val="lt1"/>
+          </a:fontRef>
+        </p:style>
+        <p:txBody>
+          <a:bodyPr rtlCol="0" anchor="ctr"/>
+          <a:lstStyle/>
+          <a:p>
+            <a:pPr algn="ctr"/>
+            <a:endParaRPr lang="sv-SE"/>
+          </a:p>
+        </p:txBody>
+      </p:sp>
+      <p:sp>
+        <p:nvSpPr>
+          <p:cNvPr id="13" name="TextBox 12">
+            <a:extLst>
+              <a:ext uri="{FF2B5EF4-FFF2-40B4-BE49-F238E27FC236}">
+                <a16:creationId xmlns:a16="http://schemas.microsoft.com/office/drawing/2014/main" id="{658E57C1-6F58-4CA5-B2B0-75434256E37C}"/>
+              </a:ext>
+            </a:extLst>
+          </p:cNvPr>
+          <p:cNvSpPr txBox="1"/>
+          <p:nvPr/>
+        </p:nvSpPr>
+        <p:spPr>
+          <a:xfrm>
+            <a:off x="9298402" y="202167"/>
+            <a:ext cx="1729875" cy="369332"/>
+          </a:xfrm>
+          <a:prstGeom prst="rect">
+            <a:avLst/>
+          </a:prstGeom>
+          <a:noFill/>
+        </p:spPr>
+        <p:txBody>
+          <a:bodyPr wrap="square" rtlCol="0">
+            <a:spAutoFit/>
+          </a:bodyPr>
+          <a:lstStyle/>
+          <a:p>
+            <a:r>
+              <a:rPr lang="en-GB" dirty="0">
+                <a:solidFill>
+                  <a:schemeClr val="bg1"/>
+                </a:solidFill>
+              </a:rPr>
+              <a:t>My page</a:t>
+            </a:r>
+            <a:endParaRPr lang="sv-SE" dirty="0">
+              <a:solidFill>
+                <a:schemeClr val="bg1"/>
+              </a:solidFill>
+            </a:endParaRPr>
+          </a:p>
+        </p:txBody>
+      </p:sp>
+      <p:sp>
+        <p:nvSpPr>
+          <p:cNvPr id="5" name="Rectangle 4">
+            <a:extLst>
+              <a:ext uri="{FF2B5EF4-FFF2-40B4-BE49-F238E27FC236}">
+                <a16:creationId xmlns:a16="http://schemas.microsoft.com/office/drawing/2014/main" id="{E7EB7B35-7FCC-482A-843C-50AEA28D3478}"/>
+              </a:ext>
+            </a:extLst>
+          </p:cNvPr>
+          <p:cNvSpPr/>
+          <p:nvPr/>
+        </p:nvSpPr>
+        <p:spPr>
+          <a:xfrm>
+            <a:off x="3921960" y="2533650"/>
+            <a:ext cx="2317416" cy="369332"/>
+          </a:xfrm>
+          <a:prstGeom prst="rect">
+            <a:avLst/>
+          </a:prstGeom>
+          <a:noFill/>
+          <a:ln>
+            <a:noFill/>
+          </a:ln>
+          <a:effectLst>
+            <a:innerShdw blurRad="25400">
+              <a:prstClr val="black"/>
+            </a:innerShdw>
+          </a:effectLst>
+        </p:spPr>
+        <p:style>
+          <a:lnRef idx="2">
+            <a:schemeClr val="accent1">
+              <a:shade val="50000"/>
+            </a:schemeClr>
+          </a:lnRef>
+          <a:fillRef idx="1">
+            <a:schemeClr val="accent1"/>
+          </a:fillRef>
+          <a:effectRef idx="0">
+            <a:schemeClr val="accent1"/>
+          </a:effectRef>
+          <a:fontRef idx="minor">
+            <a:schemeClr val="lt1"/>
+          </a:fontRef>
+        </p:style>
+        <p:txBody>
+          <a:bodyPr rtlCol="0" anchor="ctr"/>
+          <a:lstStyle/>
+          <a:p>
+            <a:r>
+              <a:rPr lang="en-GB" sz="1200" dirty="0">
+                <a:solidFill>
+                  <a:schemeClr val="tx1"/>
+                </a:solidFill>
+              </a:rPr>
+              <a:t>Test </a:t>
+            </a:r>
+            <a:r>
+              <a:rPr lang="en-GB" sz="1200" dirty="0" err="1">
+                <a:solidFill>
+                  <a:schemeClr val="tx1"/>
+                </a:solidFill>
+              </a:rPr>
+              <a:t>Testsson</a:t>
+            </a:r>
+            <a:endParaRPr lang="sv-SE" sz="1200" dirty="0">
+              <a:solidFill>
+                <a:schemeClr val="tx1"/>
+              </a:solidFill>
+            </a:endParaRPr>
+          </a:p>
+        </p:txBody>
+      </p:sp>
+      <p:sp>
+        <p:nvSpPr>
+          <p:cNvPr id="16" name="Rectangle 15">
+            <a:extLst>
+              <a:ext uri="{FF2B5EF4-FFF2-40B4-BE49-F238E27FC236}">
+                <a16:creationId xmlns:a16="http://schemas.microsoft.com/office/drawing/2014/main" id="{0A38768C-400F-41AA-8E12-817FFD5B25FF}"/>
+              </a:ext>
+            </a:extLst>
+          </p:cNvPr>
+          <p:cNvSpPr/>
+          <p:nvPr/>
+        </p:nvSpPr>
+        <p:spPr>
+          <a:xfrm>
+            <a:off x="3921960" y="2832615"/>
+            <a:ext cx="2317416" cy="369332"/>
+          </a:xfrm>
+          <a:prstGeom prst="rect">
+            <a:avLst/>
+          </a:prstGeom>
+          <a:noFill/>
+          <a:ln>
+            <a:noFill/>
+          </a:ln>
+          <a:effectLst>
+            <a:innerShdw blurRad="25400">
+              <a:prstClr val="black"/>
+            </a:innerShdw>
+          </a:effectLst>
+        </p:spPr>
+        <p:style>
+          <a:lnRef idx="2">
+            <a:schemeClr val="accent1">
+              <a:shade val="50000"/>
+            </a:schemeClr>
+          </a:lnRef>
+          <a:fillRef idx="1">
+            <a:schemeClr val="accent1"/>
+          </a:fillRef>
+          <a:effectRef idx="0">
+            <a:schemeClr val="accent1"/>
+          </a:effectRef>
+          <a:fontRef idx="minor">
+            <a:schemeClr val="lt1"/>
+          </a:fontRef>
+        </p:style>
+        <p:txBody>
+          <a:bodyPr rtlCol="0" anchor="ctr"/>
+          <a:lstStyle/>
+          <a:p>
+            <a:r>
+              <a:rPr lang="en-GB" sz="1200" dirty="0">
+                <a:solidFill>
+                  <a:schemeClr val="tx1"/>
+                </a:solidFill>
+              </a:rPr>
+              <a:t>test@email.com</a:t>
+            </a:r>
+            <a:endParaRPr lang="sv-SE" sz="1200" dirty="0">
+              <a:solidFill>
+                <a:schemeClr val="tx1"/>
+              </a:solidFill>
+            </a:endParaRPr>
+          </a:p>
+        </p:txBody>
+      </p:sp>
+      <p:grpSp>
+        <p:nvGrpSpPr>
+          <p:cNvPr id="6" name="Group 5">
+            <a:extLst>
+              <a:ext uri="{FF2B5EF4-FFF2-40B4-BE49-F238E27FC236}">
+                <a16:creationId xmlns:a16="http://schemas.microsoft.com/office/drawing/2014/main" id="{60C6C74C-8001-47FC-9A8E-9672C2086CBB}"/>
+              </a:ext>
+            </a:extLst>
+          </p:cNvPr>
+          <p:cNvGrpSpPr/>
+          <p:nvPr/>
+        </p:nvGrpSpPr>
+        <p:grpSpPr>
+          <a:xfrm>
+            <a:off x="5366469" y="2139638"/>
+            <a:ext cx="256255" cy="228955"/>
+            <a:chOff x="5999746" y="5628555"/>
+            <a:chExt cx="456783" cy="461665"/>
+          </a:xfrm>
+        </p:grpSpPr>
+        <p:sp>
+          <p:nvSpPr>
+            <p:cNvPr id="18" name="TextBox 17">
+              <a:extLst>
+                <a:ext uri="{FF2B5EF4-FFF2-40B4-BE49-F238E27FC236}">
+                  <a16:creationId xmlns:a16="http://schemas.microsoft.com/office/drawing/2014/main" id="{CA38CFBF-8960-4DD2-A23F-C7F60BAD2BC5}"/>
+                </a:ext>
+              </a:extLst>
+            </p:cNvPr>
+            <p:cNvSpPr txBox="1"/>
+            <p:nvPr/>
+          </p:nvSpPr>
+          <p:spPr>
+            <a:xfrm>
+              <a:off x="5999746" y="5628555"/>
+              <a:ext cx="456783" cy="461665"/>
+            </a:xfrm>
+            <a:prstGeom prst="rect">
+              <a:avLst/>
+            </a:prstGeom>
+            <a:solidFill>
+              <a:schemeClr val="bg2">
+                <a:alpha val="85000"/>
+              </a:schemeClr>
+            </a:solidFill>
+            <a:ln>
+              <a:gradFill>
+                <a:gsLst>
+                  <a:gs pos="0">
+                    <a:schemeClr val="accent1">
+                      <a:lumMod val="5000"/>
+                      <a:lumOff val="95000"/>
+                    </a:schemeClr>
+                  </a:gs>
+                  <a:gs pos="74000">
+                    <a:schemeClr val="accent1">
+                      <a:lumMod val="45000"/>
+                      <a:lumOff val="55000"/>
+                    </a:schemeClr>
+                  </a:gs>
+                  <a:gs pos="83000">
+                    <a:schemeClr val="accent1">
+                      <a:lumMod val="45000"/>
+                      <a:lumOff val="55000"/>
+                    </a:schemeClr>
+                  </a:gs>
+                  <a:gs pos="100000">
+                    <a:schemeClr val="accent1">
+                      <a:lumMod val="30000"/>
+                      <a:lumOff val="70000"/>
+                    </a:schemeClr>
+                  </a:gs>
+                </a:gsLst>
+                <a:lin ang="5400000" scaled="1"/>
+              </a:gradFill>
+            </a:ln>
+            <a:effectLst>
+              <a:outerShdw blurRad="63500" sx="102000" sy="102000" algn="ctr" rotWithShape="0">
+                <a:prstClr val="black">
+                  <a:alpha val="40000"/>
+                </a:prstClr>
+              </a:outerShdw>
+            </a:effectLst>
+          </p:spPr>
+          <p:style>
+            <a:lnRef idx="2">
+              <a:schemeClr val="accent1">
+                <a:shade val="50000"/>
+              </a:schemeClr>
+            </a:lnRef>
+            <a:fillRef idx="1">
+              <a:schemeClr val="accent1"/>
+            </a:fillRef>
+            <a:effectRef idx="0">
+              <a:schemeClr val="accent1"/>
+            </a:effectRef>
+            <a:fontRef idx="minor">
+              <a:schemeClr val="lt1"/>
+            </a:fontRef>
+          </p:style>
+          <p:txBody>
+            <a:bodyPr rtlCol="0" anchor="ctr"/>
+            <a:lstStyle>
+              <a:defPPr>
+                <a:defRPr lang="sv-SE"/>
+              </a:defPPr>
+              <a:lvl1pPr algn="ctr">
+                <a:defRPr sz="1200" b="1"/>
+              </a:lvl1pPr>
+              <a:lvl2pPr>
+                <a:defRPr>
+                  <a:solidFill>
+                    <a:schemeClr val="lt1"/>
+                  </a:solidFill>
+                </a:defRPr>
+              </a:lvl2pPr>
+              <a:lvl3pPr>
+                <a:defRPr>
+                  <a:solidFill>
+                    <a:schemeClr val="lt1"/>
+                  </a:solidFill>
+                </a:defRPr>
+              </a:lvl3pPr>
+              <a:lvl4pPr>
+                <a:defRPr>
+                  <a:solidFill>
+                    <a:schemeClr val="lt1"/>
+                  </a:solidFill>
+                </a:defRPr>
+              </a:lvl4pPr>
+              <a:lvl5pPr>
+                <a:defRPr>
+                  <a:solidFill>
+                    <a:schemeClr val="lt1"/>
+                  </a:solidFill>
+                </a:defRPr>
+              </a:lvl5pPr>
+              <a:lvl6pPr>
+                <a:defRPr>
+                  <a:solidFill>
+                    <a:schemeClr val="lt1"/>
+                  </a:solidFill>
+                </a:defRPr>
+              </a:lvl6pPr>
+              <a:lvl7pPr>
+                <a:defRPr>
+                  <a:solidFill>
+                    <a:schemeClr val="lt1"/>
+                  </a:solidFill>
+                </a:defRPr>
+              </a:lvl7pPr>
+              <a:lvl8pPr>
+                <a:defRPr>
+                  <a:solidFill>
+                    <a:schemeClr val="lt1"/>
+                  </a:solidFill>
+                </a:defRPr>
+              </a:lvl8pPr>
+              <a:lvl9pPr>
+                <a:defRPr>
+                  <a:solidFill>
+                    <a:schemeClr val="lt1"/>
+                  </a:solidFill>
+                </a:defRPr>
+              </a:lvl9pPr>
+            </a:lstStyle>
+            <a:p>
+              <a:endParaRPr lang="sv-SE" sz="1400" dirty="0">
+                <a:solidFill>
+                  <a:schemeClr val="tx1"/>
+                </a:solidFill>
+              </a:endParaRPr>
+            </a:p>
+          </p:txBody>
+        </p:sp>
+        <p:pic>
+          <p:nvPicPr>
+            <p:cNvPr id="23" name="Graphic 22" descr="Pen with solid fill">
+              <a:extLst>
+                <a:ext uri="{FF2B5EF4-FFF2-40B4-BE49-F238E27FC236}">
+                  <a16:creationId xmlns:a16="http://schemas.microsoft.com/office/drawing/2014/main" id="{C412B556-80ED-41DA-9E7C-7D63ADA299B2}"/>
+                </a:ext>
+              </a:extLst>
+            </p:cNvPr>
+            <p:cNvPicPr>
+              <a:picLocks noChangeAspect="1"/>
+            </p:cNvPicPr>
+            <p:nvPr/>
+          </p:nvPicPr>
+          <p:blipFill>
+            <a:blip r:embed="rId4">
+              <a:extLst>
+                <a:ext uri="{28A0092B-C50C-407E-A947-70E740481C1C}">
+                  <a14:useLocalDpi xmlns:a14="http://schemas.microsoft.com/office/drawing/2010/main" val="0"/>
+                </a:ext>
+                <a:ext uri="{96DAC541-7B7A-43D3-8B79-37D633B846F1}">
+                  <asvg:svgBlip xmlns:asvg="http://schemas.microsoft.com/office/drawing/2016/SVG/main" r:embed="rId5"/>
+                </a:ext>
+              </a:extLst>
+            </a:blip>
+            <a:stretch>
+              <a:fillRect/>
+            </a:stretch>
+          </p:blipFill>
+          <p:spPr>
+            <a:xfrm>
+              <a:off x="6096000" y="5736764"/>
+              <a:ext cx="245245" cy="245245"/>
+            </a:xfrm>
+            <a:prstGeom prst="rect">
+              <a:avLst/>
+            </a:prstGeom>
+            <a:effectLst>
+              <a:outerShdw blurRad="63500" sx="102000" sy="102000" algn="ctr" rotWithShape="0">
+                <a:prstClr val="black">
+                  <a:alpha val="40000"/>
+                </a:prstClr>
+              </a:outerShdw>
+            </a:effectLst>
+          </p:spPr>
+        </p:pic>
+      </p:grpSp>
+      <p:sp>
+        <p:nvSpPr>
+          <p:cNvPr id="20" name="TextBox 19">
+            <a:extLst>
+              <a:ext uri="{FF2B5EF4-FFF2-40B4-BE49-F238E27FC236}">
+                <a16:creationId xmlns:a16="http://schemas.microsoft.com/office/drawing/2014/main" id="{DA2E26CF-93A8-4336-A92D-BEB854B53234}"/>
+              </a:ext>
+            </a:extLst>
+          </p:cNvPr>
+          <p:cNvSpPr txBox="1"/>
+          <p:nvPr/>
+        </p:nvSpPr>
+        <p:spPr>
+          <a:xfrm>
+            <a:off x="2996785" y="2579817"/>
+            <a:ext cx="933531" cy="276999"/>
+          </a:xfrm>
+          <a:prstGeom prst="rect">
+            <a:avLst/>
+          </a:prstGeom>
+          <a:noFill/>
+        </p:spPr>
+        <p:txBody>
+          <a:bodyPr wrap="square" rtlCol="0">
+            <a:spAutoFit/>
+          </a:bodyPr>
+          <a:lstStyle/>
+          <a:p>
+            <a:pPr algn="r"/>
+            <a:r>
+              <a:rPr lang="en-GB" sz="1200" b="1" dirty="0"/>
+              <a:t>Name:</a:t>
+            </a:r>
+            <a:endParaRPr lang="sv-SE" sz="1200" b="1" dirty="0"/>
+          </a:p>
+        </p:txBody>
+      </p:sp>
+      <p:sp>
+        <p:nvSpPr>
+          <p:cNvPr id="21" name="TextBox 20">
+            <a:extLst>
+              <a:ext uri="{FF2B5EF4-FFF2-40B4-BE49-F238E27FC236}">
+                <a16:creationId xmlns:a16="http://schemas.microsoft.com/office/drawing/2014/main" id="{41D0ADEE-C52B-4776-9B4A-176247F66964}"/>
+              </a:ext>
+            </a:extLst>
+          </p:cNvPr>
+          <p:cNvSpPr txBox="1"/>
+          <p:nvPr/>
+        </p:nvSpPr>
+        <p:spPr>
+          <a:xfrm>
+            <a:off x="2996785" y="2878782"/>
+            <a:ext cx="933531" cy="276999"/>
+          </a:xfrm>
+          <a:prstGeom prst="rect">
+            <a:avLst/>
+          </a:prstGeom>
+          <a:noFill/>
+        </p:spPr>
+        <p:txBody>
+          <a:bodyPr wrap="square" rtlCol="0">
+            <a:spAutoFit/>
+          </a:bodyPr>
+          <a:lstStyle/>
+          <a:p>
+            <a:pPr algn="r"/>
+            <a:r>
+              <a:rPr lang="en-GB" sz="1200" b="1" dirty="0"/>
+              <a:t>E-mail:</a:t>
+            </a:r>
+            <a:endParaRPr lang="sv-SE" sz="1200" b="1" dirty="0"/>
+          </a:p>
+        </p:txBody>
+      </p:sp>
+      <p:pic>
+        <p:nvPicPr>
+          <p:cNvPr id="1028" name="Picture 4" descr="The Olympic Torch Relay: What You Need to Know | Olympic torch, Olympic  flame, Torch">
+            <a:extLst>
+              <a:ext uri="{FF2B5EF4-FFF2-40B4-BE49-F238E27FC236}">
+                <a16:creationId xmlns:a16="http://schemas.microsoft.com/office/drawing/2014/main" id="{9B88C585-9275-416E-BBCF-AEF2DA25BD11}"/>
+              </a:ext>
+            </a:extLst>
+          </p:cNvPr>
+          <p:cNvPicPr>
+            <a:picLocks noChangeAspect="1" noChangeArrowheads="1"/>
+          </p:cNvPicPr>
+          <p:nvPr/>
+        </p:nvPicPr>
+        <p:blipFill>
+          <a:blip r:embed="rId6">
+            <a:extLst>
+              <a:ext uri="{28A0092B-C50C-407E-A947-70E740481C1C}">
+                <a14:useLocalDpi xmlns:a14="http://schemas.microsoft.com/office/drawing/2010/main" val="0"/>
+              </a:ext>
+            </a:extLst>
+          </a:blip>
+          <a:srcRect/>
+          <a:stretch>
+            <a:fillRect/>
+          </a:stretch>
+        </p:blipFill>
+        <p:spPr bwMode="auto">
+          <a:xfrm>
+            <a:off x="3930315" y="3656054"/>
+            <a:ext cx="906434" cy="906434"/>
+          </a:xfrm>
+          <a:prstGeom prst="flowChartConnector">
+            <a:avLst/>
+          </a:prstGeom>
+          <a:noFill/>
+          <a:extLst>
+            <a:ext uri="{909E8E84-426E-40DD-AFC4-6F175D3DCCD1}">
+              <a14:hiddenFill xmlns:a14="http://schemas.microsoft.com/office/drawing/2010/main">
+                <a:solidFill>
+                  <a:srgbClr val="FFFFFF"/>
+                </a:solidFill>
+              </a14:hiddenFill>
+            </a:ext>
+          </a:extLst>
+        </p:spPr>
+      </p:pic>
+      <p:sp>
+        <p:nvSpPr>
+          <p:cNvPr id="28" name="TextBox 27">
+            <a:extLst>
+              <a:ext uri="{FF2B5EF4-FFF2-40B4-BE49-F238E27FC236}">
+                <a16:creationId xmlns:a16="http://schemas.microsoft.com/office/drawing/2014/main" id="{50E65576-8BB0-4FE1-B9F8-10B94D7F0276}"/>
+              </a:ext>
+            </a:extLst>
+          </p:cNvPr>
+          <p:cNvSpPr txBox="1"/>
+          <p:nvPr/>
+        </p:nvSpPr>
+        <p:spPr>
+          <a:xfrm>
+            <a:off x="2955924" y="3519130"/>
+            <a:ext cx="974391" cy="276999"/>
+          </a:xfrm>
+          <a:prstGeom prst="rect">
+            <a:avLst/>
+          </a:prstGeom>
+          <a:noFill/>
+        </p:spPr>
+        <p:txBody>
+          <a:bodyPr wrap="square" rtlCol="0">
+            <a:spAutoFit/>
+          </a:bodyPr>
+          <a:lstStyle/>
+          <a:p>
+            <a:pPr algn="r"/>
+            <a:r>
+              <a:rPr lang="en-GB" sz="1200" b="1" dirty="0"/>
+              <a:t>Avatar:</a:t>
+            </a:r>
+            <a:endParaRPr lang="sv-SE" sz="1200" b="1" dirty="0"/>
+          </a:p>
+        </p:txBody>
+      </p:sp>
+      <p:sp>
+        <p:nvSpPr>
+          <p:cNvPr id="29" name="Rectangle 28">
+            <a:extLst>
+              <a:ext uri="{FF2B5EF4-FFF2-40B4-BE49-F238E27FC236}">
+                <a16:creationId xmlns:a16="http://schemas.microsoft.com/office/drawing/2014/main" id="{74182380-0268-47CF-9665-499172921080}"/>
+              </a:ext>
+            </a:extLst>
+          </p:cNvPr>
+          <p:cNvSpPr/>
+          <p:nvPr/>
+        </p:nvSpPr>
+        <p:spPr>
+          <a:xfrm>
+            <a:off x="6808701" y="1652003"/>
+            <a:ext cx="3049674" cy="4634498"/>
+          </a:xfrm>
+          <a:prstGeom prst="rect">
+            <a:avLst/>
+          </a:prstGeom>
+          <a:solidFill>
+            <a:schemeClr val="bg2">
+              <a:alpha val="85000"/>
+            </a:schemeClr>
+          </a:solidFill>
+          <a:ln>
+            <a:gradFill>
+              <a:gsLst>
+                <a:gs pos="0">
+                  <a:schemeClr val="accent1">
+                    <a:lumMod val="5000"/>
+                    <a:lumOff val="95000"/>
+                  </a:schemeClr>
+                </a:gs>
+                <a:gs pos="74000">
+                  <a:schemeClr val="accent1">
+                    <a:lumMod val="45000"/>
+                    <a:lumOff val="55000"/>
+                  </a:schemeClr>
+                </a:gs>
+                <a:gs pos="83000">
+                  <a:schemeClr val="accent1">
+                    <a:lumMod val="45000"/>
+                    <a:lumOff val="55000"/>
+                  </a:schemeClr>
+                </a:gs>
+                <a:gs pos="100000">
+                  <a:schemeClr val="accent1">
+                    <a:lumMod val="30000"/>
+                    <a:lumOff val="70000"/>
+                  </a:schemeClr>
+                </a:gs>
+              </a:gsLst>
+              <a:lin ang="5400000" scaled="1"/>
+            </a:gradFill>
+          </a:ln>
+          <a:effectLst>
+            <a:outerShdw blurRad="63500" sx="102000" sy="102000" algn="ctr" rotWithShape="0">
+              <a:prstClr val="black">
+                <a:alpha val="40000"/>
+              </a:prstClr>
+            </a:outerShdw>
+          </a:effectLst>
+        </p:spPr>
+        <p:style>
+          <a:lnRef idx="2">
+            <a:schemeClr val="accent1">
+              <a:shade val="50000"/>
+            </a:schemeClr>
+          </a:lnRef>
+          <a:fillRef idx="1">
+            <a:schemeClr val="accent1"/>
+          </a:fillRef>
+          <a:effectRef idx="0">
+            <a:schemeClr val="accent1"/>
+          </a:effectRef>
+          <a:fontRef idx="minor">
+            <a:schemeClr val="lt1"/>
+          </a:fontRef>
+        </p:style>
+        <p:txBody>
+          <a:bodyPr rtlCol="0" anchor="t"/>
+          <a:lstStyle/>
+          <a:p>
+            <a:pPr algn="ctr"/>
+            <a:endParaRPr lang="sv-SE" dirty="0"/>
+          </a:p>
+        </p:txBody>
+      </p:sp>
+      <p:sp>
+        <p:nvSpPr>
+          <p:cNvPr id="30" name="TextBox 29">
+            <a:extLst>
+              <a:ext uri="{FF2B5EF4-FFF2-40B4-BE49-F238E27FC236}">
+                <a16:creationId xmlns:a16="http://schemas.microsoft.com/office/drawing/2014/main" id="{35A777DE-5ADF-4F94-8B63-5E2458646E09}"/>
+              </a:ext>
+            </a:extLst>
+          </p:cNvPr>
+          <p:cNvSpPr txBox="1"/>
+          <p:nvPr/>
+        </p:nvSpPr>
+        <p:spPr>
+          <a:xfrm>
+            <a:off x="7129375" y="2069450"/>
+            <a:ext cx="2357525" cy="369332"/>
+          </a:xfrm>
+          <a:prstGeom prst="rect">
+            <a:avLst/>
+          </a:prstGeom>
+          <a:noFill/>
+        </p:spPr>
+        <p:txBody>
+          <a:bodyPr wrap="square" rtlCol="0">
+            <a:spAutoFit/>
+          </a:bodyPr>
+          <a:lstStyle/>
+          <a:p>
+            <a:r>
+              <a:rPr lang="en-GB" b="1" dirty="0"/>
+              <a:t>Saved schedules</a:t>
+            </a:r>
+            <a:endParaRPr lang="sv-SE" b="1" dirty="0"/>
+          </a:p>
+        </p:txBody>
+      </p:sp>
+      <p:sp>
+        <p:nvSpPr>
+          <p:cNvPr id="34" name="Rectangle 33">
+            <a:extLst>
+              <a:ext uri="{FF2B5EF4-FFF2-40B4-BE49-F238E27FC236}">
+                <a16:creationId xmlns:a16="http://schemas.microsoft.com/office/drawing/2014/main" id="{E8020E7A-F5E3-4502-9506-6490E562C4F3}"/>
+              </a:ext>
+            </a:extLst>
+          </p:cNvPr>
+          <p:cNvSpPr/>
+          <p:nvPr/>
+        </p:nvSpPr>
+        <p:spPr>
+          <a:xfrm>
+            <a:off x="8045709" y="2657281"/>
+            <a:ext cx="720000" cy="720000"/>
+          </a:xfrm>
+          <a:prstGeom prst="rect">
+            <a:avLst/>
+          </a:prstGeom>
+          <a:solidFill>
+            <a:schemeClr val="bg2">
+              <a:alpha val="85000"/>
+            </a:schemeClr>
+          </a:solidFill>
+          <a:ln>
+            <a:gradFill>
+              <a:gsLst>
+                <a:gs pos="0">
+                  <a:schemeClr val="accent1">
+                    <a:lumMod val="5000"/>
+                    <a:lumOff val="95000"/>
+                  </a:schemeClr>
+                </a:gs>
+                <a:gs pos="74000">
+                  <a:schemeClr val="accent1">
+                    <a:lumMod val="45000"/>
+                    <a:lumOff val="55000"/>
+                  </a:schemeClr>
+                </a:gs>
+                <a:gs pos="83000">
+                  <a:schemeClr val="accent1">
+                    <a:lumMod val="45000"/>
+                    <a:lumOff val="55000"/>
+                  </a:schemeClr>
+                </a:gs>
+                <a:gs pos="100000">
+                  <a:schemeClr val="accent1">
+                    <a:lumMod val="30000"/>
+                    <a:lumOff val="70000"/>
+                  </a:schemeClr>
+                </a:gs>
+              </a:gsLst>
+              <a:lin ang="5400000" scaled="1"/>
+            </a:gradFill>
+          </a:ln>
+          <a:effectLst>
+            <a:outerShdw blurRad="63500" sx="102000" sy="102000" algn="ctr" rotWithShape="0">
+              <a:prstClr val="black">
+                <a:alpha val="40000"/>
+              </a:prstClr>
+            </a:outerShdw>
+          </a:effectLst>
+        </p:spPr>
+        <p:style>
+          <a:lnRef idx="2">
+            <a:schemeClr val="accent1">
+              <a:shade val="50000"/>
+            </a:schemeClr>
+          </a:lnRef>
+          <a:fillRef idx="1">
+            <a:schemeClr val="accent1"/>
+          </a:fillRef>
+          <a:effectRef idx="0">
+            <a:schemeClr val="accent1"/>
+          </a:effectRef>
+          <a:fontRef idx="minor">
+            <a:schemeClr val="lt1"/>
+          </a:fontRef>
+        </p:style>
+        <p:txBody>
+          <a:bodyPr lIns="36000" rIns="36000" rtlCol="0" anchor="ctr"/>
+          <a:lstStyle/>
+          <a:p>
+            <a:pPr algn="ctr"/>
+            <a:r>
+              <a:rPr lang="en-GB" sz="1200" dirty="0">
+                <a:solidFill>
+                  <a:schemeClr val="tx1"/>
+                </a:solidFill>
+              </a:rPr>
+              <a:t>My second schedule</a:t>
+            </a:r>
+            <a:endParaRPr lang="sv-SE" sz="1200" dirty="0">
+              <a:solidFill>
+                <a:schemeClr val="tx1"/>
+              </a:solidFill>
+            </a:endParaRPr>
+          </a:p>
+        </p:txBody>
+      </p:sp>
+      <p:sp>
+        <p:nvSpPr>
+          <p:cNvPr id="37" name="Rectangle 36">
+            <a:extLst>
+              <a:ext uri="{FF2B5EF4-FFF2-40B4-BE49-F238E27FC236}">
+                <a16:creationId xmlns:a16="http://schemas.microsoft.com/office/drawing/2014/main" id="{4229B0D8-A74D-4C56-9A99-91FAEB25DC63}"/>
+              </a:ext>
+            </a:extLst>
+          </p:cNvPr>
+          <p:cNvSpPr/>
+          <p:nvPr/>
+        </p:nvSpPr>
+        <p:spPr>
+          <a:xfrm>
+            <a:off x="9462999" y="2069449"/>
+            <a:ext cx="2235358" cy="1359551"/>
+          </a:xfrm>
+          <a:prstGeom prst="rect">
+            <a:avLst/>
+          </a:prstGeom>
+          <a:solidFill>
+            <a:schemeClr val="bg2">
+              <a:alpha val="85000"/>
+            </a:schemeClr>
+          </a:solidFill>
+          <a:ln>
+            <a:gradFill>
+              <a:gsLst>
+                <a:gs pos="0">
+                  <a:schemeClr val="accent1">
+                    <a:lumMod val="5000"/>
+                    <a:lumOff val="95000"/>
+                  </a:schemeClr>
+                </a:gs>
+                <a:gs pos="74000">
+                  <a:schemeClr val="accent1">
+                    <a:lumMod val="45000"/>
+                    <a:lumOff val="55000"/>
+                  </a:schemeClr>
+                </a:gs>
+                <a:gs pos="83000">
+                  <a:schemeClr val="accent1">
+                    <a:lumMod val="45000"/>
+                    <a:lumOff val="55000"/>
+                  </a:schemeClr>
+                </a:gs>
+                <a:gs pos="100000">
+                  <a:schemeClr val="accent1">
+                    <a:lumMod val="30000"/>
+                    <a:lumOff val="70000"/>
+                  </a:schemeClr>
+                </a:gs>
+              </a:gsLst>
+              <a:lin ang="5400000" scaled="1"/>
+            </a:gradFill>
+          </a:ln>
+          <a:effectLst>
+            <a:outerShdw blurRad="63500" sx="102000" sy="102000" algn="ctr" rotWithShape="0">
+              <a:prstClr val="black">
+                <a:alpha val="40000"/>
+              </a:prstClr>
+            </a:outerShdw>
+          </a:effectLst>
+        </p:spPr>
+        <p:style>
+          <a:lnRef idx="2">
+            <a:schemeClr val="accent1">
+              <a:shade val="50000"/>
+            </a:schemeClr>
+          </a:lnRef>
+          <a:fillRef idx="1">
+            <a:schemeClr val="accent1"/>
+          </a:fillRef>
+          <a:effectRef idx="0">
+            <a:schemeClr val="accent1"/>
+          </a:effectRef>
+          <a:fontRef idx="minor">
+            <a:schemeClr val="lt1"/>
+          </a:fontRef>
+        </p:style>
+        <p:txBody>
+          <a:bodyPr rtlCol="0" anchor="t"/>
+          <a:lstStyle/>
+          <a:p>
+            <a:pPr algn="ctr"/>
+            <a:endParaRPr lang="sv-SE" dirty="0"/>
+          </a:p>
+        </p:txBody>
+      </p:sp>
+      <p:sp>
+        <p:nvSpPr>
+          <p:cNvPr id="38" name="TextBox 37">
+            <a:extLst>
+              <a:ext uri="{FF2B5EF4-FFF2-40B4-BE49-F238E27FC236}">
+                <a16:creationId xmlns:a16="http://schemas.microsoft.com/office/drawing/2014/main" id="{3023AF48-7F25-44B3-A7FC-0C9F44F31DC2}"/>
+              </a:ext>
+            </a:extLst>
+          </p:cNvPr>
+          <p:cNvSpPr txBox="1"/>
+          <p:nvPr/>
+        </p:nvSpPr>
+        <p:spPr>
+          <a:xfrm>
+            <a:off x="9539887" y="2256651"/>
+            <a:ext cx="2064232" cy="461665"/>
+          </a:xfrm>
+          <a:prstGeom prst="rect">
+            <a:avLst/>
+          </a:prstGeom>
+          <a:noFill/>
+        </p:spPr>
+        <p:txBody>
+          <a:bodyPr wrap="square" rtlCol="0">
+            <a:spAutoFit/>
+          </a:bodyPr>
+          <a:lstStyle/>
+          <a:p>
+            <a:r>
+              <a:rPr lang="en-GB" sz="1200" dirty="0"/>
+              <a:t>What do you want to do with My second schedule?</a:t>
+            </a:r>
+            <a:endParaRPr lang="sv-SE" sz="1200" dirty="0"/>
+          </a:p>
+        </p:txBody>
+      </p:sp>
+      <p:sp>
+        <p:nvSpPr>
+          <p:cNvPr id="40" name="TextBox 39">
+            <a:extLst>
+              <a:ext uri="{FF2B5EF4-FFF2-40B4-BE49-F238E27FC236}">
+                <a16:creationId xmlns:a16="http://schemas.microsoft.com/office/drawing/2014/main" id="{19DCCA4C-9621-43DF-87DE-C219EC92C0CB}"/>
+              </a:ext>
+            </a:extLst>
+          </p:cNvPr>
+          <p:cNvSpPr txBox="1"/>
+          <p:nvPr/>
+        </p:nvSpPr>
+        <p:spPr>
+          <a:xfrm>
+            <a:off x="9604559" y="2990954"/>
+            <a:ext cx="580005" cy="228955"/>
+          </a:xfrm>
+          <a:prstGeom prst="rect">
+            <a:avLst/>
+          </a:prstGeom>
+          <a:solidFill>
+            <a:schemeClr val="bg2">
+              <a:alpha val="85000"/>
+            </a:schemeClr>
+          </a:solidFill>
+          <a:ln>
+            <a:gradFill>
+              <a:gsLst>
+                <a:gs pos="0">
+                  <a:schemeClr val="accent1">
+                    <a:lumMod val="5000"/>
+                    <a:lumOff val="95000"/>
+                  </a:schemeClr>
+                </a:gs>
+                <a:gs pos="74000">
+                  <a:schemeClr val="accent1">
+                    <a:lumMod val="45000"/>
+                    <a:lumOff val="55000"/>
+                  </a:schemeClr>
+                </a:gs>
+                <a:gs pos="83000">
+                  <a:schemeClr val="accent1">
+                    <a:lumMod val="45000"/>
+                    <a:lumOff val="55000"/>
+                  </a:schemeClr>
+                </a:gs>
+                <a:gs pos="100000">
+                  <a:schemeClr val="accent1">
+                    <a:lumMod val="30000"/>
+                    <a:lumOff val="70000"/>
+                  </a:schemeClr>
+                </a:gs>
+              </a:gsLst>
+              <a:lin ang="5400000" scaled="1"/>
+            </a:gradFill>
+          </a:ln>
+          <a:effectLst>
+            <a:outerShdw blurRad="63500" sx="102000" sy="102000" algn="ctr" rotWithShape="0">
+              <a:prstClr val="black">
+                <a:alpha val="40000"/>
+              </a:prstClr>
+            </a:outerShdw>
+          </a:effectLst>
+        </p:spPr>
+        <p:style>
+          <a:lnRef idx="2">
+            <a:schemeClr val="accent1">
+              <a:shade val="50000"/>
+            </a:schemeClr>
+          </a:lnRef>
+          <a:fillRef idx="1">
+            <a:schemeClr val="accent1"/>
+          </a:fillRef>
+          <a:effectRef idx="0">
+            <a:schemeClr val="accent1"/>
+          </a:effectRef>
+          <a:fontRef idx="minor">
+            <a:schemeClr val="lt1"/>
+          </a:fontRef>
+        </p:style>
+        <p:txBody>
+          <a:bodyPr lIns="36000" rIns="36000" rtlCol="0" anchor="ctr"/>
+          <a:lstStyle>
+            <a:defPPr>
+              <a:defRPr lang="sv-SE"/>
+            </a:defPPr>
+            <a:lvl1pPr algn="ctr">
+              <a:defRPr sz="1200" b="1"/>
+            </a:lvl1pPr>
+            <a:lvl2pPr>
+              <a:defRPr>
+                <a:solidFill>
+                  <a:schemeClr val="lt1"/>
+                </a:solidFill>
+              </a:defRPr>
+            </a:lvl2pPr>
+            <a:lvl3pPr>
+              <a:defRPr>
+                <a:solidFill>
+                  <a:schemeClr val="lt1"/>
+                </a:solidFill>
+              </a:defRPr>
+            </a:lvl3pPr>
+            <a:lvl4pPr>
+              <a:defRPr>
+                <a:solidFill>
+                  <a:schemeClr val="lt1"/>
+                </a:solidFill>
+              </a:defRPr>
+            </a:lvl4pPr>
+            <a:lvl5pPr>
+              <a:defRPr>
+                <a:solidFill>
+                  <a:schemeClr val="lt1"/>
+                </a:solidFill>
+              </a:defRPr>
+            </a:lvl5pPr>
+            <a:lvl6pPr>
+              <a:defRPr>
+                <a:solidFill>
+                  <a:schemeClr val="lt1"/>
+                </a:solidFill>
+              </a:defRPr>
+            </a:lvl6pPr>
+            <a:lvl7pPr>
+              <a:defRPr>
+                <a:solidFill>
+                  <a:schemeClr val="lt1"/>
+                </a:solidFill>
+              </a:defRPr>
+            </a:lvl7pPr>
+            <a:lvl8pPr>
+              <a:defRPr>
+                <a:solidFill>
+                  <a:schemeClr val="lt1"/>
+                </a:solidFill>
+              </a:defRPr>
+            </a:lvl8pPr>
+            <a:lvl9pPr>
+              <a:defRPr>
+                <a:solidFill>
+                  <a:schemeClr val="lt1"/>
+                </a:solidFill>
+              </a:defRPr>
+            </a:lvl9pPr>
+          </a:lstStyle>
+          <a:p>
+            <a:r>
+              <a:rPr lang="en-GB" b="0" dirty="0">
+                <a:solidFill>
+                  <a:schemeClr val="tx1"/>
+                </a:solidFill>
+              </a:rPr>
+              <a:t>Show</a:t>
+            </a:r>
+            <a:endParaRPr lang="sv-SE" b="0" dirty="0">
+              <a:solidFill>
+                <a:schemeClr val="tx1"/>
+              </a:solidFill>
+            </a:endParaRPr>
+          </a:p>
+        </p:txBody>
+      </p:sp>
+      <p:sp>
+        <p:nvSpPr>
+          <p:cNvPr id="48" name="TextBox 47">
+            <a:extLst>
+              <a:ext uri="{FF2B5EF4-FFF2-40B4-BE49-F238E27FC236}">
+                <a16:creationId xmlns:a16="http://schemas.microsoft.com/office/drawing/2014/main" id="{43DB58D7-05A3-4EB2-BB5C-5E6D4E3069B4}"/>
+              </a:ext>
+            </a:extLst>
+          </p:cNvPr>
+          <p:cNvSpPr txBox="1"/>
+          <p:nvPr/>
+        </p:nvSpPr>
+        <p:spPr>
+          <a:xfrm>
+            <a:off x="10298556" y="2990954"/>
+            <a:ext cx="580005" cy="228955"/>
+          </a:xfrm>
+          <a:prstGeom prst="rect">
+            <a:avLst/>
+          </a:prstGeom>
+          <a:solidFill>
+            <a:schemeClr val="bg2">
+              <a:alpha val="85000"/>
+            </a:schemeClr>
+          </a:solidFill>
+          <a:ln>
+            <a:gradFill>
+              <a:gsLst>
+                <a:gs pos="0">
+                  <a:schemeClr val="accent1">
+                    <a:lumMod val="5000"/>
+                    <a:lumOff val="95000"/>
+                  </a:schemeClr>
+                </a:gs>
+                <a:gs pos="74000">
+                  <a:schemeClr val="accent1">
+                    <a:lumMod val="45000"/>
+                    <a:lumOff val="55000"/>
+                  </a:schemeClr>
+                </a:gs>
+                <a:gs pos="83000">
+                  <a:schemeClr val="accent1">
+                    <a:lumMod val="45000"/>
+                    <a:lumOff val="55000"/>
+                  </a:schemeClr>
+                </a:gs>
+                <a:gs pos="100000">
+                  <a:schemeClr val="accent1">
+                    <a:lumMod val="30000"/>
+                    <a:lumOff val="70000"/>
+                  </a:schemeClr>
+                </a:gs>
+              </a:gsLst>
+              <a:lin ang="5400000" scaled="1"/>
+            </a:gradFill>
+          </a:ln>
+          <a:effectLst>
+            <a:outerShdw blurRad="63500" sx="102000" sy="102000" algn="ctr" rotWithShape="0">
+              <a:prstClr val="black">
+                <a:alpha val="40000"/>
+              </a:prstClr>
+            </a:outerShdw>
+          </a:effectLst>
+        </p:spPr>
+        <p:style>
+          <a:lnRef idx="2">
+            <a:schemeClr val="accent1">
+              <a:shade val="50000"/>
+            </a:schemeClr>
+          </a:lnRef>
+          <a:fillRef idx="1">
+            <a:schemeClr val="accent1"/>
+          </a:fillRef>
+          <a:effectRef idx="0">
+            <a:schemeClr val="accent1"/>
+          </a:effectRef>
+          <a:fontRef idx="minor">
+            <a:schemeClr val="lt1"/>
+          </a:fontRef>
+        </p:style>
+        <p:txBody>
+          <a:bodyPr lIns="36000" rIns="36000" rtlCol="0" anchor="ctr"/>
+          <a:lstStyle>
+            <a:defPPr>
+              <a:defRPr lang="sv-SE"/>
+            </a:defPPr>
+            <a:lvl1pPr algn="ctr">
+              <a:defRPr sz="1200" b="1"/>
+            </a:lvl1pPr>
+            <a:lvl2pPr>
+              <a:defRPr>
+                <a:solidFill>
+                  <a:schemeClr val="lt1"/>
+                </a:solidFill>
+              </a:defRPr>
+            </a:lvl2pPr>
+            <a:lvl3pPr>
+              <a:defRPr>
+                <a:solidFill>
+                  <a:schemeClr val="lt1"/>
+                </a:solidFill>
+              </a:defRPr>
+            </a:lvl3pPr>
+            <a:lvl4pPr>
+              <a:defRPr>
+                <a:solidFill>
+                  <a:schemeClr val="lt1"/>
+                </a:solidFill>
+              </a:defRPr>
+            </a:lvl4pPr>
+            <a:lvl5pPr>
+              <a:defRPr>
+                <a:solidFill>
+                  <a:schemeClr val="lt1"/>
+                </a:solidFill>
+              </a:defRPr>
+            </a:lvl5pPr>
+            <a:lvl6pPr>
+              <a:defRPr>
+                <a:solidFill>
+                  <a:schemeClr val="lt1"/>
+                </a:solidFill>
+              </a:defRPr>
+            </a:lvl6pPr>
+            <a:lvl7pPr>
+              <a:defRPr>
+                <a:solidFill>
+                  <a:schemeClr val="lt1"/>
+                </a:solidFill>
+              </a:defRPr>
+            </a:lvl7pPr>
+            <a:lvl8pPr>
+              <a:defRPr>
+                <a:solidFill>
+                  <a:schemeClr val="lt1"/>
+                </a:solidFill>
+              </a:defRPr>
+            </a:lvl8pPr>
+            <a:lvl9pPr>
+              <a:defRPr>
+                <a:solidFill>
+                  <a:schemeClr val="lt1"/>
+                </a:solidFill>
+              </a:defRPr>
+            </a:lvl9pPr>
+          </a:lstStyle>
+          <a:p>
+            <a:r>
+              <a:rPr lang="en-GB" b="0" dirty="0">
+                <a:solidFill>
+                  <a:schemeClr val="tx1"/>
+                </a:solidFill>
+              </a:rPr>
+              <a:t>Edit</a:t>
+            </a:r>
+            <a:endParaRPr lang="sv-SE" b="0" dirty="0">
+              <a:solidFill>
+                <a:schemeClr val="tx1"/>
+              </a:solidFill>
+            </a:endParaRPr>
+          </a:p>
+        </p:txBody>
+      </p:sp>
+      <p:sp>
+        <p:nvSpPr>
+          <p:cNvPr id="49" name="TextBox 48">
+            <a:extLst>
+              <a:ext uri="{FF2B5EF4-FFF2-40B4-BE49-F238E27FC236}">
+                <a16:creationId xmlns:a16="http://schemas.microsoft.com/office/drawing/2014/main" id="{E141A7E0-0CD3-495F-8206-725CF50F8F1E}"/>
+              </a:ext>
+            </a:extLst>
+          </p:cNvPr>
+          <p:cNvSpPr txBox="1"/>
+          <p:nvPr/>
+        </p:nvSpPr>
+        <p:spPr>
+          <a:xfrm>
+            <a:off x="10992553" y="2990954"/>
+            <a:ext cx="580005" cy="228955"/>
+          </a:xfrm>
+          <a:prstGeom prst="rect">
+            <a:avLst/>
+          </a:prstGeom>
+          <a:solidFill>
+            <a:schemeClr val="bg2">
+              <a:alpha val="85000"/>
+            </a:schemeClr>
+          </a:solidFill>
+          <a:ln>
+            <a:gradFill>
+              <a:gsLst>
+                <a:gs pos="0">
+                  <a:schemeClr val="accent1">
+                    <a:lumMod val="5000"/>
+                    <a:lumOff val="95000"/>
+                  </a:schemeClr>
+                </a:gs>
+                <a:gs pos="74000">
+                  <a:schemeClr val="accent1">
+                    <a:lumMod val="45000"/>
+                    <a:lumOff val="55000"/>
+                  </a:schemeClr>
+                </a:gs>
+                <a:gs pos="83000">
+                  <a:schemeClr val="accent1">
+                    <a:lumMod val="45000"/>
+                    <a:lumOff val="55000"/>
+                  </a:schemeClr>
+                </a:gs>
+                <a:gs pos="100000">
+                  <a:schemeClr val="accent1">
+                    <a:lumMod val="30000"/>
+                    <a:lumOff val="70000"/>
+                  </a:schemeClr>
+                </a:gs>
+              </a:gsLst>
+              <a:lin ang="5400000" scaled="1"/>
+            </a:gradFill>
+          </a:ln>
+          <a:effectLst>
+            <a:outerShdw blurRad="63500" sx="102000" sy="102000" algn="ctr" rotWithShape="0">
+              <a:prstClr val="black">
+                <a:alpha val="40000"/>
+              </a:prstClr>
+            </a:outerShdw>
+          </a:effectLst>
+        </p:spPr>
+        <p:style>
+          <a:lnRef idx="2">
+            <a:schemeClr val="accent1">
+              <a:shade val="50000"/>
+            </a:schemeClr>
+          </a:lnRef>
+          <a:fillRef idx="1">
+            <a:schemeClr val="accent1"/>
+          </a:fillRef>
+          <a:effectRef idx="0">
+            <a:schemeClr val="accent1"/>
+          </a:effectRef>
+          <a:fontRef idx="minor">
+            <a:schemeClr val="lt1"/>
+          </a:fontRef>
+        </p:style>
+        <p:txBody>
+          <a:bodyPr lIns="36000" rIns="36000" rtlCol="0" anchor="ctr"/>
+          <a:lstStyle>
+            <a:defPPr>
+              <a:defRPr lang="sv-SE"/>
+            </a:defPPr>
+            <a:lvl1pPr algn="ctr">
+              <a:defRPr sz="1200" b="1"/>
+            </a:lvl1pPr>
+            <a:lvl2pPr>
+              <a:defRPr>
+                <a:solidFill>
+                  <a:schemeClr val="lt1"/>
+                </a:solidFill>
+              </a:defRPr>
+            </a:lvl2pPr>
+            <a:lvl3pPr>
+              <a:defRPr>
+                <a:solidFill>
+                  <a:schemeClr val="lt1"/>
+                </a:solidFill>
+              </a:defRPr>
+            </a:lvl3pPr>
+            <a:lvl4pPr>
+              <a:defRPr>
+                <a:solidFill>
+                  <a:schemeClr val="lt1"/>
+                </a:solidFill>
+              </a:defRPr>
+            </a:lvl4pPr>
+            <a:lvl5pPr>
+              <a:defRPr>
+                <a:solidFill>
+                  <a:schemeClr val="lt1"/>
+                </a:solidFill>
+              </a:defRPr>
+            </a:lvl5pPr>
+            <a:lvl6pPr>
+              <a:defRPr>
+                <a:solidFill>
+                  <a:schemeClr val="lt1"/>
+                </a:solidFill>
+              </a:defRPr>
+            </a:lvl6pPr>
+            <a:lvl7pPr>
+              <a:defRPr>
+                <a:solidFill>
+                  <a:schemeClr val="lt1"/>
+                </a:solidFill>
+              </a:defRPr>
+            </a:lvl7pPr>
+            <a:lvl8pPr>
+              <a:defRPr>
+                <a:solidFill>
+                  <a:schemeClr val="lt1"/>
+                </a:solidFill>
+              </a:defRPr>
+            </a:lvl8pPr>
+            <a:lvl9pPr>
+              <a:defRPr>
+                <a:solidFill>
+                  <a:schemeClr val="lt1"/>
+                </a:solidFill>
+              </a:defRPr>
+            </a:lvl9pPr>
+          </a:lstStyle>
+          <a:p>
+            <a:r>
+              <a:rPr lang="en-GB" b="0" dirty="0">
+                <a:solidFill>
+                  <a:schemeClr val="tx1"/>
+                </a:solidFill>
+              </a:rPr>
+              <a:t>Delete</a:t>
+            </a:r>
+            <a:endParaRPr lang="sv-SE" b="0" dirty="0">
+              <a:solidFill>
+                <a:schemeClr val="tx1"/>
+              </a:solidFill>
+            </a:endParaRPr>
+          </a:p>
+        </p:txBody>
+      </p:sp>
+      <p:cxnSp>
+        <p:nvCxnSpPr>
+          <p:cNvPr id="14" name="Straight Arrow Connector 13">
+            <a:extLst>
+              <a:ext uri="{FF2B5EF4-FFF2-40B4-BE49-F238E27FC236}">
+                <a16:creationId xmlns:a16="http://schemas.microsoft.com/office/drawing/2014/main" id="{E6F2F89D-C6DD-40DD-A359-7BFA854BE699}"/>
+              </a:ext>
+            </a:extLst>
+          </p:cNvPr>
+          <p:cNvCxnSpPr>
+            <a:cxnSpLocks/>
+            <a:endCxn id="37" idx="1"/>
+          </p:cNvCxnSpPr>
+          <p:nvPr/>
+        </p:nvCxnSpPr>
+        <p:spPr>
+          <a:xfrm flipV="1">
+            <a:off x="8648683" y="2749225"/>
+            <a:ext cx="814316" cy="310444"/>
+          </a:xfrm>
+          <a:prstGeom prst="straightConnector1">
+            <a:avLst/>
+          </a:prstGeom>
+          <a:ln>
+            <a:tailEnd type="triangle"/>
+          </a:ln>
+        </p:spPr>
+        <p:style>
+          <a:lnRef idx="1">
+            <a:schemeClr val="accent1"/>
+          </a:lnRef>
+          <a:fillRef idx="0">
+            <a:schemeClr val="accent1"/>
+          </a:fillRef>
+          <a:effectRef idx="0">
+            <a:schemeClr val="accent1"/>
+          </a:effectRef>
+          <a:fontRef idx="minor">
+            <a:schemeClr val="tx1"/>
+          </a:fontRef>
+        </p:style>
+      </p:cxnSp>
+      <p:sp>
+        <p:nvSpPr>
+          <p:cNvPr id="50" name="TextBox 49">
+            <a:extLst>
+              <a:ext uri="{FF2B5EF4-FFF2-40B4-BE49-F238E27FC236}">
+                <a16:creationId xmlns:a16="http://schemas.microsoft.com/office/drawing/2014/main" id="{B5872C41-8602-48CD-AA43-E88D798CBFF9}"/>
+              </a:ext>
+            </a:extLst>
+          </p:cNvPr>
+          <p:cNvSpPr txBox="1"/>
+          <p:nvPr/>
+        </p:nvSpPr>
+        <p:spPr>
+          <a:xfrm rot="20493702">
+            <a:off x="8712214" y="2783707"/>
+            <a:ext cx="520281" cy="184666"/>
+          </a:xfrm>
+          <a:prstGeom prst="rect">
+            <a:avLst/>
+          </a:prstGeom>
+          <a:noFill/>
+        </p:spPr>
+        <p:txBody>
+          <a:bodyPr wrap="square" rtlCol="0">
+            <a:spAutoFit/>
+          </a:bodyPr>
+          <a:lstStyle/>
+          <a:p>
+            <a:r>
+              <a:rPr lang="en-GB" sz="600" dirty="0"/>
+              <a:t>on click</a:t>
+            </a:r>
+            <a:endParaRPr lang="sv-SE" sz="600" dirty="0"/>
+          </a:p>
+        </p:txBody>
+      </p:sp>
+      <p:sp>
+        <p:nvSpPr>
+          <p:cNvPr id="54" name="Rectangle 53">
+            <a:extLst>
+              <a:ext uri="{FF2B5EF4-FFF2-40B4-BE49-F238E27FC236}">
+                <a16:creationId xmlns:a16="http://schemas.microsoft.com/office/drawing/2014/main" id="{8EC76E98-8962-4263-ABE7-DF9C3CC4C445}"/>
+              </a:ext>
+            </a:extLst>
+          </p:cNvPr>
+          <p:cNvSpPr/>
+          <p:nvPr/>
+        </p:nvSpPr>
+        <p:spPr>
+          <a:xfrm>
+            <a:off x="7202186" y="2657281"/>
+            <a:ext cx="720000" cy="720000"/>
+          </a:xfrm>
+          <a:prstGeom prst="rect">
+            <a:avLst/>
+          </a:prstGeom>
+          <a:solidFill>
+            <a:schemeClr val="bg2">
+              <a:alpha val="85000"/>
+            </a:schemeClr>
+          </a:solidFill>
+          <a:ln>
+            <a:gradFill>
+              <a:gsLst>
+                <a:gs pos="0">
+                  <a:schemeClr val="accent1">
+                    <a:lumMod val="5000"/>
+                    <a:lumOff val="95000"/>
+                  </a:schemeClr>
+                </a:gs>
+                <a:gs pos="74000">
+                  <a:schemeClr val="accent1">
+                    <a:lumMod val="45000"/>
+                    <a:lumOff val="55000"/>
+                  </a:schemeClr>
+                </a:gs>
+                <a:gs pos="83000">
+                  <a:schemeClr val="accent1">
+                    <a:lumMod val="45000"/>
+                    <a:lumOff val="55000"/>
+                  </a:schemeClr>
+                </a:gs>
+                <a:gs pos="100000">
+                  <a:schemeClr val="accent1">
+                    <a:lumMod val="30000"/>
+                    <a:lumOff val="70000"/>
+                  </a:schemeClr>
+                </a:gs>
+              </a:gsLst>
+              <a:lin ang="5400000" scaled="1"/>
+            </a:gradFill>
+          </a:ln>
+          <a:effectLst>
+            <a:outerShdw blurRad="63500" sx="102000" sy="102000" algn="ctr" rotWithShape="0">
+              <a:prstClr val="black">
+                <a:alpha val="40000"/>
+              </a:prstClr>
+            </a:outerShdw>
+          </a:effectLst>
+        </p:spPr>
+        <p:style>
+          <a:lnRef idx="2">
+            <a:schemeClr val="accent1">
+              <a:shade val="50000"/>
+            </a:schemeClr>
+          </a:lnRef>
+          <a:fillRef idx="1">
+            <a:schemeClr val="accent1"/>
+          </a:fillRef>
+          <a:effectRef idx="0">
+            <a:schemeClr val="accent1"/>
+          </a:effectRef>
+          <a:fontRef idx="minor">
+            <a:schemeClr val="lt1"/>
+          </a:fontRef>
+        </p:style>
+        <p:txBody>
+          <a:bodyPr lIns="36000" rIns="36000" rtlCol="0" anchor="ctr"/>
+          <a:lstStyle/>
+          <a:p>
+            <a:pPr algn="ctr"/>
+            <a:r>
+              <a:rPr lang="en-GB" sz="1200" dirty="0">
+                <a:solidFill>
+                  <a:schemeClr val="tx1"/>
+                </a:solidFill>
+              </a:rPr>
+              <a:t>My first schedule</a:t>
+            </a:r>
+          </a:p>
+        </p:txBody>
+      </p:sp>
+    </p:spTree>
+    <p:extLst>
+      <p:ext uri="{BB962C8B-B14F-4D97-AF65-F5344CB8AC3E}">
+        <p14:creationId xmlns:p14="http://schemas.microsoft.com/office/powerpoint/2010/main" val="2352240134"/>
+      </p:ext>
+    </p:extLst>
+  </p:cSld>
+  <p:clrMapOvr>
+    <a:masterClrMapping/>
+  </p:clrMapOvr>
+  <p:extLst>
+    <p:ext uri="{6950BFC3-D8DA-4A85-94F7-54DA5524770B}">
+      <p188:commentRel xmlns:p188="http://schemas.microsoft.com/office/powerpoint/2018/8/main" r:id="rId2"/>
+    </p:ext>
+  </p:extLst>
+</p:sld>
+</file>
+
+<file path=ppt/slides/slide11.xml><?xml version="1.0" encoding="utf-8"?>
+<p:sld xmlns:a="http://schemas.openxmlformats.org/drawingml/2006/main" xmlns:r="http://schemas.openxmlformats.org/officeDocument/2006/relationships" xmlns:p="http://schemas.openxmlformats.org/presentationml/2006/main" show="0">
+  <p:cSld>
+    <p:spTree>
+      <p:nvGrpSpPr>
+        <p:cNvPr id="1" name=""/>
+        <p:cNvGrpSpPr/>
+        <p:nvPr/>
+      </p:nvGrpSpPr>
+      <p:grpSpPr>
+        <a:xfrm>
+          <a:off x="0" y="0"/>
+          <a:ext cx="0" cy="0"/>
+          <a:chOff x="0" y="0"/>
+          <a:chExt cx="0" cy="0"/>
+        </a:xfrm>
+      </p:grpSpPr>
+      <p:pic>
+        <p:nvPicPr>
+          <p:cNvPr id="1032" name="Picture 8" descr="Winter olympics Images, Stock Photos &amp;amp; Vectors | Shutterstock">
+            <a:extLst>
+              <a:ext uri="{FF2B5EF4-FFF2-40B4-BE49-F238E27FC236}">
+                <a16:creationId xmlns:a16="http://schemas.microsoft.com/office/drawing/2014/main" id="{9381FD0B-4BB1-451B-84D8-D12A1C1721D1}"/>
+              </a:ext>
+            </a:extLst>
+          </p:cNvPr>
+          <p:cNvPicPr>
+            <a:picLocks noChangeAspect="1" noChangeArrowheads="1"/>
+          </p:cNvPicPr>
+          <p:nvPr/>
+        </p:nvPicPr>
+        <p:blipFill rotWithShape="1">
+          <a:blip r:embed="rId2">
+            <a:extLst>
+              <a:ext uri="{28A0092B-C50C-407E-A947-70E740481C1C}">
+                <a14:useLocalDpi xmlns:a14="http://schemas.microsoft.com/office/drawing/2010/main" val="0"/>
+              </a:ext>
+            </a:extLst>
+          </a:blip>
+          <a:srcRect l="6645" b="14121"/>
+          <a:stretch/>
+        </p:blipFill>
+        <p:spPr bwMode="auto">
+          <a:xfrm>
+            <a:off x="-18058" y="0"/>
+            <a:ext cx="12210057" cy="6858815"/>
+          </a:xfrm>
+          <a:prstGeom prst="rect">
+            <a:avLst/>
+          </a:prstGeom>
+          <a:noFill/>
+          <a:extLst>
+            <a:ext uri="{909E8E84-426E-40DD-AFC4-6F175D3DCCD1}">
+              <a14:hiddenFill xmlns:a14="http://schemas.microsoft.com/office/drawing/2010/main">
+                <a:solidFill>
+                  <a:srgbClr val="FFFFFF"/>
+                </a:solidFill>
+              </a14:hiddenFill>
+            </a:ext>
+          </a:extLst>
+        </p:spPr>
+      </p:pic>
+      <p:sp>
+        <p:nvSpPr>
+          <p:cNvPr id="11" name="Rectangle 10">
+            <a:extLst>
+              <a:ext uri="{FF2B5EF4-FFF2-40B4-BE49-F238E27FC236}">
+                <a16:creationId xmlns:a16="http://schemas.microsoft.com/office/drawing/2014/main" id="{10EB8D02-9EDE-4911-8F59-FDB495188B2A}"/>
+              </a:ext>
+            </a:extLst>
+          </p:cNvPr>
+          <p:cNvSpPr/>
+          <p:nvPr/>
+        </p:nvSpPr>
+        <p:spPr>
+          <a:xfrm>
+            <a:off x="-18058" y="1"/>
+            <a:ext cx="12210058" cy="802104"/>
+          </a:xfrm>
+          <a:prstGeom prst="rect">
+            <a:avLst/>
+          </a:prstGeom>
+          <a:solidFill>
+            <a:srgbClr val="304550"/>
+          </a:solidFill>
+          <a:ln>
+            <a:noFill/>
+          </a:ln>
+          <a:effectLst/>
+        </p:spPr>
+        <p:style>
+          <a:lnRef idx="0">
+            <a:scrgbClr r="0" g="0" b="0"/>
+          </a:lnRef>
+          <a:fillRef idx="0">
+            <a:scrgbClr r="0" g="0" b="0"/>
+          </a:fillRef>
+          <a:effectRef idx="0">
+            <a:scrgbClr r="0" g="0" b="0"/>
+          </a:effectRef>
+          <a:fontRef idx="minor">
+            <a:schemeClr val="lt1"/>
+          </a:fontRef>
+        </p:style>
+        <p:txBody>
+          <a:bodyPr rtlCol="0" anchor="ctr"/>
+          <a:lstStyle/>
+          <a:p>
+            <a:r>
+              <a:rPr lang="en-GB" sz="2800" b="1" dirty="0"/>
+              <a:t>	Olympic Planner</a:t>
+            </a:r>
+          </a:p>
+        </p:txBody>
+      </p:sp>
+      <p:sp>
+        <p:nvSpPr>
+          <p:cNvPr id="2" name="TextBox 1">
+            <a:extLst>
+              <a:ext uri="{FF2B5EF4-FFF2-40B4-BE49-F238E27FC236}">
+                <a16:creationId xmlns:a16="http://schemas.microsoft.com/office/drawing/2014/main" id="{02A273FF-198B-4733-95DB-1931741DFB95}"/>
+              </a:ext>
+            </a:extLst>
+          </p:cNvPr>
+          <p:cNvSpPr txBox="1"/>
+          <p:nvPr/>
+        </p:nvSpPr>
+        <p:spPr>
+          <a:xfrm>
+            <a:off x="4748463" y="216568"/>
+            <a:ext cx="1919037" cy="369332"/>
+          </a:xfrm>
+          <a:prstGeom prst="rect">
+            <a:avLst/>
+          </a:prstGeom>
+          <a:noFill/>
+        </p:spPr>
+        <p:txBody>
+          <a:bodyPr wrap="square" rtlCol="0">
+            <a:spAutoFit/>
+          </a:bodyPr>
+          <a:lstStyle/>
+          <a:p>
+            <a:r>
+              <a:rPr lang="en-GB" dirty="0">
+                <a:solidFill>
+                  <a:schemeClr val="bg1"/>
+                </a:solidFill>
+              </a:rPr>
+              <a:t>Create schedule</a:t>
+            </a:r>
+            <a:endParaRPr lang="sv-SE" dirty="0">
+              <a:solidFill>
+                <a:schemeClr val="bg1"/>
+              </a:solidFill>
+            </a:endParaRPr>
+          </a:p>
+        </p:txBody>
+      </p:sp>
+      <p:sp>
+        <p:nvSpPr>
+          <p:cNvPr id="7" name="TextBox 6">
+            <a:extLst>
+              <a:ext uri="{FF2B5EF4-FFF2-40B4-BE49-F238E27FC236}">
+                <a16:creationId xmlns:a16="http://schemas.microsoft.com/office/drawing/2014/main" id="{7A0D3294-7EE1-45BB-B18F-7F0D6EFBA551}"/>
+              </a:ext>
+            </a:extLst>
+          </p:cNvPr>
+          <p:cNvSpPr txBox="1"/>
+          <p:nvPr/>
+        </p:nvSpPr>
+        <p:spPr>
+          <a:xfrm>
+            <a:off x="7058525" y="213765"/>
+            <a:ext cx="1729875" cy="369332"/>
+          </a:xfrm>
+          <a:prstGeom prst="rect">
+            <a:avLst/>
+          </a:prstGeom>
+          <a:noFill/>
+        </p:spPr>
+        <p:txBody>
+          <a:bodyPr wrap="square" rtlCol="0">
+            <a:spAutoFit/>
+          </a:bodyPr>
+          <a:lstStyle/>
+          <a:p>
+            <a:r>
+              <a:rPr lang="en-GB" dirty="0">
+                <a:solidFill>
+                  <a:schemeClr val="bg1"/>
+                </a:solidFill>
+              </a:rPr>
+              <a:t>My schedules</a:t>
+            </a:r>
+            <a:endParaRPr lang="sv-SE" dirty="0">
+              <a:solidFill>
+                <a:schemeClr val="bg1"/>
+              </a:solidFill>
+            </a:endParaRPr>
+          </a:p>
+        </p:txBody>
+      </p:sp>
+      <p:sp>
+        <p:nvSpPr>
+          <p:cNvPr id="3" name="Rectangle 2">
+            <a:extLst>
+              <a:ext uri="{FF2B5EF4-FFF2-40B4-BE49-F238E27FC236}">
+                <a16:creationId xmlns:a16="http://schemas.microsoft.com/office/drawing/2014/main" id="{69EDFEF5-BCCD-4D0C-ACC1-1686463FEB5A}"/>
+              </a:ext>
+            </a:extLst>
+          </p:cNvPr>
+          <p:cNvSpPr/>
+          <p:nvPr/>
+        </p:nvSpPr>
+        <p:spPr>
+          <a:xfrm>
+            <a:off x="2447925" y="1652003"/>
+            <a:ext cx="4219576" cy="4634498"/>
+          </a:xfrm>
+          <a:prstGeom prst="rect">
+            <a:avLst/>
+          </a:prstGeom>
+          <a:solidFill>
+            <a:schemeClr val="bg2">
+              <a:alpha val="85000"/>
+            </a:schemeClr>
+          </a:solidFill>
+          <a:ln>
+            <a:gradFill>
+              <a:gsLst>
+                <a:gs pos="0">
+                  <a:schemeClr val="accent1">
+                    <a:lumMod val="5000"/>
+                    <a:lumOff val="95000"/>
+                  </a:schemeClr>
+                </a:gs>
+                <a:gs pos="74000">
+                  <a:schemeClr val="accent1">
+                    <a:lumMod val="45000"/>
+                    <a:lumOff val="55000"/>
+                  </a:schemeClr>
+                </a:gs>
+                <a:gs pos="83000">
+                  <a:schemeClr val="accent1">
+                    <a:lumMod val="45000"/>
+                    <a:lumOff val="55000"/>
+                  </a:schemeClr>
+                </a:gs>
+                <a:gs pos="100000">
+                  <a:schemeClr val="accent1">
+                    <a:lumMod val="30000"/>
+                    <a:lumOff val="70000"/>
+                  </a:schemeClr>
+                </a:gs>
+              </a:gsLst>
+              <a:lin ang="5400000" scaled="1"/>
+            </a:gradFill>
+          </a:ln>
+          <a:effectLst>
+            <a:outerShdw blurRad="63500" sx="102000" sy="102000" algn="ctr" rotWithShape="0">
+              <a:prstClr val="black">
+                <a:alpha val="40000"/>
+              </a:prstClr>
+            </a:outerShdw>
+          </a:effectLst>
+        </p:spPr>
+        <p:style>
+          <a:lnRef idx="2">
+            <a:schemeClr val="accent1">
+              <a:shade val="50000"/>
+            </a:schemeClr>
+          </a:lnRef>
+          <a:fillRef idx="1">
+            <a:schemeClr val="accent1"/>
+          </a:fillRef>
+          <a:effectRef idx="0">
+            <a:schemeClr val="accent1"/>
+          </a:effectRef>
+          <a:fontRef idx="minor">
+            <a:schemeClr val="lt1"/>
+          </a:fontRef>
+        </p:style>
+        <p:txBody>
+          <a:bodyPr rtlCol="0" anchor="t"/>
+          <a:lstStyle/>
+          <a:p>
+            <a:pPr algn="ctr"/>
+            <a:endParaRPr lang="sv-SE" dirty="0"/>
+          </a:p>
+        </p:txBody>
+      </p:sp>
+      <p:sp>
+        <p:nvSpPr>
+          <p:cNvPr id="4" name="TextBox 3">
+            <a:extLst>
+              <a:ext uri="{FF2B5EF4-FFF2-40B4-BE49-F238E27FC236}">
+                <a16:creationId xmlns:a16="http://schemas.microsoft.com/office/drawing/2014/main" id="{A1F74440-F4FD-4161-AB2B-CF288D0F6C19}"/>
+              </a:ext>
+            </a:extLst>
+          </p:cNvPr>
+          <p:cNvSpPr txBox="1"/>
+          <p:nvPr/>
+        </p:nvSpPr>
+        <p:spPr>
+          <a:xfrm>
+            <a:off x="2955925" y="2069450"/>
+            <a:ext cx="2870200" cy="369332"/>
+          </a:xfrm>
+          <a:prstGeom prst="rect">
+            <a:avLst/>
+          </a:prstGeom>
+          <a:noFill/>
+        </p:spPr>
+        <p:txBody>
+          <a:bodyPr wrap="square" rtlCol="0">
+            <a:spAutoFit/>
+          </a:bodyPr>
+          <a:lstStyle/>
+          <a:p>
+            <a:r>
+              <a:rPr lang="en-GB" b="1" dirty="0"/>
+              <a:t>Personal Information</a:t>
+            </a:r>
+            <a:endParaRPr lang="sv-SE" b="1" dirty="0"/>
+          </a:p>
+        </p:txBody>
+      </p:sp>
+      <p:sp>
+        <p:nvSpPr>
+          <p:cNvPr id="15" name="Rectangle 14">
+            <a:extLst>
+              <a:ext uri="{FF2B5EF4-FFF2-40B4-BE49-F238E27FC236}">
+                <a16:creationId xmlns:a16="http://schemas.microsoft.com/office/drawing/2014/main" id="{659373C6-639B-45E9-8770-0A8B1E3C17CE}"/>
+              </a:ext>
+            </a:extLst>
+          </p:cNvPr>
+          <p:cNvSpPr/>
+          <p:nvPr/>
+        </p:nvSpPr>
+        <p:spPr>
+          <a:xfrm>
+            <a:off x="8803439" y="0"/>
+            <a:ext cx="1919037" cy="802104"/>
+          </a:xfrm>
+          <a:prstGeom prst="rect">
+            <a:avLst/>
+          </a:prstGeom>
+          <a:solidFill>
+            <a:schemeClr val="bg1">
+              <a:alpha val="31000"/>
+            </a:schemeClr>
+          </a:solidFill>
+          <a:ln>
+            <a:noFill/>
+          </a:ln>
+        </p:spPr>
+        <p:style>
+          <a:lnRef idx="2">
+            <a:schemeClr val="accent1">
+              <a:shade val="50000"/>
+            </a:schemeClr>
+          </a:lnRef>
+          <a:fillRef idx="1">
+            <a:schemeClr val="accent1"/>
+          </a:fillRef>
+          <a:effectRef idx="0">
+            <a:schemeClr val="accent1"/>
+          </a:effectRef>
+          <a:fontRef idx="minor">
+            <a:schemeClr val="lt1"/>
+          </a:fontRef>
+        </p:style>
+        <p:txBody>
+          <a:bodyPr rtlCol="0" anchor="ctr"/>
+          <a:lstStyle/>
+          <a:p>
+            <a:pPr algn="ctr"/>
+            <a:endParaRPr lang="sv-SE"/>
+          </a:p>
+        </p:txBody>
+      </p:sp>
+      <p:sp>
+        <p:nvSpPr>
+          <p:cNvPr id="13" name="TextBox 12">
+            <a:extLst>
+              <a:ext uri="{FF2B5EF4-FFF2-40B4-BE49-F238E27FC236}">
+                <a16:creationId xmlns:a16="http://schemas.microsoft.com/office/drawing/2014/main" id="{658E57C1-6F58-4CA5-B2B0-75434256E37C}"/>
+              </a:ext>
+            </a:extLst>
+          </p:cNvPr>
+          <p:cNvSpPr txBox="1"/>
+          <p:nvPr/>
+        </p:nvSpPr>
+        <p:spPr>
+          <a:xfrm>
+            <a:off x="9298402" y="202167"/>
+            <a:ext cx="1729875" cy="369332"/>
+          </a:xfrm>
+          <a:prstGeom prst="rect">
+            <a:avLst/>
+          </a:prstGeom>
+          <a:noFill/>
+        </p:spPr>
+        <p:txBody>
+          <a:bodyPr wrap="square" rtlCol="0">
+            <a:spAutoFit/>
+          </a:bodyPr>
+          <a:lstStyle/>
+          <a:p>
+            <a:r>
+              <a:rPr lang="en-GB" dirty="0">
+                <a:solidFill>
+                  <a:schemeClr val="bg1"/>
+                </a:solidFill>
+              </a:rPr>
+              <a:t>My page</a:t>
+            </a:r>
+            <a:endParaRPr lang="sv-SE" dirty="0">
+              <a:solidFill>
+                <a:schemeClr val="bg1"/>
+              </a:solidFill>
+            </a:endParaRPr>
+          </a:p>
+        </p:txBody>
+      </p:sp>
+      <p:sp>
+        <p:nvSpPr>
+          <p:cNvPr id="5" name="Rectangle 4">
+            <a:extLst>
+              <a:ext uri="{FF2B5EF4-FFF2-40B4-BE49-F238E27FC236}">
+                <a16:creationId xmlns:a16="http://schemas.microsoft.com/office/drawing/2014/main" id="{E7EB7B35-7FCC-482A-843C-50AEA28D3478}"/>
+              </a:ext>
+            </a:extLst>
+          </p:cNvPr>
+          <p:cNvSpPr/>
+          <p:nvPr/>
+        </p:nvSpPr>
+        <p:spPr>
+          <a:xfrm>
+            <a:off x="3921960" y="2533650"/>
+            <a:ext cx="2317416" cy="369332"/>
+          </a:xfrm>
+          <a:prstGeom prst="rect">
+            <a:avLst/>
+          </a:prstGeom>
+          <a:noFill/>
+          <a:ln>
+            <a:noFill/>
+          </a:ln>
+          <a:effectLst>
+            <a:innerShdw blurRad="25400">
+              <a:prstClr val="black"/>
+            </a:innerShdw>
+          </a:effectLst>
+        </p:spPr>
+        <p:style>
+          <a:lnRef idx="2">
+            <a:schemeClr val="accent1">
+              <a:shade val="50000"/>
+            </a:schemeClr>
+          </a:lnRef>
+          <a:fillRef idx="1">
+            <a:schemeClr val="accent1"/>
+          </a:fillRef>
+          <a:effectRef idx="0">
+            <a:schemeClr val="accent1"/>
+          </a:effectRef>
+          <a:fontRef idx="minor">
+            <a:schemeClr val="lt1"/>
+          </a:fontRef>
+        </p:style>
+        <p:txBody>
+          <a:bodyPr rtlCol="0" anchor="ctr"/>
+          <a:lstStyle/>
+          <a:p>
+            <a:r>
+              <a:rPr lang="en-GB" sz="1200" dirty="0">
+                <a:solidFill>
+                  <a:schemeClr val="tx1"/>
+                </a:solidFill>
+              </a:rPr>
+              <a:t>Test </a:t>
+            </a:r>
+            <a:r>
+              <a:rPr lang="en-GB" sz="1200" dirty="0" err="1">
+                <a:solidFill>
+                  <a:schemeClr val="tx1"/>
+                </a:solidFill>
+              </a:rPr>
+              <a:t>Testsson</a:t>
+            </a:r>
+            <a:endParaRPr lang="sv-SE" sz="1200" dirty="0">
+              <a:solidFill>
+                <a:schemeClr val="tx1"/>
+              </a:solidFill>
+            </a:endParaRPr>
+          </a:p>
+        </p:txBody>
+      </p:sp>
+      <p:sp>
+        <p:nvSpPr>
+          <p:cNvPr id="16" name="Rectangle 15">
+            <a:extLst>
+              <a:ext uri="{FF2B5EF4-FFF2-40B4-BE49-F238E27FC236}">
+                <a16:creationId xmlns:a16="http://schemas.microsoft.com/office/drawing/2014/main" id="{0A38768C-400F-41AA-8E12-817FFD5B25FF}"/>
+              </a:ext>
+            </a:extLst>
+          </p:cNvPr>
+          <p:cNvSpPr/>
+          <p:nvPr/>
+        </p:nvSpPr>
+        <p:spPr>
+          <a:xfrm>
+            <a:off x="3921960" y="2832615"/>
+            <a:ext cx="2317416" cy="369332"/>
+          </a:xfrm>
+          <a:prstGeom prst="rect">
+            <a:avLst/>
+          </a:prstGeom>
+          <a:noFill/>
+          <a:ln>
+            <a:noFill/>
+          </a:ln>
+          <a:effectLst>
+            <a:innerShdw blurRad="25400">
+              <a:prstClr val="black"/>
+            </a:innerShdw>
+          </a:effectLst>
+        </p:spPr>
+        <p:style>
+          <a:lnRef idx="2">
+            <a:schemeClr val="accent1">
+              <a:shade val="50000"/>
+            </a:schemeClr>
+          </a:lnRef>
+          <a:fillRef idx="1">
+            <a:schemeClr val="accent1"/>
+          </a:fillRef>
+          <a:effectRef idx="0">
+            <a:schemeClr val="accent1"/>
+          </a:effectRef>
+          <a:fontRef idx="minor">
+            <a:schemeClr val="lt1"/>
+          </a:fontRef>
+        </p:style>
+        <p:txBody>
+          <a:bodyPr rtlCol="0" anchor="ctr"/>
+          <a:lstStyle/>
+          <a:p>
+            <a:r>
+              <a:rPr lang="en-GB" sz="1200" dirty="0">
+                <a:solidFill>
+                  <a:schemeClr val="tx1"/>
+                </a:solidFill>
+              </a:rPr>
+              <a:t>test@email.com</a:t>
+            </a:r>
+            <a:endParaRPr lang="sv-SE" sz="1200" dirty="0">
+              <a:solidFill>
+                <a:schemeClr val="tx1"/>
+              </a:solidFill>
+            </a:endParaRPr>
+          </a:p>
+        </p:txBody>
+      </p:sp>
+      <p:grpSp>
+        <p:nvGrpSpPr>
+          <p:cNvPr id="6" name="Group 5">
+            <a:extLst>
+              <a:ext uri="{FF2B5EF4-FFF2-40B4-BE49-F238E27FC236}">
+                <a16:creationId xmlns:a16="http://schemas.microsoft.com/office/drawing/2014/main" id="{60C6C74C-8001-47FC-9A8E-9672C2086CBB}"/>
+              </a:ext>
+            </a:extLst>
+          </p:cNvPr>
+          <p:cNvGrpSpPr/>
+          <p:nvPr/>
+        </p:nvGrpSpPr>
+        <p:grpSpPr>
+          <a:xfrm>
+            <a:off x="5262481" y="2155212"/>
+            <a:ext cx="256255" cy="228955"/>
+            <a:chOff x="5999746" y="5628555"/>
+            <a:chExt cx="456783" cy="461665"/>
+          </a:xfrm>
+        </p:grpSpPr>
+        <p:sp>
+          <p:nvSpPr>
+            <p:cNvPr id="18" name="TextBox 17">
+              <a:extLst>
+                <a:ext uri="{FF2B5EF4-FFF2-40B4-BE49-F238E27FC236}">
+                  <a16:creationId xmlns:a16="http://schemas.microsoft.com/office/drawing/2014/main" id="{CA38CFBF-8960-4DD2-A23F-C7F60BAD2BC5}"/>
+                </a:ext>
+              </a:extLst>
+            </p:cNvPr>
+            <p:cNvSpPr txBox="1"/>
+            <p:nvPr/>
+          </p:nvSpPr>
+          <p:spPr>
+            <a:xfrm>
+              <a:off x="5999746" y="5628555"/>
+              <a:ext cx="456783" cy="461665"/>
+            </a:xfrm>
+            <a:prstGeom prst="rect">
+              <a:avLst/>
+            </a:prstGeom>
+            <a:solidFill>
+              <a:schemeClr val="bg2">
+                <a:alpha val="85000"/>
+              </a:schemeClr>
+            </a:solidFill>
+            <a:ln>
+              <a:gradFill>
+                <a:gsLst>
+                  <a:gs pos="0">
+                    <a:schemeClr val="accent1">
+                      <a:lumMod val="5000"/>
+                      <a:lumOff val="95000"/>
+                    </a:schemeClr>
+                  </a:gs>
+                  <a:gs pos="74000">
+                    <a:schemeClr val="accent1">
+                      <a:lumMod val="45000"/>
+                      <a:lumOff val="55000"/>
+                    </a:schemeClr>
+                  </a:gs>
+                  <a:gs pos="83000">
+                    <a:schemeClr val="accent1">
+                      <a:lumMod val="45000"/>
+                      <a:lumOff val="55000"/>
+                    </a:schemeClr>
+                  </a:gs>
+                  <a:gs pos="100000">
+                    <a:schemeClr val="accent1">
+                      <a:lumMod val="30000"/>
+                      <a:lumOff val="70000"/>
+                    </a:schemeClr>
+                  </a:gs>
+                </a:gsLst>
+                <a:lin ang="5400000" scaled="1"/>
+              </a:gradFill>
+            </a:ln>
+            <a:effectLst>
+              <a:outerShdw blurRad="63500" sx="102000" sy="102000" algn="ctr" rotWithShape="0">
+                <a:prstClr val="black">
+                  <a:alpha val="40000"/>
+                </a:prstClr>
+              </a:outerShdw>
+            </a:effectLst>
+          </p:spPr>
+          <p:style>
+            <a:lnRef idx="2">
+              <a:schemeClr val="accent1">
+                <a:shade val="50000"/>
+              </a:schemeClr>
+            </a:lnRef>
+            <a:fillRef idx="1">
+              <a:schemeClr val="accent1"/>
+            </a:fillRef>
+            <a:effectRef idx="0">
+              <a:schemeClr val="accent1"/>
+            </a:effectRef>
+            <a:fontRef idx="minor">
+              <a:schemeClr val="lt1"/>
+            </a:fontRef>
+          </p:style>
+          <p:txBody>
+            <a:bodyPr rtlCol="0" anchor="ctr"/>
+            <a:lstStyle>
+              <a:defPPr>
+                <a:defRPr lang="sv-SE"/>
+              </a:defPPr>
+              <a:lvl1pPr algn="ctr">
+                <a:defRPr sz="1200" b="1"/>
+              </a:lvl1pPr>
+              <a:lvl2pPr>
+                <a:defRPr>
+                  <a:solidFill>
+                    <a:schemeClr val="lt1"/>
+                  </a:solidFill>
+                </a:defRPr>
+              </a:lvl2pPr>
+              <a:lvl3pPr>
+                <a:defRPr>
+                  <a:solidFill>
+                    <a:schemeClr val="lt1"/>
+                  </a:solidFill>
+                </a:defRPr>
+              </a:lvl3pPr>
+              <a:lvl4pPr>
+                <a:defRPr>
+                  <a:solidFill>
+                    <a:schemeClr val="lt1"/>
+                  </a:solidFill>
+                </a:defRPr>
+              </a:lvl4pPr>
+              <a:lvl5pPr>
+                <a:defRPr>
+                  <a:solidFill>
+                    <a:schemeClr val="lt1"/>
+                  </a:solidFill>
+                </a:defRPr>
+              </a:lvl5pPr>
+              <a:lvl6pPr>
+                <a:defRPr>
+                  <a:solidFill>
+                    <a:schemeClr val="lt1"/>
+                  </a:solidFill>
+                </a:defRPr>
+              </a:lvl6pPr>
+              <a:lvl7pPr>
+                <a:defRPr>
+                  <a:solidFill>
+                    <a:schemeClr val="lt1"/>
+                  </a:solidFill>
+                </a:defRPr>
+              </a:lvl7pPr>
+              <a:lvl8pPr>
+                <a:defRPr>
+                  <a:solidFill>
+                    <a:schemeClr val="lt1"/>
+                  </a:solidFill>
+                </a:defRPr>
+              </a:lvl8pPr>
+              <a:lvl9pPr>
+                <a:defRPr>
+                  <a:solidFill>
+                    <a:schemeClr val="lt1"/>
+                  </a:solidFill>
+                </a:defRPr>
+              </a:lvl9pPr>
+            </a:lstStyle>
+            <a:p>
+              <a:endParaRPr lang="sv-SE" sz="1400" dirty="0">
+                <a:solidFill>
+                  <a:schemeClr val="tx1"/>
+                </a:solidFill>
+              </a:endParaRPr>
+            </a:p>
+          </p:txBody>
+        </p:sp>
+        <p:pic>
+          <p:nvPicPr>
+            <p:cNvPr id="23" name="Graphic 22" descr="Pen with solid fill">
+              <a:extLst>
+                <a:ext uri="{FF2B5EF4-FFF2-40B4-BE49-F238E27FC236}">
+                  <a16:creationId xmlns:a16="http://schemas.microsoft.com/office/drawing/2014/main" id="{C412B556-80ED-41DA-9E7C-7D63ADA299B2}"/>
+                </a:ext>
+              </a:extLst>
+            </p:cNvPr>
+            <p:cNvPicPr>
+              <a:picLocks noChangeAspect="1"/>
+            </p:cNvPicPr>
+            <p:nvPr/>
+          </p:nvPicPr>
+          <p:blipFill>
+            <a:blip r:embed="rId3">
+              <a:extLst>
+                <a:ext uri="{28A0092B-C50C-407E-A947-70E740481C1C}">
+                  <a14:useLocalDpi xmlns:a14="http://schemas.microsoft.com/office/drawing/2010/main" val="0"/>
+                </a:ext>
+                <a:ext uri="{96DAC541-7B7A-43D3-8B79-37D633B846F1}">
+                  <asvg:svgBlip xmlns:asvg="http://schemas.microsoft.com/office/drawing/2016/SVG/main" r:embed="rId4"/>
+                </a:ext>
+              </a:extLst>
+            </a:blip>
+            <a:stretch>
+              <a:fillRect/>
+            </a:stretch>
+          </p:blipFill>
+          <p:spPr>
+            <a:xfrm>
+              <a:off x="6096000" y="5736764"/>
+              <a:ext cx="245245" cy="245245"/>
+            </a:xfrm>
+            <a:prstGeom prst="rect">
+              <a:avLst/>
+            </a:prstGeom>
+            <a:effectLst>
+              <a:outerShdw blurRad="63500" sx="102000" sy="102000" algn="ctr" rotWithShape="0">
+                <a:prstClr val="black">
+                  <a:alpha val="40000"/>
+                </a:prstClr>
+              </a:outerShdw>
+            </a:effectLst>
+          </p:spPr>
+        </p:pic>
+      </p:grpSp>
+      <p:sp>
+        <p:nvSpPr>
+          <p:cNvPr id="20" name="TextBox 19">
+            <a:extLst>
+              <a:ext uri="{FF2B5EF4-FFF2-40B4-BE49-F238E27FC236}">
+                <a16:creationId xmlns:a16="http://schemas.microsoft.com/office/drawing/2014/main" id="{DA2E26CF-93A8-4336-A92D-BEB854B53234}"/>
+              </a:ext>
+            </a:extLst>
+          </p:cNvPr>
+          <p:cNvSpPr txBox="1"/>
+          <p:nvPr/>
+        </p:nvSpPr>
+        <p:spPr>
+          <a:xfrm>
+            <a:off x="2996785" y="2579817"/>
+            <a:ext cx="933531" cy="276999"/>
+          </a:xfrm>
+          <a:prstGeom prst="rect">
+            <a:avLst/>
+          </a:prstGeom>
+          <a:noFill/>
+        </p:spPr>
+        <p:txBody>
+          <a:bodyPr wrap="square" rtlCol="0">
+            <a:spAutoFit/>
+          </a:bodyPr>
+          <a:lstStyle/>
+          <a:p>
+            <a:pPr algn="r"/>
+            <a:r>
+              <a:rPr lang="en-GB" sz="1200" b="1" dirty="0"/>
+              <a:t>Name:</a:t>
+            </a:r>
+            <a:endParaRPr lang="sv-SE" sz="1200" b="1" dirty="0"/>
+          </a:p>
+        </p:txBody>
+      </p:sp>
+      <p:sp>
+        <p:nvSpPr>
+          <p:cNvPr id="21" name="TextBox 20">
+            <a:extLst>
+              <a:ext uri="{FF2B5EF4-FFF2-40B4-BE49-F238E27FC236}">
+                <a16:creationId xmlns:a16="http://schemas.microsoft.com/office/drawing/2014/main" id="{41D0ADEE-C52B-4776-9B4A-176247F66964}"/>
+              </a:ext>
+            </a:extLst>
+          </p:cNvPr>
+          <p:cNvSpPr txBox="1"/>
+          <p:nvPr/>
+        </p:nvSpPr>
+        <p:spPr>
+          <a:xfrm>
+            <a:off x="2996785" y="2878782"/>
+            <a:ext cx="933531" cy="276999"/>
+          </a:xfrm>
+          <a:prstGeom prst="rect">
+            <a:avLst/>
+          </a:prstGeom>
+          <a:noFill/>
+        </p:spPr>
+        <p:txBody>
+          <a:bodyPr wrap="square" rtlCol="0">
+            <a:spAutoFit/>
+          </a:bodyPr>
+          <a:lstStyle/>
+          <a:p>
+            <a:pPr algn="r"/>
+            <a:r>
+              <a:rPr lang="en-GB" sz="1200" b="1" dirty="0"/>
+              <a:t>E-mail:</a:t>
+            </a:r>
+            <a:endParaRPr lang="sv-SE" sz="1200" b="1" dirty="0"/>
+          </a:p>
+        </p:txBody>
+      </p:sp>
+      <p:pic>
+        <p:nvPicPr>
+          <p:cNvPr id="1028" name="Picture 4" descr="The Olympic Torch Relay: What You Need to Know | Olympic torch, Olympic  flame, Torch">
+            <a:extLst>
+              <a:ext uri="{FF2B5EF4-FFF2-40B4-BE49-F238E27FC236}">
+                <a16:creationId xmlns:a16="http://schemas.microsoft.com/office/drawing/2014/main" id="{9B88C585-9275-416E-BBCF-AEF2DA25BD11}"/>
+              </a:ext>
+            </a:extLst>
+          </p:cNvPr>
+          <p:cNvPicPr>
+            <a:picLocks noChangeAspect="1" noChangeArrowheads="1"/>
+          </p:cNvPicPr>
+          <p:nvPr/>
+        </p:nvPicPr>
+        <p:blipFill>
+          <a:blip r:embed="rId5">
+            <a:extLst>
+              <a:ext uri="{28A0092B-C50C-407E-A947-70E740481C1C}">
+                <a14:useLocalDpi xmlns:a14="http://schemas.microsoft.com/office/drawing/2010/main" val="0"/>
+              </a:ext>
+            </a:extLst>
+          </a:blip>
+          <a:srcRect/>
+          <a:stretch>
+            <a:fillRect/>
+          </a:stretch>
+        </p:blipFill>
+        <p:spPr bwMode="auto">
+          <a:xfrm>
+            <a:off x="3930315" y="3656054"/>
+            <a:ext cx="906434" cy="906434"/>
+          </a:xfrm>
+          <a:prstGeom prst="flowChartConnector">
+            <a:avLst/>
+          </a:prstGeom>
+          <a:noFill/>
+          <a:extLst>
+            <a:ext uri="{909E8E84-426E-40DD-AFC4-6F175D3DCCD1}">
+              <a14:hiddenFill xmlns:a14="http://schemas.microsoft.com/office/drawing/2010/main">
+                <a:solidFill>
+                  <a:srgbClr val="FFFFFF"/>
+                </a:solidFill>
+              </a14:hiddenFill>
+            </a:ext>
+          </a:extLst>
+        </p:spPr>
+      </p:pic>
+      <p:sp>
+        <p:nvSpPr>
+          <p:cNvPr id="28" name="TextBox 27">
+            <a:extLst>
+              <a:ext uri="{FF2B5EF4-FFF2-40B4-BE49-F238E27FC236}">
+                <a16:creationId xmlns:a16="http://schemas.microsoft.com/office/drawing/2014/main" id="{50E65576-8BB0-4FE1-B9F8-10B94D7F0276}"/>
+              </a:ext>
+            </a:extLst>
+          </p:cNvPr>
+          <p:cNvSpPr txBox="1"/>
+          <p:nvPr/>
+        </p:nvSpPr>
+        <p:spPr>
+          <a:xfrm>
+            <a:off x="2955924" y="3519130"/>
+            <a:ext cx="974391" cy="276999"/>
+          </a:xfrm>
+          <a:prstGeom prst="rect">
+            <a:avLst/>
+          </a:prstGeom>
+          <a:noFill/>
+        </p:spPr>
+        <p:txBody>
+          <a:bodyPr wrap="square" rtlCol="0">
+            <a:spAutoFit/>
+          </a:bodyPr>
+          <a:lstStyle/>
+          <a:p>
+            <a:pPr algn="r"/>
+            <a:r>
+              <a:rPr lang="en-GB" sz="1200" b="1" dirty="0"/>
+              <a:t>Avatar:</a:t>
+            </a:r>
+            <a:endParaRPr lang="sv-SE" sz="1200" b="1" dirty="0"/>
+          </a:p>
+        </p:txBody>
+      </p:sp>
+      <p:sp>
+        <p:nvSpPr>
+          <p:cNvPr id="29" name="Rectangle 28">
+            <a:extLst>
+              <a:ext uri="{FF2B5EF4-FFF2-40B4-BE49-F238E27FC236}">
+                <a16:creationId xmlns:a16="http://schemas.microsoft.com/office/drawing/2014/main" id="{74182380-0268-47CF-9665-499172921080}"/>
+              </a:ext>
+            </a:extLst>
+          </p:cNvPr>
+          <p:cNvSpPr/>
+          <p:nvPr/>
+        </p:nvSpPr>
+        <p:spPr>
+          <a:xfrm>
+            <a:off x="6808701" y="1652003"/>
+            <a:ext cx="3049674" cy="4634498"/>
+          </a:xfrm>
+          <a:prstGeom prst="rect">
+            <a:avLst/>
+          </a:prstGeom>
+          <a:solidFill>
+            <a:schemeClr val="bg2">
+              <a:alpha val="85000"/>
+            </a:schemeClr>
+          </a:solidFill>
+          <a:ln>
+            <a:gradFill>
+              <a:gsLst>
+                <a:gs pos="0">
+                  <a:schemeClr val="accent1">
+                    <a:lumMod val="5000"/>
+                    <a:lumOff val="95000"/>
+                  </a:schemeClr>
+                </a:gs>
+                <a:gs pos="74000">
+                  <a:schemeClr val="accent1">
+                    <a:lumMod val="45000"/>
+                    <a:lumOff val="55000"/>
+                  </a:schemeClr>
+                </a:gs>
+                <a:gs pos="83000">
+                  <a:schemeClr val="accent1">
+                    <a:lumMod val="45000"/>
+                    <a:lumOff val="55000"/>
+                  </a:schemeClr>
+                </a:gs>
+                <a:gs pos="100000">
+                  <a:schemeClr val="accent1">
+                    <a:lumMod val="30000"/>
+                    <a:lumOff val="70000"/>
+                  </a:schemeClr>
+                </a:gs>
+              </a:gsLst>
+              <a:lin ang="5400000" scaled="1"/>
+            </a:gradFill>
+          </a:ln>
+          <a:effectLst>
+            <a:outerShdw blurRad="63500" sx="102000" sy="102000" algn="ctr" rotWithShape="0">
+              <a:prstClr val="black">
+                <a:alpha val="40000"/>
+              </a:prstClr>
+            </a:outerShdw>
+          </a:effectLst>
+        </p:spPr>
+        <p:style>
+          <a:lnRef idx="2">
+            <a:schemeClr val="accent1">
+              <a:shade val="50000"/>
+            </a:schemeClr>
+          </a:lnRef>
+          <a:fillRef idx="1">
+            <a:schemeClr val="accent1"/>
+          </a:fillRef>
+          <a:effectRef idx="0">
+            <a:schemeClr val="accent1"/>
+          </a:effectRef>
+          <a:fontRef idx="minor">
+            <a:schemeClr val="lt1"/>
+          </a:fontRef>
+        </p:style>
+        <p:txBody>
+          <a:bodyPr rtlCol="0" anchor="t"/>
+          <a:lstStyle/>
+          <a:p>
+            <a:pPr algn="ctr"/>
+            <a:endParaRPr lang="sv-SE" dirty="0"/>
+          </a:p>
+        </p:txBody>
+      </p:sp>
+      <p:sp>
+        <p:nvSpPr>
+          <p:cNvPr id="30" name="TextBox 29">
+            <a:extLst>
+              <a:ext uri="{FF2B5EF4-FFF2-40B4-BE49-F238E27FC236}">
+                <a16:creationId xmlns:a16="http://schemas.microsoft.com/office/drawing/2014/main" id="{35A777DE-5ADF-4F94-8B63-5E2458646E09}"/>
+              </a:ext>
+            </a:extLst>
+          </p:cNvPr>
+          <p:cNvSpPr txBox="1"/>
+          <p:nvPr/>
+        </p:nvSpPr>
+        <p:spPr>
+          <a:xfrm>
+            <a:off x="7129375" y="2069450"/>
+            <a:ext cx="2357525" cy="369332"/>
+          </a:xfrm>
+          <a:prstGeom prst="rect">
+            <a:avLst/>
+          </a:prstGeom>
+          <a:noFill/>
+        </p:spPr>
+        <p:txBody>
+          <a:bodyPr wrap="square" rtlCol="0">
+            <a:spAutoFit/>
+          </a:bodyPr>
+          <a:lstStyle/>
+          <a:p>
+            <a:r>
+              <a:rPr lang="en-GB" b="1" dirty="0"/>
+              <a:t>Saved schedules</a:t>
+            </a:r>
+            <a:endParaRPr lang="sv-SE" b="1" dirty="0"/>
+          </a:p>
+        </p:txBody>
+      </p:sp>
+      <p:sp>
+        <p:nvSpPr>
+          <p:cNvPr id="34" name="Rectangle 33">
+            <a:extLst>
+              <a:ext uri="{FF2B5EF4-FFF2-40B4-BE49-F238E27FC236}">
+                <a16:creationId xmlns:a16="http://schemas.microsoft.com/office/drawing/2014/main" id="{E8020E7A-F5E3-4502-9506-6490E562C4F3}"/>
+              </a:ext>
+            </a:extLst>
+          </p:cNvPr>
+          <p:cNvSpPr/>
+          <p:nvPr/>
+        </p:nvSpPr>
+        <p:spPr>
+          <a:xfrm>
+            <a:off x="7592676" y="2723912"/>
+            <a:ext cx="1748454" cy="1072217"/>
+          </a:xfrm>
+          <a:prstGeom prst="rect">
+            <a:avLst/>
+          </a:prstGeom>
+          <a:noFill/>
+          <a:ln>
+            <a:noFill/>
+          </a:ln>
+          <a:effectLst>
+            <a:innerShdw blurRad="25400">
+              <a:prstClr val="black"/>
+            </a:innerShdw>
+          </a:effectLst>
+        </p:spPr>
+        <p:style>
+          <a:lnRef idx="2">
+            <a:schemeClr val="accent1">
+              <a:shade val="50000"/>
+            </a:schemeClr>
+          </a:lnRef>
+          <a:fillRef idx="1">
+            <a:schemeClr val="accent1"/>
+          </a:fillRef>
+          <a:effectRef idx="0">
+            <a:schemeClr val="accent1"/>
+          </a:effectRef>
+          <a:fontRef idx="minor">
+            <a:schemeClr val="lt1"/>
+          </a:fontRef>
+        </p:style>
+        <p:txBody>
+          <a:bodyPr rtlCol="0" anchor="t"/>
+          <a:lstStyle/>
+          <a:p>
+            <a:r>
+              <a:rPr lang="en-GB" sz="1200" dirty="0">
+                <a:solidFill>
+                  <a:schemeClr val="tx1"/>
+                </a:solidFill>
+              </a:rPr>
+              <a:t>My first schedule</a:t>
+            </a:r>
+          </a:p>
+          <a:p>
+            <a:r>
+              <a:rPr lang="en-GB" sz="1200" dirty="0">
+                <a:solidFill>
+                  <a:schemeClr val="tx1"/>
+                </a:solidFill>
+              </a:rPr>
+              <a:t>My second schedule</a:t>
+            </a:r>
+            <a:endParaRPr lang="sv-SE" sz="1200" dirty="0">
+              <a:solidFill>
+                <a:schemeClr val="tx1"/>
+              </a:solidFill>
+            </a:endParaRPr>
+          </a:p>
+        </p:txBody>
+      </p:sp>
+      <p:sp>
+        <p:nvSpPr>
+          <p:cNvPr id="40" name="TextBox 39">
+            <a:extLst>
+              <a:ext uri="{FF2B5EF4-FFF2-40B4-BE49-F238E27FC236}">
+                <a16:creationId xmlns:a16="http://schemas.microsoft.com/office/drawing/2014/main" id="{19DCCA4C-9621-43DF-87DE-C219EC92C0CB}"/>
+              </a:ext>
+            </a:extLst>
+          </p:cNvPr>
+          <p:cNvSpPr txBox="1"/>
+          <p:nvPr/>
+        </p:nvSpPr>
+        <p:spPr>
+          <a:xfrm>
+            <a:off x="7330403" y="4099298"/>
+            <a:ext cx="580005" cy="228955"/>
+          </a:xfrm>
+          <a:prstGeom prst="rect">
+            <a:avLst/>
+          </a:prstGeom>
+          <a:solidFill>
+            <a:schemeClr val="bg2">
+              <a:alpha val="85000"/>
+            </a:schemeClr>
+          </a:solidFill>
+          <a:ln>
+            <a:gradFill>
+              <a:gsLst>
+                <a:gs pos="0">
+                  <a:schemeClr val="accent1">
+                    <a:lumMod val="5000"/>
+                    <a:lumOff val="95000"/>
+                  </a:schemeClr>
+                </a:gs>
+                <a:gs pos="74000">
+                  <a:schemeClr val="accent1">
+                    <a:lumMod val="45000"/>
+                    <a:lumOff val="55000"/>
+                  </a:schemeClr>
+                </a:gs>
+                <a:gs pos="83000">
+                  <a:schemeClr val="accent1">
+                    <a:lumMod val="45000"/>
+                    <a:lumOff val="55000"/>
+                  </a:schemeClr>
+                </a:gs>
+                <a:gs pos="100000">
+                  <a:schemeClr val="accent1">
+                    <a:lumMod val="30000"/>
+                    <a:lumOff val="70000"/>
+                  </a:schemeClr>
+                </a:gs>
+              </a:gsLst>
+              <a:lin ang="5400000" scaled="1"/>
+            </a:gradFill>
+          </a:ln>
+          <a:effectLst>
+            <a:outerShdw blurRad="63500" sx="102000" sy="102000" algn="ctr" rotWithShape="0">
+              <a:prstClr val="black">
+                <a:alpha val="40000"/>
+              </a:prstClr>
+            </a:outerShdw>
+          </a:effectLst>
+        </p:spPr>
+        <p:style>
+          <a:lnRef idx="2">
+            <a:schemeClr val="accent1">
+              <a:shade val="50000"/>
+            </a:schemeClr>
+          </a:lnRef>
+          <a:fillRef idx="1">
+            <a:schemeClr val="accent1"/>
+          </a:fillRef>
+          <a:effectRef idx="0">
+            <a:schemeClr val="accent1"/>
+          </a:effectRef>
+          <a:fontRef idx="minor">
+            <a:schemeClr val="lt1"/>
+          </a:fontRef>
+        </p:style>
+        <p:txBody>
+          <a:bodyPr lIns="36000" rIns="36000" rtlCol="0" anchor="ctr"/>
+          <a:lstStyle>
+            <a:defPPr>
+              <a:defRPr lang="sv-SE"/>
+            </a:defPPr>
+            <a:lvl1pPr algn="ctr">
+              <a:defRPr sz="1200" b="1"/>
+            </a:lvl1pPr>
+            <a:lvl2pPr>
+              <a:defRPr>
+                <a:solidFill>
+                  <a:schemeClr val="lt1"/>
+                </a:solidFill>
+              </a:defRPr>
+            </a:lvl2pPr>
+            <a:lvl3pPr>
+              <a:defRPr>
+                <a:solidFill>
+                  <a:schemeClr val="lt1"/>
+                </a:solidFill>
+              </a:defRPr>
+            </a:lvl3pPr>
+            <a:lvl4pPr>
+              <a:defRPr>
+                <a:solidFill>
+                  <a:schemeClr val="lt1"/>
+                </a:solidFill>
+              </a:defRPr>
+            </a:lvl4pPr>
+            <a:lvl5pPr>
+              <a:defRPr>
+                <a:solidFill>
+                  <a:schemeClr val="lt1"/>
+                </a:solidFill>
+              </a:defRPr>
+            </a:lvl5pPr>
+            <a:lvl6pPr>
+              <a:defRPr>
+                <a:solidFill>
+                  <a:schemeClr val="lt1"/>
+                </a:solidFill>
+              </a:defRPr>
+            </a:lvl6pPr>
+            <a:lvl7pPr>
+              <a:defRPr>
+                <a:solidFill>
+                  <a:schemeClr val="lt1"/>
+                </a:solidFill>
+              </a:defRPr>
+            </a:lvl7pPr>
+            <a:lvl8pPr>
+              <a:defRPr>
+                <a:solidFill>
+                  <a:schemeClr val="lt1"/>
+                </a:solidFill>
+              </a:defRPr>
+            </a:lvl8pPr>
+            <a:lvl9pPr>
+              <a:defRPr>
+                <a:solidFill>
+                  <a:schemeClr val="lt1"/>
+                </a:solidFill>
+              </a:defRPr>
+            </a:lvl9pPr>
+          </a:lstStyle>
+          <a:p>
+            <a:r>
+              <a:rPr lang="en-GB" b="0" dirty="0">
+                <a:solidFill>
+                  <a:schemeClr val="tx1"/>
+                </a:solidFill>
+              </a:rPr>
+              <a:t>Show</a:t>
+            </a:r>
+            <a:endParaRPr lang="sv-SE" b="0" dirty="0">
+              <a:solidFill>
+                <a:schemeClr val="tx1"/>
+              </a:solidFill>
+            </a:endParaRPr>
+          </a:p>
+        </p:txBody>
+      </p:sp>
+      <p:sp>
+        <p:nvSpPr>
+          <p:cNvPr id="48" name="TextBox 47">
+            <a:extLst>
+              <a:ext uri="{FF2B5EF4-FFF2-40B4-BE49-F238E27FC236}">
+                <a16:creationId xmlns:a16="http://schemas.microsoft.com/office/drawing/2014/main" id="{43DB58D7-05A3-4EB2-BB5C-5E6D4E3069B4}"/>
+              </a:ext>
+            </a:extLst>
+          </p:cNvPr>
+          <p:cNvSpPr txBox="1"/>
+          <p:nvPr/>
+        </p:nvSpPr>
+        <p:spPr>
+          <a:xfrm>
+            <a:off x="8024400" y="4099298"/>
+            <a:ext cx="580005" cy="228955"/>
+          </a:xfrm>
+          <a:prstGeom prst="rect">
+            <a:avLst/>
+          </a:prstGeom>
+          <a:solidFill>
+            <a:schemeClr val="bg2">
+              <a:alpha val="85000"/>
+            </a:schemeClr>
+          </a:solidFill>
+          <a:ln>
+            <a:gradFill>
+              <a:gsLst>
+                <a:gs pos="0">
+                  <a:schemeClr val="accent1">
+                    <a:lumMod val="5000"/>
+                    <a:lumOff val="95000"/>
+                  </a:schemeClr>
+                </a:gs>
+                <a:gs pos="74000">
+                  <a:schemeClr val="accent1">
+                    <a:lumMod val="45000"/>
+                    <a:lumOff val="55000"/>
+                  </a:schemeClr>
+                </a:gs>
+                <a:gs pos="83000">
+                  <a:schemeClr val="accent1">
+                    <a:lumMod val="45000"/>
+                    <a:lumOff val="55000"/>
+                  </a:schemeClr>
+                </a:gs>
+                <a:gs pos="100000">
+                  <a:schemeClr val="accent1">
+                    <a:lumMod val="30000"/>
+                    <a:lumOff val="70000"/>
+                  </a:schemeClr>
+                </a:gs>
+              </a:gsLst>
+              <a:lin ang="5400000" scaled="1"/>
+            </a:gradFill>
+          </a:ln>
+          <a:effectLst>
+            <a:outerShdw blurRad="63500" sx="102000" sy="102000" algn="ctr" rotWithShape="0">
+              <a:prstClr val="black">
+                <a:alpha val="40000"/>
+              </a:prstClr>
+            </a:outerShdw>
+          </a:effectLst>
+        </p:spPr>
+        <p:style>
+          <a:lnRef idx="2">
+            <a:schemeClr val="accent1">
+              <a:shade val="50000"/>
+            </a:schemeClr>
+          </a:lnRef>
+          <a:fillRef idx="1">
+            <a:schemeClr val="accent1"/>
+          </a:fillRef>
+          <a:effectRef idx="0">
+            <a:schemeClr val="accent1"/>
+          </a:effectRef>
+          <a:fontRef idx="minor">
+            <a:schemeClr val="lt1"/>
+          </a:fontRef>
+        </p:style>
+        <p:txBody>
+          <a:bodyPr lIns="36000" rIns="36000" rtlCol="0" anchor="ctr"/>
+          <a:lstStyle>
+            <a:defPPr>
+              <a:defRPr lang="sv-SE"/>
+            </a:defPPr>
+            <a:lvl1pPr algn="ctr">
+              <a:defRPr sz="1200" b="1"/>
+            </a:lvl1pPr>
+            <a:lvl2pPr>
+              <a:defRPr>
+                <a:solidFill>
+                  <a:schemeClr val="lt1"/>
+                </a:solidFill>
+              </a:defRPr>
+            </a:lvl2pPr>
+            <a:lvl3pPr>
+              <a:defRPr>
+                <a:solidFill>
+                  <a:schemeClr val="lt1"/>
+                </a:solidFill>
+              </a:defRPr>
+            </a:lvl3pPr>
+            <a:lvl4pPr>
+              <a:defRPr>
+                <a:solidFill>
+                  <a:schemeClr val="lt1"/>
+                </a:solidFill>
+              </a:defRPr>
+            </a:lvl4pPr>
+            <a:lvl5pPr>
+              <a:defRPr>
+                <a:solidFill>
+                  <a:schemeClr val="lt1"/>
+                </a:solidFill>
+              </a:defRPr>
+            </a:lvl5pPr>
+            <a:lvl6pPr>
+              <a:defRPr>
+                <a:solidFill>
+                  <a:schemeClr val="lt1"/>
+                </a:solidFill>
+              </a:defRPr>
+            </a:lvl6pPr>
+            <a:lvl7pPr>
+              <a:defRPr>
+                <a:solidFill>
+                  <a:schemeClr val="lt1"/>
+                </a:solidFill>
+              </a:defRPr>
+            </a:lvl7pPr>
+            <a:lvl8pPr>
+              <a:defRPr>
+                <a:solidFill>
+                  <a:schemeClr val="lt1"/>
+                </a:solidFill>
+              </a:defRPr>
+            </a:lvl8pPr>
+            <a:lvl9pPr>
+              <a:defRPr>
+                <a:solidFill>
+                  <a:schemeClr val="lt1"/>
+                </a:solidFill>
+              </a:defRPr>
+            </a:lvl9pPr>
+          </a:lstStyle>
+          <a:p>
+            <a:r>
+              <a:rPr lang="en-GB" b="0" dirty="0">
+                <a:solidFill>
+                  <a:schemeClr val="tx1"/>
+                </a:solidFill>
+              </a:rPr>
+              <a:t>Edit</a:t>
+            </a:r>
+            <a:endParaRPr lang="sv-SE" b="0" dirty="0">
+              <a:solidFill>
+                <a:schemeClr val="tx1"/>
+              </a:solidFill>
+            </a:endParaRPr>
+          </a:p>
+        </p:txBody>
+      </p:sp>
+      <p:sp>
+        <p:nvSpPr>
+          <p:cNvPr id="49" name="TextBox 48">
+            <a:extLst>
+              <a:ext uri="{FF2B5EF4-FFF2-40B4-BE49-F238E27FC236}">
+                <a16:creationId xmlns:a16="http://schemas.microsoft.com/office/drawing/2014/main" id="{E141A7E0-0CD3-495F-8206-725CF50F8F1E}"/>
+              </a:ext>
+            </a:extLst>
+          </p:cNvPr>
+          <p:cNvSpPr txBox="1"/>
+          <p:nvPr/>
+        </p:nvSpPr>
+        <p:spPr>
+          <a:xfrm>
+            <a:off x="8718397" y="4099298"/>
+            <a:ext cx="580005" cy="228955"/>
+          </a:xfrm>
+          <a:prstGeom prst="rect">
+            <a:avLst/>
+          </a:prstGeom>
+          <a:solidFill>
+            <a:schemeClr val="bg2">
+              <a:alpha val="85000"/>
+            </a:schemeClr>
+          </a:solidFill>
+          <a:ln>
+            <a:gradFill>
+              <a:gsLst>
+                <a:gs pos="0">
+                  <a:schemeClr val="accent1">
+                    <a:lumMod val="5000"/>
+                    <a:lumOff val="95000"/>
+                  </a:schemeClr>
+                </a:gs>
+                <a:gs pos="74000">
+                  <a:schemeClr val="accent1">
+                    <a:lumMod val="45000"/>
+                    <a:lumOff val="55000"/>
+                  </a:schemeClr>
+                </a:gs>
+                <a:gs pos="83000">
+                  <a:schemeClr val="accent1">
+                    <a:lumMod val="45000"/>
+                    <a:lumOff val="55000"/>
+                  </a:schemeClr>
+                </a:gs>
+                <a:gs pos="100000">
+                  <a:schemeClr val="accent1">
+                    <a:lumMod val="30000"/>
+                    <a:lumOff val="70000"/>
+                  </a:schemeClr>
+                </a:gs>
+              </a:gsLst>
+              <a:lin ang="5400000" scaled="1"/>
+            </a:gradFill>
+          </a:ln>
+          <a:effectLst>
+            <a:outerShdw blurRad="63500" sx="102000" sy="102000" algn="ctr" rotWithShape="0">
+              <a:prstClr val="black">
+                <a:alpha val="40000"/>
+              </a:prstClr>
+            </a:outerShdw>
+          </a:effectLst>
+        </p:spPr>
+        <p:style>
+          <a:lnRef idx="2">
+            <a:schemeClr val="accent1">
+              <a:shade val="50000"/>
+            </a:schemeClr>
+          </a:lnRef>
+          <a:fillRef idx="1">
+            <a:schemeClr val="accent1"/>
+          </a:fillRef>
+          <a:effectRef idx="0">
+            <a:schemeClr val="accent1"/>
+          </a:effectRef>
+          <a:fontRef idx="minor">
+            <a:schemeClr val="lt1"/>
+          </a:fontRef>
+        </p:style>
+        <p:txBody>
+          <a:bodyPr lIns="36000" rIns="36000" rtlCol="0" anchor="ctr"/>
+          <a:lstStyle>
+            <a:defPPr>
+              <a:defRPr lang="sv-SE"/>
+            </a:defPPr>
+            <a:lvl1pPr algn="ctr">
+              <a:defRPr sz="1200" b="1"/>
+            </a:lvl1pPr>
+            <a:lvl2pPr>
+              <a:defRPr>
+                <a:solidFill>
+                  <a:schemeClr val="lt1"/>
+                </a:solidFill>
+              </a:defRPr>
+            </a:lvl2pPr>
+            <a:lvl3pPr>
+              <a:defRPr>
+                <a:solidFill>
+                  <a:schemeClr val="lt1"/>
+                </a:solidFill>
+              </a:defRPr>
+            </a:lvl3pPr>
+            <a:lvl4pPr>
+              <a:defRPr>
+                <a:solidFill>
+                  <a:schemeClr val="lt1"/>
+                </a:solidFill>
+              </a:defRPr>
+            </a:lvl4pPr>
+            <a:lvl5pPr>
+              <a:defRPr>
+                <a:solidFill>
+                  <a:schemeClr val="lt1"/>
+                </a:solidFill>
+              </a:defRPr>
+            </a:lvl5pPr>
+            <a:lvl6pPr>
+              <a:defRPr>
+                <a:solidFill>
+                  <a:schemeClr val="lt1"/>
+                </a:solidFill>
+              </a:defRPr>
+            </a:lvl6pPr>
+            <a:lvl7pPr>
+              <a:defRPr>
+                <a:solidFill>
+                  <a:schemeClr val="lt1"/>
+                </a:solidFill>
+              </a:defRPr>
+            </a:lvl7pPr>
+            <a:lvl8pPr>
+              <a:defRPr>
+                <a:solidFill>
+                  <a:schemeClr val="lt1"/>
+                </a:solidFill>
+              </a:defRPr>
+            </a:lvl8pPr>
+            <a:lvl9pPr>
+              <a:defRPr>
+                <a:solidFill>
+                  <a:schemeClr val="lt1"/>
+                </a:solidFill>
+              </a:defRPr>
+            </a:lvl9pPr>
+          </a:lstStyle>
+          <a:p>
+            <a:r>
+              <a:rPr lang="en-GB" b="0" dirty="0">
+                <a:solidFill>
+                  <a:schemeClr val="tx1"/>
+                </a:solidFill>
+              </a:rPr>
+              <a:t>Delete</a:t>
+            </a:r>
+            <a:endParaRPr lang="sv-SE" b="0" dirty="0">
+              <a:solidFill>
+                <a:schemeClr val="tx1"/>
+              </a:solidFill>
+            </a:endParaRPr>
+          </a:p>
+        </p:txBody>
+      </p:sp>
+      <p:sp>
+        <p:nvSpPr>
+          <p:cNvPr id="31" name="Rectangle 30">
+            <a:extLst>
+              <a:ext uri="{FF2B5EF4-FFF2-40B4-BE49-F238E27FC236}">
+                <a16:creationId xmlns:a16="http://schemas.microsoft.com/office/drawing/2014/main" id="{3F99BE17-5356-4631-8714-9D72F4C0AE6B}"/>
+              </a:ext>
+            </a:extLst>
+          </p:cNvPr>
+          <p:cNvSpPr/>
+          <p:nvPr/>
+        </p:nvSpPr>
+        <p:spPr>
+          <a:xfrm>
+            <a:off x="7365364" y="2784229"/>
+            <a:ext cx="144000" cy="144000"/>
+          </a:xfrm>
+          <a:prstGeom prst="rect">
+            <a:avLst/>
+          </a:prstGeom>
+          <a:solidFill>
+            <a:schemeClr val="bg1">
+              <a:lumMod val="95000"/>
+            </a:schemeClr>
+          </a:solidFill>
+          <a:ln>
+            <a:noFill/>
+          </a:ln>
+          <a:effectLst>
+            <a:innerShdw blurRad="25400">
+              <a:prstClr val="black"/>
+            </a:innerShdw>
+          </a:effectLst>
+        </p:spPr>
+        <p:style>
+          <a:lnRef idx="2">
+            <a:schemeClr val="accent1">
+              <a:shade val="50000"/>
+            </a:schemeClr>
+          </a:lnRef>
+          <a:fillRef idx="1">
+            <a:schemeClr val="accent1"/>
+          </a:fillRef>
+          <a:effectRef idx="0">
+            <a:schemeClr val="accent1"/>
+          </a:effectRef>
+          <a:fontRef idx="minor">
+            <a:schemeClr val="lt1"/>
+          </a:fontRef>
+        </p:style>
+        <p:txBody>
+          <a:bodyPr lIns="0" tIns="0" rIns="0" bIns="0" rtlCol="0" anchor="ctr"/>
+          <a:lstStyle/>
+          <a:p>
+            <a:pPr algn="ctr"/>
+            <a:endParaRPr lang="en-GB" sz="1200" dirty="0">
+              <a:solidFill>
+                <a:schemeClr val="tx1"/>
+              </a:solidFill>
+            </a:endParaRPr>
+          </a:p>
+        </p:txBody>
+      </p:sp>
+      <p:sp>
+        <p:nvSpPr>
+          <p:cNvPr id="32" name="Rectangle 31">
+            <a:extLst>
+              <a:ext uri="{FF2B5EF4-FFF2-40B4-BE49-F238E27FC236}">
+                <a16:creationId xmlns:a16="http://schemas.microsoft.com/office/drawing/2014/main" id="{1D517A0B-BA2A-42A9-A7C4-94E4C9219AB0}"/>
+              </a:ext>
+            </a:extLst>
+          </p:cNvPr>
+          <p:cNvSpPr/>
+          <p:nvPr/>
+        </p:nvSpPr>
+        <p:spPr>
+          <a:xfrm>
+            <a:off x="7365364" y="2987432"/>
+            <a:ext cx="144000" cy="144000"/>
+          </a:xfrm>
+          <a:prstGeom prst="rect">
+            <a:avLst/>
+          </a:prstGeom>
+          <a:solidFill>
+            <a:schemeClr val="bg1">
+              <a:lumMod val="95000"/>
+            </a:schemeClr>
+          </a:solidFill>
+          <a:ln>
+            <a:noFill/>
+          </a:ln>
+          <a:effectLst>
+            <a:innerShdw blurRad="25400">
+              <a:prstClr val="black"/>
+            </a:innerShdw>
+          </a:effectLst>
+        </p:spPr>
+        <p:style>
+          <a:lnRef idx="2">
+            <a:schemeClr val="accent1">
+              <a:shade val="50000"/>
+            </a:schemeClr>
+          </a:lnRef>
+          <a:fillRef idx="1">
+            <a:schemeClr val="accent1"/>
+          </a:fillRef>
+          <a:effectRef idx="0">
+            <a:schemeClr val="accent1"/>
+          </a:effectRef>
+          <a:fontRef idx="minor">
+            <a:schemeClr val="lt1"/>
+          </a:fontRef>
+        </p:style>
+        <p:txBody>
+          <a:bodyPr lIns="0" tIns="0" rIns="0" bIns="0" rtlCol="0" anchor="ctr"/>
+          <a:lstStyle/>
+          <a:p>
+            <a:pPr algn="ctr"/>
+            <a:r>
+              <a:rPr lang="en-GB" sz="1200" dirty="0">
+                <a:solidFill>
+                  <a:schemeClr val="tx1"/>
+                </a:solidFill>
+              </a:rPr>
+              <a:t>x</a:t>
+            </a:r>
+          </a:p>
+        </p:txBody>
+      </p:sp>
+    </p:spTree>
+    <p:extLst>
+      <p:ext uri="{BB962C8B-B14F-4D97-AF65-F5344CB8AC3E}">
+        <p14:creationId xmlns:p14="http://schemas.microsoft.com/office/powerpoint/2010/main" val="3037095722"/>
+      </p:ext>
+    </p:extLst>
+  </p:cSld>
+  <p:clrMapOvr>
+    <a:masterClrMapping/>
+  </p:clrMapOvr>
+</p:sld>
+</file>
+
+<file path=ppt/slides/slide12.xml><?xml version="1.0" encoding="utf-8"?>
+<p:sld xmlns:a="http://schemas.openxmlformats.org/drawingml/2006/main" xmlns:r="http://schemas.openxmlformats.org/officeDocument/2006/relationships" xmlns:p="http://schemas.openxmlformats.org/presentationml/2006/main" show="0">
+  <p:cSld>
+    <p:spTree>
+      <p:nvGrpSpPr>
+        <p:cNvPr id="1" name=""/>
+        <p:cNvGrpSpPr/>
+        <p:nvPr/>
+      </p:nvGrpSpPr>
+      <p:grpSpPr>
+        <a:xfrm>
+          <a:off x="0" y="0"/>
+          <a:ext cx="0" cy="0"/>
+          <a:chOff x="0" y="0"/>
+          <a:chExt cx="0" cy="0"/>
+        </a:xfrm>
+      </p:grpSpPr>
       <p:sp>
         <p:nvSpPr>
           <p:cNvPr id="4" name="Rectangle 3">
@@ -3864,7 +7624,7 @@
 </p:sld>
 </file>
 
-<file path=ppt/slides/slide11.xml><?xml version="1.0" encoding="utf-8"?>
+<file path=ppt/slides/slide13.xml><?xml version="1.0" encoding="utf-8"?>
 <p:sld xmlns:a="http://schemas.openxmlformats.org/drawingml/2006/main" xmlns:r="http://schemas.openxmlformats.org/officeDocument/2006/relationships" xmlns:p="http://schemas.openxmlformats.org/presentationml/2006/main" show="0">
   <p:cSld>
     <p:spTree>
@@ -4144,7 +7904,7 @@
 </p:sld>
 </file>
 
-<file path=ppt/slides/slide12.xml><?xml version="1.0" encoding="utf-8"?>
+<file path=ppt/slides/slide14.xml><?xml version="1.0" encoding="utf-8"?>
 <p:sld xmlns:a="http://schemas.openxmlformats.org/drawingml/2006/main" xmlns:r="http://schemas.openxmlformats.org/officeDocument/2006/relationships" xmlns:p="http://schemas.openxmlformats.org/presentationml/2006/main" show="0">
   <p:cSld>
     <p:spTree>
@@ -4360,7 +8120,7 @@
 </p:sld>
 </file>
 
-<file path=ppt/slides/slide13.xml><?xml version="1.0" encoding="utf-8"?>
+<file path=ppt/slides/slide15.xml><?xml version="1.0" encoding="utf-8"?>
 <p:sld xmlns:a="http://schemas.openxmlformats.org/drawingml/2006/main" xmlns:r="http://schemas.openxmlformats.org/officeDocument/2006/relationships" xmlns:p="http://schemas.openxmlformats.org/presentationml/2006/main" show="0">
   <p:cSld>
     <p:spTree>
@@ -5657,7 +9417,7 @@
 </p:sld>
 </file>
 
-<file path=ppt/slides/slide14.xml><?xml version="1.0" encoding="utf-8"?>
+<file path=ppt/slides/slide16.xml><?xml version="1.0" encoding="utf-8"?>
 <p:sld xmlns:a="http://schemas.openxmlformats.org/drawingml/2006/main" xmlns:r="http://schemas.openxmlformats.org/officeDocument/2006/relationships" xmlns:p="http://schemas.openxmlformats.org/presentationml/2006/main" show="0">
   <p:cSld>
     <p:spTree>
@@ -7432,7 +11192,7 @@
 </p:sld>
 </file>
 
-<file path=ppt/slides/slide15.xml><?xml version="1.0" encoding="utf-8"?>
+<file path=ppt/slides/slide17.xml><?xml version="1.0" encoding="utf-8"?>
 <p:sld xmlns:a="http://schemas.openxmlformats.org/drawingml/2006/main" xmlns:r="http://schemas.openxmlformats.org/officeDocument/2006/relationships" xmlns:p="http://schemas.openxmlformats.org/presentationml/2006/main" show="0">
   <p:cSld>
     <p:spTree>
@@ -9084,7 +12844,7 @@
 </p:sld>
 </file>
 
-<file path=ppt/slides/slide16.xml><?xml version="1.0" encoding="utf-8"?>
+<file path=ppt/slides/slide18.xml><?xml version="1.0" encoding="utf-8"?>
 <p:sld xmlns:a="http://schemas.openxmlformats.org/drawingml/2006/main" xmlns:r="http://schemas.openxmlformats.org/officeDocument/2006/relationships" xmlns:p="http://schemas.openxmlformats.org/presentationml/2006/main" show="0">
   <p:cSld>
     <p:spTree>
@@ -10853,7 +14613,7 @@
         <p:spPr>
           <a:xfrm>
             <a:off x="1238248" y="1652003"/>
-            <a:ext cx="9544052" cy="4634498"/>
+            <a:ext cx="6089652" cy="4634498"/>
           </a:xfrm>
           <a:prstGeom prst="rect">
             <a:avLst/>
@@ -10941,8 +14701,8 @@
         </p:nvSpPr>
         <p:spPr>
           <a:xfrm>
-            <a:off x="1612900" y="1850375"/>
-            <a:ext cx="2870200" cy="369332"/>
+            <a:off x="2837781" y="3646086"/>
+            <a:ext cx="2870200" cy="646331"/>
           </a:xfrm>
           <a:prstGeom prst="rect">
             <a:avLst/>
@@ -10956,331 +14716,30 @@
           <a:lstStyle/>
           <a:p>
             <a:r>
+              <a:rPr lang="en-GB" b="1" dirty="0">
+                <a:solidFill>
+                  <a:srgbClr val="0070C0"/>
+                </a:solidFill>
+              </a:rPr>
+              <a:t>Create</a:t>
+            </a:r>
+            <a:r>
               <a:rPr lang="en-GB" b="1" dirty="0"/>
-              <a:t>Select disciplines</a:t>
+              <a:t> your own schedule or </a:t>
+            </a:r>
+            <a:r>
+              <a:rPr lang="en-GB" b="1" dirty="0">
+                <a:solidFill>
+                  <a:srgbClr val="0070C0"/>
+                </a:solidFill>
+              </a:rPr>
+              <a:t>open</a:t>
+            </a:r>
+            <a:r>
+              <a:rPr lang="en-GB" b="1" dirty="0"/>
+              <a:t> an existing one</a:t>
             </a:r>
             <a:endParaRPr lang="sv-SE" b="1" dirty="0"/>
-          </a:p>
-        </p:txBody>
-      </p:sp>
-      <p:sp>
-        <p:nvSpPr>
-          <p:cNvPr id="14" name="Arrow: Chevron 13">
-            <a:extLst>
-              <a:ext uri="{FF2B5EF4-FFF2-40B4-BE49-F238E27FC236}">
-                <a16:creationId xmlns:a16="http://schemas.microsoft.com/office/drawing/2014/main" id="{20332E1B-C74D-4C08-9066-CA8109ED66C8}"/>
-              </a:ext>
-            </a:extLst>
-          </p:cNvPr>
-          <p:cNvSpPr/>
-          <p:nvPr/>
-        </p:nvSpPr>
-        <p:spPr>
-          <a:xfrm>
-            <a:off x="4191000" y="5360788"/>
-            <a:ext cx="1854200" cy="484632"/>
-          </a:xfrm>
-          <a:prstGeom prst="chevron">
-            <a:avLst/>
-          </a:prstGeom>
-          <a:solidFill>
-            <a:schemeClr val="bg2">
-              <a:alpha val="85000"/>
-            </a:schemeClr>
-          </a:solidFill>
-          <a:ln>
-            <a:gradFill>
-              <a:gsLst>
-                <a:gs pos="0">
-                  <a:schemeClr val="accent1">
-                    <a:lumMod val="5000"/>
-                    <a:lumOff val="95000"/>
-                  </a:schemeClr>
-                </a:gs>
-                <a:gs pos="74000">
-                  <a:schemeClr val="accent1">
-                    <a:lumMod val="45000"/>
-                    <a:lumOff val="55000"/>
-                  </a:schemeClr>
-                </a:gs>
-                <a:gs pos="83000">
-                  <a:schemeClr val="accent1">
-                    <a:lumMod val="45000"/>
-                    <a:lumOff val="55000"/>
-                  </a:schemeClr>
-                </a:gs>
-                <a:gs pos="100000">
-                  <a:schemeClr val="accent1">
-                    <a:lumMod val="30000"/>
-                    <a:lumOff val="70000"/>
-                  </a:schemeClr>
-                </a:gs>
-              </a:gsLst>
-              <a:lin ang="5400000" scaled="1"/>
-            </a:gradFill>
-          </a:ln>
-          <a:effectLst>
-            <a:outerShdw blurRad="63500" sx="102000" sy="102000" algn="ctr" rotWithShape="0">
-              <a:prstClr val="black">
-                <a:alpha val="40000"/>
-              </a:prstClr>
-            </a:outerShdw>
-          </a:effectLst>
-        </p:spPr>
-        <p:style>
-          <a:lnRef idx="2">
-            <a:schemeClr val="accent1">
-              <a:shade val="50000"/>
-            </a:schemeClr>
-          </a:lnRef>
-          <a:fillRef idx="1">
-            <a:schemeClr val="accent1"/>
-          </a:fillRef>
-          <a:effectRef idx="0">
-            <a:schemeClr val="accent1"/>
-          </a:effectRef>
-          <a:fontRef idx="minor">
-            <a:schemeClr val="lt1"/>
-          </a:fontRef>
-        </p:style>
-        <p:txBody>
-          <a:bodyPr rtlCol="0" anchor="ctr"/>
-          <a:lstStyle/>
-          <a:p>
-            <a:pPr algn="ctr"/>
-            <a:r>
-              <a:rPr lang="en-GB" sz="1200">
-                <a:solidFill>
-                  <a:schemeClr val="tx1">
-                    <a:lumMod val="50000"/>
-                    <a:lumOff val="50000"/>
-                  </a:schemeClr>
-                </a:solidFill>
-              </a:rPr>
-              <a:t>Select countries</a:t>
-            </a:r>
-            <a:endParaRPr lang="sv-SE" sz="1200" dirty="0">
-              <a:solidFill>
-                <a:schemeClr val="tx1">
-                  <a:lumMod val="50000"/>
-                  <a:lumOff val="50000"/>
-                </a:schemeClr>
-              </a:solidFill>
-            </a:endParaRPr>
-          </a:p>
-        </p:txBody>
-      </p:sp>
-      <p:sp>
-        <p:nvSpPr>
-          <p:cNvPr id="20" name="Arrow: Chevron 19">
-            <a:extLst>
-              <a:ext uri="{FF2B5EF4-FFF2-40B4-BE49-F238E27FC236}">
-                <a16:creationId xmlns:a16="http://schemas.microsoft.com/office/drawing/2014/main" id="{C7F82647-8FF8-455D-9280-BB881FD11B5B}"/>
-              </a:ext>
-            </a:extLst>
-          </p:cNvPr>
-          <p:cNvSpPr/>
-          <p:nvPr/>
-        </p:nvSpPr>
-        <p:spPr>
-          <a:xfrm>
-            <a:off x="7725943" y="5349482"/>
-            <a:ext cx="1854200" cy="484632"/>
-          </a:xfrm>
-          <a:prstGeom prst="chevron">
-            <a:avLst/>
-          </a:prstGeom>
-          <a:solidFill>
-            <a:schemeClr val="bg2">
-              <a:alpha val="85000"/>
-            </a:schemeClr>
-          </a:solidFill>
-          <a:ln>
-            <a:gradFill>
-              <a:gsLst>
-                <a:gs pos="0">
-                  <a:schemeClr val="accent1">
-                    <a:lumMod val="5000"/>
-                    <a:lumOff val="95000"/>
-                  </a:schemeClr>
-                </a:gs>
-                <a:gs pos="74000">
-                  <a:schemeClr val="accent1">
-                    <a:lumMod val="45000"/>
-                    <a:lumOff val="55000"/>
-                  </a:schemeClr>
-                </a:gs>
-                <a:gs pos="83000">
-                  <a:schemeClr val="accent1">
-                    <a:lumMod val="45000"/>
-                    <a:lumOff val="55000"/>
-                  </a:schemeClr>
-                </a:gs>
-                <a:gs pos="100000">
-                  <a:schemeClr val="accent1">
-                    <a:lumMod val="30000"/>
-                    <a:lumOff val="70000"/>
-                  </a:schemeClr>
-                </a:gs>
-              </a:gsLst>
-              <a:lin ang="5400000" scaled="1"/>
-            </a:gradFill>
-          </a:ln>
-          <a:effectLst>
-            <a:outerShdw blurRad="63500" sx="102000" sy="102000" algn="ctr" rotWithShape="0">
-              <a:prstClr val="black">
-                <a:alpha val="40000"/>
-              </a:prstClr>
-            </a:outerShdw>
-          </a:effectLst>
-        </p:spPr>
-        <p:style>
-          <a:lnRef idx="2">
-            <a:schemeClr val="accent1">
-              <a:shade val="50000"/>
-            </a:schemeClr>
-          </a:lnRef>
-          <a:fillRef idx="1">
-            <a:schemeClr val="accent1"/>
-          </a:fillRef>
-          <a:effectRef idx="0">
-            <a:schemeClr val="accent1"/>
-          </a:effectRef>
-          <a:fontRef idx="minor">
-            <a:schemeClr val="lt1"/>
-          </a:fontRef>
-        </p:style>
-        <p:txBody>
-          <a:bodyPr rtlCol="0" anchor="ctr"/>
-          <a:lstStyle/>
-          <a:p>
-            <a:pPr algn="ctr"/>
-            <a:r>
-              <a:rPr lang="en-GB" sz="1200" dirty="0">
-                <a:solidFill>
-                  <a:schemeClr val="tx1">
-                    <a:lumMod val="50000"/>
-                    <a:lumOff val="50000"/>
-                  </a:schemeClr>
-                </a:solidFill>
-              </a:rPr>
-              <a:t>Save personal schedule</a:t>
-            </a:r>
-            <a:endParaRPr lang="sv-SE" sz="1200" dirty="0">
-              <a:solidFill>
-                <a:schemeClr val="tx1">
-                  <a:lumMod val="50000"/>
-                  <a:lumOff val="50000"/>
-                </a:schemeClr>
-              </a:solidFill>
-            </a:endParaRPr>
-          </a:p>
-        </p:txBody>
-      </p:sp>
-      <p:sp>
-        <p:nvSpPr>
-          <p:cNvPr id="21" name="Arrow: Chevron 20">
-            <a:extLst>
-              <a:ext uri="{FF2B5EF4-FFF2-40B4-BE49-F238E27FC236}">
-                <a16:creationId xmlns:a16="http://schemas.microsoft.com/office/drawing/2014/main" id="{2B7B87E9-8563-4153-965C-A6706155DC76}"/>
-              </a:ext>
-            </a:extLst>
-          </p:cNvPr>
-          <p:cNvSpPr/>
-          <p:nvPr/>
-        </p:nvSpPr>
-        <p:spPr>
-          <a:xfrm>
-            <a:off x="5953291" y="5349482"/>
-            <a:ext cx="1854200" cy="484632"/>
-          </a:xfrm>
-          <a:prstGeom prst="chevron">
-            <a:avLst/>
-          </a:prstGeom>
-          <a:solidFill>
-            <a:schemeClr val="bg2">
-              <a:alpha val="85000"/>
-            </a:schemeClr>
-          </a:solidFill>
-          <a:ln>
-            <a:gradFill>
-              <a:gsLst>
-                <a:gs pos="0">
-                  <a:schemeClr val="accent1">
-                    <a:lumMod val="5000"/>
-                    <a:lumOff val="95000"/>
-                  </a:schemeClr>
-                </a:gs>
-                <a:gs pos="74000">
-                  <a:schemeClr val="accent1">
-                    <a:lumMod val="45000"/>
-                    <a:lumOff val="55000"/>
-                  </a:schemeClr>
-                </a:gs>
-                <a:gs pos="83000">
-                  <a:schemeClr val="accent1">
-                    <a:lumMod val="45000"/>
-                    <a:lumOff val="55000"/>
-                  </a:schemeClr>
-                </a:gs>
-                <a:gs pos="100000">
-                  <a:schemeClr val="accent1">
-                    <a:lumMod val="30000"/>
-                    <a:lumOff val="70000"/>
-                  </a:schemeClr>
-                </a:gs>
-              </a:gsLst>
-              <a:lin ang="5400000" scaled="1"/>
-            </a:gradFill>
-          </a:ln>
-          <a:effectLst>
-            <a:outerShdw blurRad="63500" sx="102000" sy="102000" algn="ctr" rotWithShape="0">
-              <a:prstClr val="black">
-                <a:alpha val="40000"/>
-              </a:prstClr>
-            </a:outerShdw>
-          </a:effectLst>
-        </p:spPr>
-        <p:style>
-          <a:lnRef idx="2">
-            <a:schemeClr val="accent1">
-              <a:shade val="50000"/>
-            </a:schemeClr>
-          </a:lnRef>
-          <a:fillRef idx="1">
-            <a:schemeClr val="accent1"/>
-          </a:fillRef>
-          <a:effectRef idx="0">
-            <a:schemeClr val="accent1"/>
-          </a:effectRef>
-          <a:fontRef idx="minor">
-            <a:schemeClr val="lt1"/>
-          </a:fontRef>
-        </p:style>
-        <p:txBody>
-          <a:bodyPr rtlCol="0" anchor="ctr"/>
-          <a:lstStyle/>
-          <a:p>
-            <a:pPr algn="ctr"/>
-            <a:r>
-              <a:rPr lang="en-GB" sz="1200" dirty="0">
-                <a:solidFill>
-                  <a:schemeClr val="tx1">
-                    <a:lumMod val="50000"/>
-                    <a:lumOff val="50000"/>
-                  </a:schemeClr>
-                </a:solidFill>
-              </a:rPr>
-              <a:t>Refine choice</a:t>
-            </a:r>
-            <a:endParaRPr lang="sv-SE" sz="1200" dirty="0">
-              <a:solidFill>
-                <a:schemeClr val="tx1">
-                  <a:lumMod val="50000"/>
-                  <a:lumOff val="50000"/>
-                </a:schemeClr>
-              </a:solidFill>
-            </a:endParaRPr>
           </a:p>
         </p:txBody>
       </p:sp>
@@ -11340,10 +14799,97 @@
       </p:sp>
       <p:sp>
         <p:nvSpPr>
-          <p:cNvPr id="22" name="Arrow: Chevron 21">
-            <a:extLst>
-              <a:ext uri="{FF2B5EF4-FFF2-40B4-BE49-F238E27FC236}">
-                <a16:creationId xmlns:a16="http://schemas.microsoft.com/office/drawing/2014/main" id="{6EB61786-06EB-4A4A-8DD9-40AE87CA2AED}"/>
+          <p:cNvPr id="15" name="TextBox 14">
+            <a:extLst>
+              <a:ext uri="{FF2B5EF4-FFF2-40B4-BE49-F238E27FC236}">
+                <a16:creationId xmlns:a16="http://schemas.microsoft.com/office/drawing/2014/main" id="{A2BB02FA-1D72-4BDD-B2CD-1650173182E1}"/>
+              </a:ext>
+            </a:extLst>
+          </p:cNvPr>
+          <p:cNvSpPr txBox="1"/>
+          <p:nvPr/>
+        </p:nvSpPr>
+        <p:spPr>
+          <a:xfrm>
+            <a:off x="1941762" y="2325879"/>
+            <a:ext cx="3887537" cy="923330"/>
+          </a:xfrm>
+          <a:prstGeom prst="rect">
+            <a:avLst/>
+          </a:prstGeom>
+          <a:noFill/>
+        </p:spPr>
+        <p:txBody>
+          <a:bodyPr wrap="square" rtlCol="0">
+            <a:spAutoFit/>
+          </a:bodyPr>
+          <a:lstStyle/>
+          <a:p>
+            <a:r>
+              <a:rPr lang="en-GB" b="1" dirty="0">
+                <a:solidFill>
+                  <a:srgbClr val="0070C0"/>
+                </a:solidFill>
+              </a:rPr>
+              <a:t>Congratulations to your fantastic decision to create an account... With this tool you can go ahead and:</a:t>
+            </a:r>
+            <a:endParaRPr lang="sv-SE" b="1" dirty="0"/>
+          </a:p>
+        </p:txBody>
+      </p:sp>
+      <p:pic>
+        <p:nvPicPr>
+          <p:cNvPr id="16" name="Picture 4" descr="The Olympic Torch Relay: What You Need to Know | Olympic torch, Olympic  flame, Torch">
+            <a:extLst>
+              <a:ext uri="{FF2B5EF4-FFF2-40B4-BE49-F238E27FC236}">
+                <a16:creationId xmlns:a16="http://schemas.microsoft.com/office/drawing/2014/main" id="{21045668-DAE6-4D44-BD00-0500475F3C4A}"/>
+              </a:ext>
+            </a:extLst>
+          </p:cNvPr>
+          <p:cNvPicPr>
+            <a:picLocks noChangeAspect="1" noChangeArrowheads="1"/>
+          </p:cNvPicPr>
+          <p:nvPr/>
+        </p:nvPicPr>
+        <p:blipFill>
+          <a:blip r:embed="rId3">
+            <a:extLst>
+              <a:ext uri="{28A0092B-C50C-407E-A947-70E740481C1C}">
+                <a14:useLocalDpi xmlns:a14="http://schemas.microsoft.com/office/drawing/2010/main" val="0"/>
+              </a:ext>
+            </a:extLst>
+          </a:blip>
+          <a:srcRect/>
+          <a:stretch>
+            <a:fillRect/>
+          </a:stretch>
+        </p:blipFill>
+        <p:spPr bwMode="auto">
+          <a:xfrm>
+            <a:off x="11198685" y="119759"/>
+            <a:ext cx="534148" cy="534148"/>
+          </a:xfrm>
+          <a:prstGeom prst="flowChartConnector">
+            <a:avLst/>
+          </a:prstGeom>
+          <a:noFill/>
+          <a:extLst>
+            <a:ext uri="{909E8E84-426E-40DD-AFC4-6F175D3DCCD1}">
+              <a14:hiddenFill xmlns:a14="http://schemas.microsoft.com/office/drawing/2010/main">
+                <a:solidFill>
+                  <a:srgbClr val="FFFFFF"/>
+                </a:solidFill>
+              </a14:hiddenFill>
+            </a:ext>
+          </a:extLst>
+        </p:spPr>
+      </p:pic>
+      <p:sp>
+        <p:nvSpPr>
+          <p:cNvPr id="17" name="Rectangle 16">
+            <a:extLst>
+              <a:ext uri="{FF2B5EF4-FFF2-40B4-BE49-F238E27FC236}">
+                <a16:creationId xmlns:a16="http://schemas.microsoft.com/office/drawing/2014/main" id="{ED9B6FD2-2768-4C3F-8D9A-663E424215A6}"/>
               </a:ext>
             </a:extLst>
           </p:cNvPr>
@@ -11352,10 +14898,10 @@
         </p:nvSpPr>
         <p:spPr>
           <a:xfrm>
-            <a:off x="2423529" y="5360788"/>
-            <a:ext cx="1854200" cy="484632"/>
+            <a:off x="7531100" y="1652003"/>
+            <a:ext cx="3327400" cy="4634498"/>
           </a:xfrm>
-          <a:prstGeom prst="chevron">
+          <a:prstGeom prst="rect">
             <a:avLst/>
           </a:prstGeom>
           <a:solidFill>
@@ -11419,32 +14965,20 @@
           </a:fontRef>
         </p:style>
         <p:txBody>
-          <a:bodyPr rtlCol="0" anchor="ctr"/>
+          <a:bodyPr rtlCol="0" anchor="t"/>
           <a:lstStyle/>
           <a:p>
             <a:pPr algn="ctr"/>
-            <a:r>
-              <a:rPr lang="en-GB" sz="1200" b="1">
-                <a:solidFill>
-                  <a:schemeClr val="tx1"/>
-                </a:solidFill>
-              </a:rPr>
-              <a:t>Select disciplines</a:t>
-            </a:r>
-            <a:endParaRPr lang="sv-SE" sz="1200" b="1" dirty="0">
-              <a:solidFill>
-                <a:schemeClr val="tx1"/>
-              </a:solidFill>
-            </a:endParaRPr>
+            <a:endParaRPr lang="sv-SE" dirty="0"/>
           </a:p>
         </p:txBody>
       </p:sp>
       <p:sp>
         <p:nvSpPr>
-          <p:cNvPr id="13" name="TextBox 12">
-            <a:extLst>
-              <a:ext uri="{FF2B5EF4-FFF2-40B4-BE49-F238E27FC236}">
-                <a16:creationId xmlns:a16="http://schemas.microsoft.com/office/drawing/2014/main" id="{658E57C1-6F58-4CA5-B2B0-75434256E37C}"/>
+          <p:cNvPr id="18" name="TextBox 17">
+            <a:extLst>
+              <a:ext uri="{FF2B5EF4-FFF2-40B4-BE49-F238E27FC236}">
+                <a16:creationId xmlns:a16="http://schemas.microsoft.com/office/drawing/2014/main" id="{997EF832-1420-4AB2-911B-0065165665F8}"/>
               </a:ext>
             </a:extLst>
           </p:cNvPr>
@@ -11453,8 +14987,8 @@
         </p:nvSpPr>
         <p:spPr>
           <a:xfrm>
-            <a:off x="9009646" y="202167"/>
-            <a:ext cx="1729875" cy="369332"/>
+            <a:off x="7872662" y="1957579"/>
+            <a:ext cx="2870200" cy="369332"/>
           </a:xfrm>
           <a:prstGeom prst="rect">
             <a:avLst/>
@@ -11468,21 +15002,54 @@
           <a:lstStyle/>
           <a:p>
             <a:r>
-              <a:rPr lang="en-GB" dirty="0">
-                <a:solidFill>
-                  <a:schemeClr val="bg1"/>
-                </a:solidFill>
-              </a:rPr>
-              <a:t>My page</a:t>
+              <a:rPr lang="en-GB" b="1" dirty="0"/>
+              <a:t>My schedules</a:t>
             </a:r>
-            <a:endParaRPr lang="sv-SE" dirty="0">
-              <a:solidFill>
-                <a:schemeClr val="bg1"/>
-              </a:solidFill>
-            </a:endParaRPr>
+            <a:endParaRPr lang="sv-SE" b="1" dirty="0"/>
           </a:p>
         </p:txBody>
       </p:sp>
+      <p:cxnSp>
+        <p:nvCxnSpPr>
+          <p:cNvPr id="6" name="Connector: Curved 5">
+            <a:extLst>
+              <a:ext uri="{FF2B5EF4-FFF2-40B4-BE49-F238E27FC236}">
+                <a16:creationId xmlns:a16="http://schemas.microsoft.com/office/drawing/2014/main" id="{287C76A3-D482-4DF7-B344-86C64676CF73}"/>
+              </a:ext>
+            </a:extLst>
+          </p:cNvPr>
+          <p:cNvCxnSpPr>
+            <a:cxnSpLocks/>
+          </p:cNvCxnSpPr>
+          <p:nvPr/>
+        </p:nvCxnSpPr>
+        <p:spPr>
+          <a:xfrm>
+            <a:off x="3505200" y="4292417"/>
+            <a:ext cx="4229100" cy="114483"/>
+          </a:xfrm>
+          <a:prstGeom prst="curvedConnector3">
+            <a:avLst/>
+          </a:prstGeom>
+          <a:ln>
+            <a:tailEnd type="triangle"/>
+          </a:ln>
+        </p:spPr>
+        <p:style>
+          <a:lnRef idx="1">
+            <a:schemeClr val="accent1"/>
+          </a:lnRef>
+          <a:fillRef idx="0">
+            <a:schemeClr val="accent1"/>
+          </a:fillRef>
+          <a:effectRef idx="0">
+            <a:schemeClr val="accent1"/>
+          </a:effectRef>
+          <a:fontRef idx="minor">
+            <a:schemeClr val="tx1"/>
+          </a:fontRef>
+        </p:style>
+      </p:cxnSp>
     </p:spTree>
     <p:extLst>
       <p:ext uri="{BB962C8B-B14F-4D97-AF65-F5344CB8AC3E}">
@@ -11713,7 +15280,7 @@
         </p:nvSpPr>
         <p:spPr>
           <a:xfrm>
-            <a:off x="1238248" y="1474203"/>
+            <a:off x="1238248" y="1652003"/>
             <a:ext cx="9544052" cy="4634498"/>
           </a:xfrm>
           <a:prstGeom prst="rect">
@@ -11802,7 +15369,7 @@
         </p:nvSpPr>
         <p:spPr>
           <a:xfrm>
-            <a:off x="1612900" y="1672575"/>
+            <a:off x="1612900" y="1850375"/>
             <a:ext cx="2870200" cy="369332"/>
           </a:xfrm>
           <a:prstGeom prst="rect">
@@ -11818,7 +15385,7 @@
           <a:p>
             <a:r>
               <a:rPr lang="en-GB" b="1" dirty="0"/>
-              <a:t>Select countries</a:t>
+              <a:t>Select disciplines</a:t>
             </a:r>
             <a:endParaRPr lang="sv-SE" b="1" dirty="0"/>
           </a:p>
@@ -11838,7 +15405,7 @@
         </p:nvSpPr>
         <p:spPr>
           <a:xfrm>
-            <a:off x="4191000" y="5182988"/>
+            <a:off x="4191000" y="5360788"/>
             <a:ext cx="1854200" cy="484632"/>
           </a:xfrm>
           <a:prstGeom prst="chevron">
@@ -11910,16 +15477,22 @@
           <a:p>
             <a:pPr algn="ctr"/>
             <a:r>
-              <a:rPr lang="en-GB" sz="1200" b="1" dirty="0">
-                <a:solidFill>
-                  <a:schemeClr val="tx1"/>
+              <a:rPr lang="en-GB" sz="1200">
+                <a:solidFill>
+                  <a:schemeClr val="tx1">
+                    <a:lumMod val="50000"/>
+                    <a:lumOff val="50000"/>
+                  </a:schemeClr>
                 </a:solidFill>
               </a:rPr>
               <a:t>Select countries</a:t>
             </a:r>
-            <a:endParaRPr lang="sv-SE" sz="1200" b="1" dirty="0">
+            <a:endParaRPr lang="sv-SE" sz="1200" dirty="0">
               <a:solidFill>
-                <a:schemeClr val="tx1"/>
+                <a:schemeClr val="tx1">
+                  <a:lumMod val="50000"/>
+                  <a:lumOff val="50000"/>
+                </a:schemeClr>
               </a:solidFill>
             </a:endParaRPr>
           </a:p>
@@ -11939,7 +15512,7 @@
         </p:nvSpPr>
         <p:spPr>
           <a:xfrm>
-            <a:off x="7725943" y="5171682"/>
+            <a:off x="7725943" y="5349482"/>
             <a:ext cx="1854200" cy="484632"/>
           </a:xfrm>
           <a:prstGeom prst="chevron">
@@ -12046,7 +15619,7 @@
         </p:nvSpPr>
         <p:spPr>
           <a:xfrm>
-            <a:off x="5953291" y="5171682"/>
+            <a:off x="5953291" y="5349482"/>
             <a:ext cx="1854200" cy="484632"/>
           </a:xfrm>
           <a:prstGeom prst="chevron">
@@ -12207,7 +15780,7 @@
         </p:nvSpPr>
         <p:spPr>
           <a:xfrm>
-            <a:off x="2423529" y="5182988"/>
+            <a:off x="2423529" y="5360788"/>
             <a:ext cx="1854200" cy="484632"/>
           </a:xfrm>
           <a:prstGeom prst="chevron">
@@ -12279,33 +15852,202 @@
           <a:p>
             <a:pPr algn="ctr"/>
             <a:r>
-              <a:rPr lang="en-GB" sz="1200" dirty="0">
-                <a:solidFill>
-                  <a:schemeClr val="tx1">
-                    <a:lumMod val="50000"/>
-                    <a:lumOff val="50000"/>
-                  </a:schemeClr>
+              <a:rPr lang="en-GB" sz="1200" b="1">
+                <a:solidFill>
+                  <a:schemeClr val="tx1"/>
                 </a:solidFill>
               </a:rPr>
               <a:t>Select disciplines</a:t>
             </a:r>
-            <a:endParaRPr lang="sv-SE" sz="1200" dirty="0">
+            <a:endParaRPr lang="sv-SE" sz="1200" b="1" dirty="0">
               <a:solidFill>
-                <a:schemeClr val="tx1">
-                  <a:lumMod val="50000"/>
-                  <a:lumOff val="50000"/>
-                </a:schemeClr>
+                <a:schemeClr val="tx1"/>
               </a:solidFill>
             </a:endParaRPr>
+          </a:p>
+        </p:txBody>
+      </p:sp>
+      <p:pic>
+        <p:nvPicPr>
+          <p:cNvPr id="15" name="Picture 4" descr="The Olympic Torch Relay: What You Need to Know | Olympic torch, Olympic  flame, Torch">
+            <a:extLst>
+              <a:ext uri="{FF2B5EF4-FFF2-40B4-BE49-F238E27FC236}">
+                <a16:creationId xmlns:a16="http://schemas.microsoft.com/office/drawing/2014/main" id="{8364672F-E282-4E88-91CF-891A33C92ECC}"/>
+              </a:ext>
+            </a:extLst>
+          </p:cNvPr>
+          <p:cNvPicPr>
+            <a:picLocks noChangeAspect="1" noChangeArrowheads="1"/>
+          </p:cNvPicPr>
+          <p:nvPr/>
+        </p:nvPicPr>
+        <p:blipFill>
+          <a:blip r:embed="rId3">
+            <a:extLst>
+              <a:ext uri="{28A0092B-C50C-407E-A947-70E740481C1C}">
+                <a14:useLocalDpi xmlns:a14="http://schemas.microsoft.com/office/drawing/2010/main" val="0"/>
+              </a:ext>
+            </a:extLst>
+          </a:blip>
+          <a:srcRect/>
+          <a:stretch>
+            <a:fillRect/>
+          </a:stretch>
+        </p:blipFill>
+        <p:spPr bwMode="auto">
+          <a:xfrm>
+            <a:off x="11198685" y="119759"/>
+            <a:ext cx="534148" cy="534148"/>
+          </a:xfrm>
+          <a:prstGeom prst="flowChartConnector">
+            <a:avLst/>
+          </a:prstGeom>
+          <a:noFill/>
+          <a:extLst>
+            <a:ext uri="{909E8E84-426E-40DD-AFC4-6F175D3DCCD1}">
+              <a14:hiddenFill xmlns:a14="http://schemas.microsoft.com/office/drawing/2010/main">
+                <a:solidFill>
+                  <a:srgbClr val="FFFFFF"/>
+                </a:solidFill>
+              </a14:hiddenFill>
+            </a:ext>
+          </a:extLst>
+        </p:spPr>
+      </p:pic>
+    </p:spTree>
+    <p:extLst>
+      <p:ext uri="{BB962C8B-B14F-4D97-AF65-F5344CB8AC3E}">
+        <p14:creationId xmlns:p14="http://schemas.microsoft.com/office/powerpoint/2010/main" val="1548522496"/>
+      </p:ext>
+    </p:extLst>
+  </p:cSld>
+  <p:clrMapOvr>
+    <a:masterClrMapping/>
+  </p:clrMapOvr>
+</p:sld>
+</file>
+
+<file path=ppt/slides/slide5.xml><?xml version="1.0" encoding="utf-8"?>
+<p:sld xmlns:a="http://schemas.openxmlformats.org/drawingml/2006/main" xmlns:r="http://schemas.openxmlformats.org/officeDocument/2006/relationships" xmlns:p="http://schemas.openxmlformats.org/presentationml/2006/main">
+  <p:cSld>
+    <p:spTree>
+      <p:nvGrpSpPr>
+        <p:cNvPr id="1" name=""/>
+        <p:cNvGrpSpPr/>
+        <p:nvPr/>
+      </p:nvGrpSpPr>
+      <p:grpSpPr>
+        <a:xfrm>
+          <a:off x="0" y="0"/>
+          <a:ext cx="0" cy="0"/>
+          <a:chOff x="0" y="0"/>
+          <a:chExt cx="0" cy="0"/>
+        </a:xfrm>
+      </p:grpSpPr>
+      <p:pic>
+        <p:nvPicPr>
+          <p:cNvPr id="1032" name="Picture 8" descr="Winter olympics Images, Stock Photos &amp;amp; Vectors | Shutterstock">
+            <a:extLst>
+              <a:ext uri="{FF2B5EF4-FFF2-40B4-BE49-F238E27FC236}">
+                <a16:creationId xmlns:a16="http://schemas.microsoft.com/office/drawing/2014/main" id="{9381FD0B-4BB1-451B-84D8-D12A1C1721D1}"/>
+              </a:ext>
+            </a:extLst>
+          </p:cNvPr>
+          <p:cNvPicPr>
+            <a:picLocks noChangeAspect="1" noChangeArrowheads="1"/>
+          </p:cNvPicPr>
+          <p:nvPr/>
+        </p:nvPicPr>
+        <p:blipFill rotWithShape="1">
+          <a:blip r:embed="rId2">
+            <a:extLst>
+              <a:ext uri="{28A0092B-C50C-407E-A947-70E740481C1C}">
+                <a14:useLocalDpi xmlns:a14="http://schemas.microsoft.com/office/drawing/2010/main" val="0"/>
+              </a:ext>
+            </a:extLst>
+          </a:blip>
+          <a:srcRect l="6645" b="14121"/>
+          <a:stretch/>
+        </p:blipFill>
+        <p:spPr bwMode="auto">
+          <a:xfrm>
+            <a:off x="-18059" y="-816"/>
+            <a:ext cx="12210057" cy="6858815"/>
+          </a:xfrm>
+          <a:prstGeom prst="rect">
+            <a:avLst/>
+          </a:prstGeom>
+          <a:noFill/>
+          <a:extLst>
+            <a:ext uri="{909E8E84-426E-40DD-AFC4-6F175D3DCCD1}">
+              <a14:hiddenFill xmlns:a14="http://schemas.microsoft.com/office/drawing/2010/main">
+                <a:solidFill>
+                  <a:srgbClr val="FFFFFF"/>
+                </a:solidFill>
+              </a14:hiddenFill>
+            </a:ext>
+          </a:extLst>
+        </p:spPr>
+      </p:pic>
+      <p:sp>
+        <p:nvSpPr>
+          <p:cNvPr id="11" name="Rectangle 10">
+            <a:extLst>
+              <a:ext uri="{FF2B5EF4-FFF2-40B4-BE49-F238E27FC236}">
+                <a16:creationId xmlns:a16="http://schemas.microsoft.com/office/drawing/2014/main" id="{10EB8D02-9EDE-4911-8F59-FDB495188B2A}"/>
+              </a:ext>
+            </a:extLst>
+          </p:cNvPr>
+          <p:cNvSpPr/>
+          <p:nvPr/>
+        </p:nvSpPr>
+        <p:spPr>
+          <a:xfrm>
+            <a:off x="-18058" y="1"/>
+            <a:ext cx="12210058" cy="802104"/>
+          </a:xfrm>
+          <a:prstGeom prst="rect">
+            <a:avLst/>
+          </a:prstGeom>
+          <a:solidFill>
+            <a:srgbClr val="304550"/>
+          </a:solidFill>
+          <a:ln>
+            <a:noFill/>
+          </a:ln>
+          <a:effectLst/>
+        </p:spPr>
+        <p:style>
+          <a:lnRef idx="0">
+            <a:scrgbClr r="0" g="0" b="0"/>
+          </a:lnRef>
+          <a:fillRef idx="0">
+            <a:scrgbClr r="0" g="0" b="0"/>
+          </a:fillRef>
+          <a:effectRef idx="0">
+            <a:scrgbClr r="0" g="0" b="0"/>
+          </a:effectRef>
+          <a:fontRef idx="minor">
+            <a:schemeClr val="lt1"/>
+          </a:fontRef>
+        </p:style>
+        <p:txBody>
+          <a:bodyPr rtlCol="0" anchor="ctr"/>
+          <a:lstStyle/>
+          <a:p>
+            <a:r>
+              <a:rPr lang="en-GB" sz="2800" b="1" dirty="0"/>
+              <a:t>	Olympic Planner</a:t>
+            </a:r>
           </a:p>
         </p:txBody>
       </p:sp>
       <p:sp>
         <p:nvSpPr>
-          <p:cNvPr id="13" name="TextBox 12">
-            <a:extLst>
-              <a:ext uri="{FF2B5EF4-FFF2-40B4-BE49-F238E27FC236}">
-                <a16:creationId xmlns:a16="http://schemas.microsoft.com/office/drawing/2014/main" id="{A40531EF-8227-4657-87C4-9374A615B122}"/>
+          <p:cNvPr id="2" name="TextBox 1">
+            <a:extLst>
+              <a:ext uri="{FF2B5EF4-FFF2-40B4-BE49-F238E27FC236}">
+                <a16:creationId xmlns:a16="http://schemas.microsoft.com/office/drawing/2014/main" id="{02A273FF-198B-4733-95DB-1931741DFB95}"/>
               </a:ext>
             </a:extLst>
           </p:cNvPr>
@@ -12314,7 +16056,51 @@
         </p:nvSpPr>
         <p:spPr>
           <a:xfrm>
-            <a:off x="9009646" y="202167"/>
+            <a:off x="4748463" y="216568"/>
+            <a:ext cx="1919037" cy="369332"/>
+          </a:xfrm>
+          <a:prstGeom prst="rect">
+            <a:avLst/>
+          </a:prstGeom>
+          <a:noFill/>
+        </p:spPr>
+        <p:txBody>
+          <a:bodyPr wrap="square" rtlCol="0">
+            <a:spAutoFit/>
+          </a:bodyPr>
+          <a:lstStyle/>
+          <a:p>
+            <a:r>
+              <a:rPr lang="en-GB" dirty="0">
+                <a:solidFill>
+                  <a:schemeClr val="bg1"/>
+                </a:solidFill>
+              </a:rPr>
+              <a:t>Create schedule</a:t>
+            </a:r>
+            <a:endParaRPr lang="sv-SE" dirty="0">
+              <a:solidFill>
+                <a:schemeClr val="bg1"/>
+              </a:solidFill>
+            </a:endParaRPr>
+          </a:p>
+        </p:txBody>
+      </p:sp>
+      <p:sp>
+        <p:nvSpPr>
+          <p:cNvPr id="7" name="TextBox 6">
+            <a:extLst>
+              <a:ext uri="{FF2B5EF4-FFF2-40B4-BE49-F238E27FC236}">
+                <a16:creationId xmlns:a16="http://schemas.microsoft.com/office/drawing/2014/main" id="{7A0D3294-7EE1-45BB-B18F-7F0D6EFBA551}"/>
+              </a:ext>
+            </a:extLst>
+          </p:cNvPr>
+          <p:cNvSpPr txBox="1"/>
+          <p:nvPr/>
+        </p:nvSpPr>
+        <p:spPr>
+          <a:xfrm>
+            <a:off x="7058525" y="213765"/>
             <a:ext cx="1729875" cy="369332"/>
           </a:xfrm>
           <a:prstGeom prst="rect">
@@ -12334,7 +16120,7 @@
                   <a:schemeClr val="bg1"/>
                 </a:solidFill>
               </a:rPr>
-              <a:t>My page</a:t>
+              <a:t>My schedules</a:t>
             </a:r>
             <a:endParaRPr lang="sv-SE" dirty="0">
               <a:solidFill>
@@ -12344,6 +16130,654 @@
           </a:p>
         </p:txBody>
       </p:sp>
+      <p:sp>
+        <p:nvSpPr>
+          <p:cNvPr id="3" name="Rectangle 2">
+            <a:extLst>
+              <a:ext uri="{FF2B5EF4-FFF2-40B4-BE49-F238E27FC236}">
+                <a16:creationId xmlns:a16="http://schemas.microsoft.com/office/drawing/2014/main" id="{69EDFEF5-BCCD-4D0C-ACC1-1686463FEB5A}"/>
+              </a:ext>
+            </a:extLst>
+          </p:cNvPr>
+          <p:cNvSpPr/>
+          <p:nvPr/>
+        </p:nvSpPr>
+        <p:spPr>
+          <a:xfrm>
+            <a:off x="1238248" y="1474203"/>
+            <a:ext cx="9544052" cy="4634498"/>
+          </a:xfrm>
+          <a:prstGeom prst="rect">
+            <a:avLst/>
+          </a:prstGeom>
+          <a:solidFill>
+            <a:schemeClr val="bg2">
+              <a:alpha val="85000"/>
+            </a:schemeClr>
+          </a:solidFill>
+          <a:ln>
+            <a:gradFill>
+              <a:gsLst>
+                <a:gs pos="0">
+                  <a:schemeClr val="accent1">
+                    <a:lumMod val="5000"/>
+                    <a:lumOff val="95000"/>
+                  </a:schemeClr>
+                </a:gs>
+                <a:gs pos="74000">
+                  <a:schemeClr val="accent1">
+                    <a:lumMod val="45000"/>
+                    <a:lumOff val="55000"/>
+                  </a:schemeClr>
+                </a:gs>
+                <a:gs pos="83000">
+                  <a:schemeClr val="accent1">
+                    <a:lumMod val="45000"/>
+                    <a:lumOff val="55000"/>
+                  </a:schemeClr>
+                </a:gs>
+                <a:gs pos="100000">
+                  <a:schemeClr val="accent1">
+                    <a:lumMod val="30000"/>
+                    <a:lumOff val="70000"/>
+                  </a:schemeClr>
+                </a:gs>
+              </a:gsLst>
+              <a:lin ang="5400000" scaled="1"/>
+            </a:gradFill>
+          </a:ln>
+          <a:effectLst>
+            <a:outerShdw blurRad="63500" sx="102000" sy="102000" algn="ctr" rotWithShape="0">
+              <a:prstClr val="black">
+                <a:alpha val="40000"/>
+              </a:prstClr>
+            </a:outerShdw>
+          </a:effectLst>
+        </p:spPr>
+        <p:style>
+          <a:lnRef idx="2">
+            <a:schemeClr val="accent1">
+              <a:shade val="50000"/>
+            </a:schemeClr>
+          </a:lnRef>
+          <a:fillRef idx="1">
+            <a:schemeClr val="accent1"/>
+          </a:fillRef>
+          <a:effectRef idx="0">
+            <a:schemeClr val="accent1"/>
+          </a:effectRef>
+          <a:fontRef idx="minor">
+            <a:schemeClr val="lt1"/>
+          </a:fontRef>
+        </p:style>
+        <p:txBody>
+          <a:bodyPr rtlCol="0" anchor="t"/>
+          <a:lstStyle/>
+          <a:p>
+            <a:pPr algn="ctr"/>
+            <a:endParaRPr lang="sv-SE" dirty="0"/>
+          </a:p>
+        </p:txBody>
+      </p:sp>
+      <p:sp>
+        <p:nvSpPr>
+          <p:cNvPr id="4" name="TextBox 3">
+            <a:extLst>
+              <a:ext uri="{FF2B5EF4-FFF2-40B4-BE49-F238E27FC236}">
+                <a16:creationId xmlns:a16="http://schemas.microsoft.com/office/drawing/2014/main" id="{A1F74440-F4FD-4161-AB2B-CF288D0F6C19}"/>
+              </a:ext>
+            </a:extLst>
+          </p:cNvPr>
+          <p:cNvSpPr txBox="1"/>
+          <p:nvPr/>
+        </p:nvSpPr>
+        <p:spPr>
+          <a:xfrm>
+            <a:off x="1612900" y="1672575"/>
+            <a:ext cx="2870200" cy="369332"/>
+          </a:xfrm>
+          <a:prstGeom prst="rect">
+            <a:avLst/>
+          </a:prstGeom>
+          <a:noFill/>
+        </p:spPr>
+        <p:txBody>
+          <a:bodyPr wrap="square" rtlCol="0">
+            <a:spAutoFit/>
+          </a:bodyPr>
+          <a:lstStyle/>
+          <a:p>
+            <a:r>
+              <a:rPr lang="en-GB" b="1" dirty="0"/>
+              <a:t>Select countries</a:t>
+            </a:r>
+            <a:endParaRPr lang="sv-SE" b="1" dirty="0"/>
+          </a:p>
+        </p:txBody>
+      </p:sp>
+      <p:sp>
+        <p:nvSpPr>
+          <p:cNvPr id="14" name="Arrow: Chevron 13">
+            <a:extLst>
+              <a:ext uri="{FF2B5EF4-FFF2-40B4-BE49-F238E27FC236}">
+                <a16:creationId xmlns:a16="http://schemas.microsoft.com/office/drawing/2014/main" id="{20332E1B-C74D-4C08-9066-CA8109ED66C8}"/>
+              </a:ext>
+            </a:extLst>
+          </p:cNvPr>
+          <p:cNvSpPr/>
+          <p:nvPr/>
+        </p:nvSpPr>
+        <p:spPr>
+          <a:xfrm>
+            <a:off x="4191000" y="5182988"/>
+            <a:ext cx="1854200" cy="484632"/>
+          </a:xfrm>
+          <a:prstGeom prst="chevron">
+            <a:avLst/>
+          </a:prstGeom>
+          <a:solidFill>
+            <a:schemeClr val="bg2">
+              <a:alpha val="85000"/>
+            </a:schemeClr>
+          </a:solidFill>
+          <a:ln>
+            <a:gradFill>
+              <a:gsLst>
+                <a:gs pos="0">
+                  <a:schemeClr val="accent1">
+                    <a:lumMod val="5000"/>
+                    <a:lumOff val="95000"/>
+                  </a:schemeClr>
+                </a:gs>
+                <a:gs pos="74000">
+                  <a:schemeClr val="accent1">
+                    <a:lumMod val="45000"/>
+                    <a:lumOff val="55000"/>
+                  </a:schemeClr>
+                </a:gs>
+                <a:gs pos="83000">
+                  <a:schemeClr val="accent1">
+                    <a:lumMod val="45000"/>
+                    <a:lumOff val="55000"/>
+                  </a:schemeClr>
+                </a:gs>
+                <a:gs pos="100000">
+                  <a:schemeClr val="accent1">
+                    <a:lumMod val="30000"/>
+                    <a:lumOff val="70000"/>
+                  </a:schemeClr>
+                </a:gs>
+              </a:gsLst>
+              <a:lin ang="5400000" scaled="1"/>
+            </a:gradFill>
+          </a:ln>
+          <a:effectLst>
+            <a:outerShdw blurRad="63500" sx="102000" sy="102000" algn="ctr" rotWithShape="0">
+              <a:prstClr val="black">
+                <a:alpha val="40000"/>
+              </a:prstClr>
+            </a:outerShdw>
+          </a:effectLst>
+        </p:spPr>
+        <p:style>
+          <a:lnRef idx="2">
+            <a:schemeClr val="accent1">
+              <a:shade val="50000"/>
+            </a:schemeClr>
+          </a:lnRef>
+          <a:fillRef idx="1">
+            <a:schemeClr val="accent1"/>
+          </a:fillRef>
+          <a:effectRef idx="0">
+            <a:schemeClr val="accent1"/>
+          </a:effectRef>
+          <a:fontRef idx="minor">
+            <a:schemeClr val="lt1"/>
+          </a:fontRef>
+        </p:style>
+        <p:txBody>
+          <a:bodyPr rtlCol="0" anchor="ctr"/>
+          <a:lstStyle/>
+          <a:p>
+            <a:pPr algn="ctr"/>
+            <a:r>
+              <a:rPr lang="en-GB" sz="1200" b="1" dirty="0">
+                <a:solidFill>
+                  <a:schemeClr val="tx1"/>
+                </a:solidFill>
+              </a:rPr>
+              <a:t>Select countries</a:t>
+            </a:r>
+            <a:endParaRPr lang="sv-SE" sz="1200" b="1" dirty="0">
+              <a:solidFill>
+                <a:schemeClr val="tx1"/>
+              </a:solidFill>
+            </a:endParaRPr>
+          </a:p>
+        </p:txBody>
+      </p:sp>
+      <p:sp>
+        <p:nvSpPr>
+          <p:cNvPr id="20" name="Arrow: Chevron 19">
+            <a:extLst>
+              <a:ext uri="{FF2B5EF4-FFF2-40B4-BE49-F238E27FC236}">
+                <a16:creationId xmlns:a16="http://schemas.microsoft.com/office/drawing/2014/main" id="{C7F82647-8FF8-455D-9280-BB881FD11B5B}"/>
+              </a:ext>
+            </a:extLst>
+          </p:cNvPr>
+          <p:cNvSpPr/>
+          <p:nvPr/>
+        </p:nvSpPr>
+        <p:spPr>
+          <a:xfrm>
+            <a:off x="7725943" y="5171682"/>
+            <a:ext cx="1854200" cy="484632"/>
+          </a:xfrm>
+          <a:prstGeom prst="chevron">
+            <a:avLst/>
+          </a:prstGeom>
+          <a:solidFill>
+            <a:schemeClr val="bg2">
+              <a:alpha val="85000"/>
+            </a:schemeClr>
+          </a:solidFill>
+          <a:ln>
+            <a:gradFill>
+              <a:gsLst>
+                <a:gs pos="0">
+                  <a:schemeClr val="accent1">
+                    <a:lumMod val="5000"/>
+                    <a:lumOff val="95000"/>
+                  </a:schemeClr>
+                </a:gs>
+                <a:gs pos="74000">
+                  <a:schemeClr val="accent1">
+                    <a:lumMod val="45000"/>
+                    <a:lumOff val="55000"/>
+                  </a:schemeClr>
+                </a:gs>
+                <a:gs pos="83000">
+                  <a:schemeClr val="accent1">
+                    <a:lumMod val="45000"/>
+                    <a:lumOff val="55000"/>
+                  </a:schemeClr>
+                </a:gs>
+                <a:gs pos="100000">
+                  <a:schemeClr val="accent1">
+                    <a:lumMod val="30000"/>
+                    <a:lumOff val="70000"/>
+                  </a:schemeClr>
+                </a:gs>
+              </a:gsLst>
+              <a:lin ang="5400000" scaled="1"/>
+            </a:gradFill>
+          </a:ln>
+          <a:effectLst>
+            <a:outerShdw blurRad="63500" sx="102000" sy="102000" algn="ctr" rotWithShape="0">
+              <a:prstClr val="black">
+                <a:alpha val="40000"/>
+              </a:prstClr>
+            </a:outerShdw>
+          </a:effectLst>
+        </p:spPr>
+        <p:style>
+          <a:lnRef idx="2">
+            <a:schemeClr val="accent1">
+              <a:shade val="50000"/>
+            </a:schemeClr>
+          </a:lnRef>
+          <a:fillRef idx="1">
+            <a:schemeClr val="accent1"/>
+          </a:fillRef>
+          <a:effectRef idx="0">
+            <a:schemeClr val="accent1"/>
+          </a:effectRef>
+          <a:fontRef idx="minor">
+            <a:schemeClr val="lt1"/>
+          </a:fontRef>
+        </p:style>
+        <p:txBody>
+          <a:bodyPr rtlCol="0" anchor="ctr"/>
+          <a:lstStyle/>
+          <a:p>
+            <a:pPr algn="ctr"/>
+            <a:r>
+              <a:rPr lang="en-GB" sz="1200" dirty="0">
+                <a:solidFill>
+                  <a:schemeClr val="tx1">
+                    <a:lumMod val="50000"/>
+                    <a:lumOff val="50000"/>
+                  </a:schemeClr>
+                </a:solidFill>
+              </a:rPr>
+              <a:t>Save personal schedule</a:t>
+            </a:r>
+            <a:endParaRPr lang="sv-SE" sz="1200" dirty="0">
+              <a:solidFill>
+                <a:schemeClr val="tx1">
+                  <a:lumMod val="50000"/>
+                  <a:lumOff val="50000"/>
+                </a:schemeClr>
+              </a:solidFill>
+            </a:endParaRPr>
+          </a:p>
+        </p:txBody>
+      </p:sp>
+      <p:sp>
+        <p:nvSpPr>
+          <p:cNvPr id="21" name="Arrow: Chevron 20">
+            <a:extLst>
+              <a:ext uri="{FF2B5EF4-FFF2-40B4-BE49-F238E27FC236}">
+                <a16:creationId xmlns:a16="http://schemas.microsoft.com/office/drawing/2014/main" id="{2B7B87E9-8563-4153-965C-A6706155DC76}"/>
+              </a:ext>
+            </a:extLst>
+          </p:cNvPr>
+          <p:cNvSpPr/>
+          <p:nvPr/>
+        </p:nvSpPr>
+        <p:spPr>
+          <a:xfrm>
+            <a:off x="5953291" y="5171682"/>
+            <a:ext cx="1854200" cy="484632"/>
+          </a:xfrm>
+          <a:prstGeom prst="chevron">
+            <a:avLst/>
+          </a:prstGeom>
+          <a:solidFill>
+            <a:schemeClr val="bg2">
+              <a:alpha val="85000"/>
+            </a:schemeClr>
+          </a:solidFill>
+          <a:ln>
+            <a:gradFill>
+              <a:gsLst>
+                <a:gs pos="0">
+                  <a:schemeClr val="accent1">
+                    <a:lumMod val="5000"/>
+                    <a:lumOff val="95000"/>
+                  </a:schemeClr>
+                </a:gs>
+                <a:gs pos="74000">
+                  <a:schemeClr val="accent1">
+                    <a:lumMod val="45000"/>
+                    <a:lumOff val="55000"/>
+                  </a:schemeClr>
+                </a:gs>
+                <a:gs pos="83000">
+                  <a:schemeClr val="accent1">
+                    <a:lumMod val="45000"/>
+                    <a:lumOff val="55000"/>
+                  </a:schemeClr>
+                </a:gs>
+                <a:gs pos="100000">
+                  <a:schemeClr val="accent1">
+                    <a:lumMod val="30000"/>
+                    <a:lumOff val="70000"/>
+                  </a:schemeClr>
+                </a:gs>
+              </a:gsLst>
+              <a:lin ang="5400000" scaled="1"/>
+            </a:gradFill>
+          </a:ln>
+          <a:effectLst>
+            <a:outerShdw blurRad="63500" sx="102000" sy="102000" algn="ctr" rotWithShape="0">
+              <a:prstClr val="black">
+                <a:alpha val="40000"/>
+              </a:prstClr>
+            </a:outerShdw>
+          </a:effectLst>
+        </p:spPr>
+        <p:style>
+          <a:lnRef idx="2">
+            <a:schemeClr val="accent1">
+              <a:shade val="50000"/>
+            </a:schemeClr>
+          </a:lnRef>
+          <a:fillRef idx="1">
+            <a:schemeClr val="accent1"/>
+          </a:fillRef>
+          <a:effectRef idx="0">
+            <a:schemeClr val="accent1"/>
+          </a:effectRef>
+          <a:fontRef idx="minor">
+            <a:schemeClr val="lt1"/>
+          </a:fontRef>
+        </p:style>
+        <p:txBody>
+          <a:bodyPr rtlCol="0" anchor="ctr"/>
+          <a:lstStyle/>
+          <a:p>
+            <a:pPr algn="ctr"/>
+            <a:r>
+              <a:rPr lang="en-GB" sz="1200" dirty="0">
+                <a:solidFill>
+                  <a:schemeClr val="tx1">
+                    <a:lumMod val="50000"/>
+                    <a:lumOff val="50000"/>
+                  </a:schemeClr>
+                </a:solidFill>
+              </a:rPr>
+              <a:t>Refine choice</a:t>
+            </a:r>
+            <a:endParaRPr lang="sv-SE" sz="1200" dirty="0">
+              <a:solidFill>
+                <a:schemeClr val="tx1">
+                  <a:lumMod val="50000"/>
+                  <a:lumOff val="50000"/>
+                </a:schemeClr>
+              </a:solidFill>
+            </a:endParaRPr>
+          </a:p>
+        </p:txBody>
+      </p:sp>
+      <p:sp>
+        <p:nvSpPr>
+          <p:cNvPr id="19" name="Rectangle 18">
+            <a:extLst>
+              <a:ext uri="{FF2B5EF4-FFF2-40B4-BE49-F238E27FC236}">
+                <a16:creationId xmlns:a16="http://schemas.microsoft.com/office/drawing/2014/main" id="{87E99158-3A73-486A-9BDB-F90FF34E2EB4}"/>
+              </a:ext>
+            </a:extLst>
+          </p:cNvPr>
+          <p:cNvSpPr/>
+          <p:nvPr/>
+        </p:nvSpPr>
+        <p:spPr>
+          <a:xfrm>
+            <a:off x="4464051" y="-816"/>
+            <a:ext cx="2203449" cy="802104"/>
+          </a:xfrm>
+          <a:prstGeom prst="rect">
+            <a:avLst/>
+          </a:prstGeom>
+          <a:solidFill>
+            <a:schemeClr val="bg1">
+              <a:alpha val="31000"/>
+            </a:schemeClr>
+          </a:solidFill>
+          <a:ln>
+            <a:noFill/>
+          </a:ln>
+        </p:spPr>
+        <p:style>
+          <a:lnRef idx="2">
+            <a:schemeClr val="accent1">
+              <a:shade val="50000"/>
+            </a:schemeClr>
+          </a:lnRef>
+          <a:fillRef idx="1">
+            <a:schemeClr val="accent1"/>
+          </a:fillRef>
+          <a:effectRef idx="0">
+            <a:schemeClr val="accent1"/>
+          </a:effectRef>
+          <a:fontRef idx="minor">
+            <a:schemeClr val="lt1"/>
+          </a:fontRef>
+        </p:style>
+        <p:txBody>
+          <a:bodyPr rtlCol="0" anchor="ctr"/>
+          <a:lstStyle/>
+          <a:p>
+            <a:pPr algn="ctr"/>
+            <a:endParaRPr lang="sv-SE"/>
+          </a:p>
+        </p:txBody>
+      </p:sp>
+      <p:sp>
+        <p:nvSpPr>
+          <p:cNvPr id="22" name="Arrow: Chevron 21">
+            <a:extLst>
+              <a:ext uri="{FF2B5EF4-FFF2-40B4-BE49-F238E27FC236}">
+                <a16:creationId xmlns:a16="http://schemas.microsoft.com/office/drawing/2014/main" id="{6EB61786-06EB-4A4A-8DD9-40AE87CA2AED}"/>
+              </a:ext>
+            </a:extLst>
+          </p:cNvPr>
+          <p:cNvSpPr/>
+          <p:nvPr/>
+        </p:nvSpPr>
+        <p:spPr>
+          <a:xfrm>
+            <a:off x="2423529" y="5182988"/>
+            <a:ext cx="1854200" cy="484632"/>
+          </a:xfrm>
+          <a:prstGeom prst="chevron">
+            <a:avLst/>
+          </a:prstGeom>
+          <a:solidFill>
+            <a:schemeClr val="bg2">
+              <a:alpha val="85000"/>
+            </a:schemeClr>
+          </a:solidFill>
+          <a:ln>
+            <a:gradFill>
+              <a:gsLst>
+                <a:gs pos="0">
+                  <a:schemeClr val="accent1">
+                    <a:lumMod val="5000"/>
+                    <a:lumOff val="95000"/>
+                  </a:schemeClr>
+                </a:gs>
+                <a:gs pos="74000">
+                  <a:schemeClr val="accent1">
+                    <a:lumMod val="45000"/>
+                    <a:lumOff val="55000"/>
+                  </a:schemeClr>
+                </a:gs>
+                <a:gs pos="83000">
+                  <a:schemeClr val="accent1">
+                    <a:lumMod val="45000"/>
+                    <a:lumOff val="55000"/>
+                  </a:schemeClr>
+                </a:gs>
+                <a:gs pos="100000">
+                  <a:schemeClr val="accent1">
+                    <a:lumMod val="30000"/>
+                    <a:lumOff val="70000"/>
+                  </a:schemeClr>
+                </a:gs>
+              </a:gsLst>
+              <a:lin ang="5400000" scaled="1"/>
+            </a:gradFill>
+          </a:ln>
+          <a:effectLst>
+            <a:outerShdw blurRad="63500" sx="102000" sy="102000" algn="ctr" rotWithShape="0">
+              <a:prstClr val="black">
+                <a:alpha val="40000"/>
+              </a:prstClr>
+            </a:outerShdw>
+          </a:effectLst>
+        </p:spPr>
+        <p:style>
+          <a:lnRef idx="2">
+            <a:schemeClr val="accent1">
+              <a:shade val="50000"/>
+            </a:schemeClr>
+          </a:lnRef>
+          <a:fillRef idx="1">
+            <a:schemeClr val="accent1"/>
+          </a:fillRef>
+          <a:effectRef idx="0">
+            <a:schemeClr val="accent1"/>
+          </a:effectRef>
+          <a:fontRef idx="minor">
+            <a:schemeClr val="lt1"/>
+          </a:fontRef>
+        </p:style>
+        <p:txBody>
+          <a:bodyPr rtlCol="0" anchor="ctr"/>
+          <a:lstStyle/>
+          <a:p>
+            <a:pPr algn="ctr"/>
+            <a:r>
+              <a:rPr lang="en-GB" sz="1200" dirty="0">
+                <a:solidFill>
+                  <a:schemeClr val="tx1">
+                    <a:lumMod val="50000"/>
+                    <a:lumOff val="50000"/>
+                  </a:schemeClr>
+                </a:solidFill>
+              </a:rPr>
+              <a:t>Select disciplines</a:t>
+            </a:r>
+            <a:endParaRPr lang="sv-SE" sz="1200" dirty="0">
+              <a:solidFill>
+                <a:schemeClr val="tx1">
+                  <a:lumMod val="50000"/>
+                  <a:lumOff val="50000"/>
+                </a:schemeClr>
+              </a:solidFill>
+            </a:endParaRPr>
+          </a:p>
+        </p:txBody>
+      </p:sp>
+      <p:pic>
+        <p:nvPicPr>
+          <p:cNvPr id="15" name="Picture 4" descr="The Olympic Torch Relay: What You Need to Know | Olympic torch, Olympic  flame, Torch">
+            <a:extLst>
+              <a:ext uri="{FF2B5EF4-FFF2-40B4-BE49-F238E27FC236}">
+                <a16:creationId xmlns:a16="http://schemas.microsoft.com/office/drawing/2014/main" id="{5E58E758-18AB-46BB-A7B8-0848E817091E}"/>
+              </a:ext>
+            </a:extLst>
+          </p:cNvPr>
+          <p:cNvPicPr>
+            <a:picLocks noChangeAspect="1" noChangeArrowheads="1"/>
+          </p:cNvPicPr>
+          <p:nvPr/>
+        </p:nvPicPr>
+        <p:blipFill>
+          <a:blip r:embed="rId3">
+            <a:extLst>
+              <a:ext uri="{28A0092B-C50C-407E-A947-70E740481C1C}">
+                <a14:useLocalDpi xmlns:a14="http://schemas.microsoft.com/office/drawing/2010/main" val="0"/>
+              </a:ext>
+            </a:extLst>
+          </a:blip>
+          <a:srcRect/>
+          <a:stretch>
+            <a:fillRect/>
+          </a:stretch>
+        </p:blipFill>
+        <p:spPr bwMode="auto">
+          <a:xfrm>
+            <a:off x="11198685" y="119759"/>
+            <a:ext cx="534148" cy="534148"/>
+          </a:xfrm>
+          <a:prstGeom prst="flowChartConnector">
+            <a:avLst/>
+          </a:prstGeom>
+          <a:noFill/>
+          <a:extLst>
+            <a:ext uri="{909E8E84-426E-40DD-AFC4-6F175D3DCCD1}">
+              <a14:hiddenFill xmlns:a14="http://schemas.microsoft.com/office/drawing/2010/main">
+                <a:solidFill>
+                  <a:srgbClr val="FFFFFF"/>
+                </a:solidFill>
+              </a14:hiddenFill>
+            </a:ext>
+          </a:extLst>
+        </p:spPr>
+      </p:pic>
     </p:spTree>
     <p:extLst>
       <p:ext uri="{BB962C8B-B14F-4D97-AF65-F5344CB8AC3E}">
@@ -12357,7 +16791,7 @@
 </p:sld>
 </file>
 
-<file path=ppt/slides/slide5.xml><?xml version="1.0" encoding="utf-8"?>
+<file path=ppt/slides/slide6.xml><?xml version="1.0" encoding="utf-8"?>
 <p:sld xmlns:a="http://schemas.openxmlformats.org/drawingml/2006/main" xmlns:r="http://schemas.openxmlformats.org/officeDocument/2006/relationships" xmlns:p="http://schemas.openxmlformats.org/presentationml/2006/main">
   <p:cSld>
     <p:spTree>
@@ -15702,50 +20136,53 @@
           </a:p>
         </p:txBody>
       </p:sp>
-      <p:sp>
-        <p:nvSpPr>
-          <p:cNvPr id="27" name="TextBox 26">
-            <a:extLst>
-              <a:ext uri="{FF2B5EF4-FFF2-40B4-BE49-F238E27FC236}">
-                <a16:creationId xmlns:a16="http://schemas.microsoft.com/office/drawing/2014/main" id="{7C4EA0AA-3EF6-4976-8D6B-6C27D0364743}"/>
-              </a:ext>
-            </a:extLst>
-          </p:cNvPr>
-          <p:cNvSpPr txBox="1"/>
+      <p:pic>
+        <p:nvPicPr>
+          <p:cNvPr id="28" name="Picture 4" descr="The Olympic Torch Relay: What You Need to Know | Olympic torch, Olympic  flame, Torch">
+            <a:extLst>
+              <a:ext uri="{FF2B5EF4-FFF2-40B4-BE49-F238E27FC236}">
+                <a16:creationId xmlns:a16="http://schemas.microsoft.com/office/drawing/2014/main" id="{3CBA594B-0FA8-4DDB-A8D3-7E660A7E10A7}"/>
+              </a:ext>
+            </a:extLst>
+          </p:cNvPr>
+          <p:cNvPicPr>
+            <a:picLocks noChangeAspect="1" noChangeArrowheads="1"/>
+          </p:cNvPicPr>
           <p:nvPr/>
-        </p:nvSpPr>
-        <p:spPr>
+        </p:nvPicPr>
+        <p:blipFill>
+          <a:blip r:embed="rId4">
+            <a:extLst>
+              <a:ext uri="{28A0092B-C50C-407E-A947-70E740481C1C}">
+                <a14:useLocalDpi xmlns:a14="http://schemas.microsoft.com/office/drawing/2010/main" val="0"/>
+              </a:ext>
+            </a:extLst>
+          </a:blip>
+          <a:srcRect/>
+          <a:stretch>
+            <a:fillRect/>
+          </a:stretch>
+        </p:blipFill>
+        <p:spPr bwMode="auto">
           <a:xfrm>
-            <a:off x="9009646" y="202167"/>
-            <a:ext cx="1729875" cy="369332"/>
+            <a:off x="11198685" y="119759"/>
+            <a:ext cx="534148" cy="534148"/>
           </a:xfrm>
-          <a:prstGeom prst="rect">
+          <a:prstGeom prst="flowChartConnector">
             <a:avLst/>
           </a:prstGeom>
           <a:noFill/>
+          <a:extLst>
+            <a:ext uri="{909E8E84-426E-40DD-AFC4-6F175D3DCCD1}">
+              <a14:hiddenFill xmlns:a14="http://schemas.microsoft.com/office/drawing/2010/main">
+                <a:solidFill>
+                  <a:srgbClr val="FFFFFF"/>
+                </a:solidFill>
+              </a14:hiddenFill>
+            </a:ext>
+          </a:extLst>
         </p:spPr>
-        <p:txBody>
-          <a:bodyPr wrap="square" rtlCol="0">
-            <a:spAutoFit/>
-          </a:bodyPr>
-          <a:lstStyle/>
-          <a:p>
-            <a:r>
-              <a:rPr lang="en-GB" dirty="0">
-                <a:solidFill>
-                  <a:schemeClr val="bg1"/>
-                </a:solidFill>
-              </a:rPr>
-              <a:t>My page</a:t>
-            </a:r>
-            <a:endParaRPr lang="sv-SE" dirty="0">
-              <a:solidFill>
-                <a:schemeClr val="bg1"/>
-              </a:solidFill>
-            </a:endParaRPr>
-          </a:p>
-        </p:txBody>
-      </p:sp>
+      </p:pic>
     </p:spTree>
     <p:extLst>
       <p:ext uri="{BB962C8B-B14F-4D97-AF65-F5344CB8AC3E}">
@@ -15764,7 +20201,7 @@
 </p:sld>
 </file>
 
-<file path=ppt/slides/slide6.xml><?xml version="1.0" encoding="utf-8"?>
+<file path=ppt/slides/slide7.xml><?xml version="1.0" encoding="utf-8"?>
 <p:sld xmlns:a="http://schemas.openxmlformats.org/drawingml/2006/main" xmlns:r="http://schemas.openxmlformats.org/officeDocument/2006/relationships" xmlns:p="http://schemas.openxmlformats.org/presentationml/2006/main">
   <p:cSld>
     <p:spTree>
@@ -17628,50 +22065,6 @@
       </p:grpSp>
       <p:sp>
         <p:nvSpPr>
-          <p:cNvPr id="17" name="TextBox 16">
-            <a:extLst>
-              <a:ext uri="{FF2B5EF4-FFF2-40B4-BE49-F238E27FC236}">
-                <a16:creationId xmlns:a16="http://schemas.microsoft.com/office/drawing/2014/main" id="{2D30A759-BD15-4C92-B84C-A3419983206A}"/>
-              </a:ext>
-            </a:extLst>
-          </p:cNvPr>
-          <p:cNvSpPr txBox="1"/>
-          <p:nvPr/>
-        </p:nvSpPr>
-        <p:spPr>
-          <a:xfrm>
-            <a:off x="9009646" y="202167"/>
-            <a:ext cx="1729875" cy="369332"/>
-          </a:xfrm>
-          <a:prstGeom prst="rect">
-            <a:avLst/>
-          </a:prstGeom>
-          <a:noFill/>
-        </p:spPr>
-        <p:txBody>
-          <a:bodyPr wrap="square" rtlCol="0">
-            <a:spAutoFit/>
-          </a:bodyPr>
-          <a:lstStyle/>
-          <a:p>
-            <a:r>
-              <a:rPr lang="en-GB" dirty="0">
-                <a:solidFill>
-                  <a:schemeClr val="bg1"/>
-                </a:solidFill>
-              </a:rPr>
-              <a:t>My page</a:t>
-            </a:r>
-            <a:endParaRPr lang="sv-SE" dirty="0">
-              <a:solidFill>
-                <a:schemeClr val="bg1"/>
-              </a:solidFill>
-            </a:endParaRPr>
-          </a:p>
-        </p:txBody>
-      </p:sp>
-      <p:sp>
-        <p:nvSpPr>
           <p:cNvPr id="18" name="TextBox 17">
             <a:extLst>
               <a:ext uri="{FF2B5EF4-FFF2-40B4-BE49-F238E27FC236}">
@@ -18151,6 +22544,53 @@
           </a:p>
         </p:txBody>
       </p:sp>
+      <p:pic>
+        <p:nvPicPr>
+          <p:cNvPr id="22" name="Picture 4" descr="The Olympic Torch Relay: What You Need to Know | Olympic torch, Olympic  flame, Torch">
+            <a:extLst>
+              <a:ext uri="{FF2B5EF4-FFF2-40B4-BE49-F238E27FC236}">
+                <a16:creationId xmlns:a16="http://schemas.microsoft.com/office/drawing/2014/main" id="{598486D2-0BBC-4375-B5DE-A277A83C2CDD}"/>
+              </a:ext>
+            </a:extLst>
+          </p:cNvPr>
+          <p:cNvPicPr>
+            <a:picLocks noChangeAspect="1" noChangeArrowheads="1"/>
+          </p:cNvPicPr>
+          <p:nvPr/>
+        </p:nvPicPr>
+        <p:blipFill>
+          <a:blip r:embed="rId4">
+            <a:extLst>
+              <a:ext uri="{28A0092B-C50C-407E-A947-70E740481C1C}">
+                <a14:useLocalDpi xmlns:a14="http://schemas.microsoft.com/office/drawing/2010/main" val="0"/>
+              </a:ext>
+            </a:extLst>
+          </a:blip>
+          <a:srcRect/>
+          <a:stretch>
+            <a:fillRect/>
+          </a:stretch>
+        </p:blipFill>
+        <p:spPr bwMode="auto">
+          <a:xfrm>
+            <a:off x="11198685" y="119759"/>
+            <a:ext cx="534148" cy="534148"/>
+          </a:xfrm>
+          <a:prstGeom prst="flowChartConnector">
+            <a:avLst/>
+          </a:prstGeom>
+          <a:noFill/>
+          <a:extLst>
+            <a:ext uri="{909E8E84-426E-40DD-AFC4-6F175D3DCCD1}">
+              <a14:hiddenFill xmlns:a14="http://schemas.microsoft.com/office/drawing/2010/main">
+                <a:solidFill>
+                  <a:srgbClr val="FFFFFF"/>
+                </a:solidFill>
+              </a14:hiddenFill>
+            </a:ext>
+          </a:extLst>
+        </p:spPr>
+      </p:pic>
     </p:spTree>
     <p:extLst>
       <p:ext uri="{BB962C8B-B14F-4D97-AF65-F5344CB8AC3E}">
@@ -18169,7 +22609,7 @@
 </p:sld>
 </file>
 
-<file path=ppt/slides/slide7.xml><?xml version="1.0" encoding="utf-8"?>
+<file path=ppt/slides/slide8.xml><?xml version="1.0" encoding="utf-8"?>
 <p:sld xmlns:a="http://schemas.openxmlformats.org/drawingml/2006/main" xmlns:r="http://schemas.openxmlformats.org/officeDocument/2006/relationships" xmlns:p="http://schemas.openxmlformats.org/presentationml/2006/main">
   <p:cSld>
     <p:spTree>
@@ -18201,7 +22641,7 @@
           <p:nvPr/>
         </p:nvPicPr>
         <p:blipFill rotWithShape="1">
-          <a:blip r:embed="rId3">
+          <a:blip r:embed="rId2">
             <a:extLst>
               <a:ext uri="{28A0092B-C50C-407E-A947-70E740481C1C}">
                 <a14:useLocalDpi xmlns:a14="http://schemas.microsoft.com/office/drawing/2010/main" val="0"/>
@@ -18386,8 +22826,8 @@
         </p:nvSpPr>
         <p:spPr>
           <a:xfrm>
-            <a:off x="2447925" y="1652003"/>
-            <a:ext cx="4219576" cy="4634498"/>
+            <a:off x="2447924" y="1652003"/>
+            <a:ext cx="7318375" cy="4634498"/>
           </a:xfrm>
           <a:prstGeom prst="rect">
             <a:avLst/>
@@ -18491,107 +22931,9 @@
           <a:p>
             <a:r>
               <a:rPr lang="en-GB" b="1" dirty="0"/>
-              <a:t>Personal Information</a:t>
+              <a:t>My profile</a:t>
             </a:r>
             <a:endParaRPr lang="sv-SE" b="1" dirty="0"/>
-          </a:p>
-        </p:txBody>
-      </p:sp>
-      <p:sp>
-        <p:nvSpPr>
-          <p:cNvPr id="15" name="Rectangle 14">
-            <a:extLst>
-              <a:ext uri="{FF2B5EF4-FFF2-40B4-BE49-F238E27FC236}">
-                <a16:creationId xmlns:a16="http://schemas.microsoft.com/office/drawing/2014/main" id="{659373C6-639B-45E9-8770-0A8B1E3C17CE}"/>
-              </a:ext>
-            </a:extLst>
-          </p:cNvPr>
-          <p:cNvSpPr/>
-          <p:nvPr/>
-        </p:nvSpPr>
-        <p:spPr>
-          <a:xfrm>
-            <a:off x="8803439" y="0"/>
-            <a:ext cx="1919037" cy="802104"/>
-          </a:xfrm>
-          <a:prstGeom prst="rect">
-            <a:avLst/>
-          </a:prstGeom>
-          <a:solidFill>
-            <a:schemeClr val="bg1">
-              <a:alpha val="31000"/>
-            </a:schemeClr>
-          </a:solidFill>
-          <a:ln>
-            <a:noFill/>
-          </a:ln>
-        </p:spPr>
-        <p:style>
-          <a:lnRef idx="2">
-            <a:schemeClr val="accent1">
-              <a:shade val="50000"/>
-            </a:schemeClr>
-          </a:lnRef>
-          <a:fillRef idx="1">
-            <a:schemeClr val="accent1"/>
-          </a:fillRef>
-          <a:effectRef idx="0">
-            <a:schemeClr val="accent1"/>
-          </a:effectRef>
-          <a:fontRef idx="minor">
-            <a:schemeClr val="lt1"/>
-          </a:fontRef>
-        </p:style>
-        <p:txBody>
-          <a:bodyPr rtlCol="0" anchor="ctr"/>
-          <a:lstStyle/>
-          <a:p>
-            <a:pPr algn="ctr"/>
-            <a:endParaRPr lang="sv-SE"/>
-          </a:p>
-        </p:txBody>
-      </p:sp>
-      <p:sp>
-        <p:nvSpPr>
-          <p:cNvPr id="13" name="TextBox 12">
-            <a:extLst>
-              <a:ext uri="{FF2B5EF4-FFF2-40B4-BE49-F238E27FC236}">
-                <a16:creationId xmlns:a16="http://schemas.microsoft.com/office/drawing/2014/main" id="{658E57C1-6F58-4CA5-B2B0-75434256E37C}"/>
-              </a:ext>
-            </a:extLst>
-          </p:cNvPr>
-          <p:cNvSpPr txBox="1"/>
-          <p:nvPr/>
-        </p:nvSpPr>
-        <p:spPr>
-          <a:xfrm>
-            <a:off x="9298402" y="202167"/>
-            <a:ext cx="1729875" cy="369332"/>
-          </a:xfrm>
-          <a:prstGeom prst="rect">
-            <a:avLst/>
-          </a:prstGeom>
-          <a:noFill/>
-        </p:spPr>
-        <p:txBody>
-          <a:bodyPr wrap="square" rtlCol="0">
-            <a:spAutoFit/>
-          </a:bodyPr>
-          <a:lstStyle/>
-          <a:p>
-            <a:r>
-              <a:rPr lang="en-GB" dirty="0">
-                <a:solidFill>
-                  <a:schemeClr val="bg1"/>
-                </a:solidFill>
-              </a:rPr>
-              <a:t>My page</a:t>
-            </a:r>
-            <a:endParaRPr lang="sv-SE" dirty="0">
-              <a:solidFill>
-                <a:schemeClr val="bg1"/>
-              </a:solidFill>
-            </a:endParaRPr>
           </a:p>
         </p:txBody>
       </p:sp>
@@ -18925,1984 +23267,6 @@
             <p:nvPr/>
           </p:nvPicPr>
           <p:blipFill>
-            <a:blip r:embed="rId4">
-              <a:extLst>
-                <a:ext uri="{28A0092B-C50C-407E-A947-70E740481C1C}">
-                  <a14:useLocalDpi xmlns:a14="http://schemas.microsoft.com/office/drawing/2010/main" val="0"/>
-                </a:ext>
-                <a:ext uri="{96DAC541-7B7A-43D3-8B79-37D633B846F1}">
-                  <asvg:svgBlip xmlns:asvg="http://schemas.microsoft.com/office/drawing/2016/SVG/main" r:embed="rId5"/>
-                </a:ext>
-              </a:extLst>
-            </a:blip>
-            <a:stretch>
-              <a:fillRect/>
-            </a:stretch>
-          </p:blipFill>
-          <p:spPr>
-            <a:xfrm>
-              <a:off x="6096000" y="5736764"/>
-              <a:ext cx="245245" cy="245245"/>
-            </a:xfrm>
-            <a:prstGeom prst="rect">
-              <a:avLst/>
-            </a:prstGeom>
-            <a:effectLst>
-              <a:outerShdw blurRad="63500" sx="102000" sy="102000" algn="ctr" rotWithShape="0">
-                <a:prstClr val="black">
-                  <a:alpha val="40000"/>
-                </a:prstClr>
-              </a:outerShdw>
-            </a:effectLst>
-          </p:spPr>
-        </p:pic>
-      </p:grpSp>
-      <p:sp>
-        <p:nvSpPr>
-          <p:cNvPr id="20" name="TextBox 19">
-            <a:extLst>
-              <a:ext uri="{FF2B5EF4-FFF2-40B4-BE49-F238E27FC236}">
-                <a16:creationId xmlns:a16="http://schemas.microsoft.com/office/drawing/2014/main" id="{DA2E26CF-93A8-4336-A92D-BEB854B53234}"/>
-              </a:ext>
-            </a:extLst>
-          </p:cNvPr>
-          <p:cNvSpPr txBox="1"/>
-          <p:nvPr/>
-        </p:nvSpPr>
-        <p:spPr>
-          <a:xfrm>
-            <a:off x="2996785" y="2579817"/>
-            <a:ext cx="933531" cy="276999"/>
-          </a:xfrm>
-          <a:prstGeom prst="rect">
-            <a:avLst/>
-          </a:prstGeom>
-          <a:noFill/>
-        </p:spPr>
-        <p:txBody>
-          <a:bodyPr wrap="square" rtlCol="0">
-            <a:spAutoFit/>
-          </a:bodyPr>
-          <a:lstStyle/>
-          <a:p>
-            <a:pPr algn="r"/>
-            <a:r>
-              <a:rPr lang="en-GB" sz="1200" b="1" dirty="0"/>
-              <a:t>Name:</a:t>
-            </a:r>
-            <a:endParaRPr lang="sv-SE" sz="1200" b="1" dirty="0"/>
-          </a:p>
-        </p:txBody>
-      </p:sp>
-      <p:sp>
-        <p:nvSpPr>
-          <p:cNvPr id="21" name="TextBox 20">
-            <a:extLst>
-              <a:ext uri="{FF2B5EF4-FFF2-40B4-BE49-F238E27FC236}">
-                <a16:creationId xmlns:a16="http://schemas.microsoft.com/office/drawing/2014/main" id="{41D0ADEE-C52B-4776-9B4A-176247F66964}"/>
-              </a:ext>
-            </a:extLst>
-          </p:cNvPr>
-          <p:cNvSpPr txBox="1"/>
-          <p:nvPr/>
-        </p:nvSpPr>
-        <p:spPr>
-          <a:xfrm>
-            <a:off x="2996785" y="2878782"/>
-            <a:ext cx="933531" cy="276999"/>
-          </a:xfrm>
-          <a:prstGeom prst="rect">
-            <a:avLst/>
-          </a:prstGeom>
-          <a:noFill/>
-        </p:spPr>
-        <p:txBody>
-          <a:bodyPr wrap="square" rtlCol="0">
-            <a:spAutoFit/>
-          </a:bodyPr>
-          <a:lstStyle/>
-          <a:p>
-            <a:pPr algn="r"/>
-            <a:r>
-              <a:rPr lang="en-GB" sz="1200" b="1" dirty="0"/>
-              <a:t>E-mail:</a:t>
-            </a:r>
-            <a:endParaRPr lang="sv-SE" sz="1200" b="1" dirty="0"/>
-          </a:p>
-        </p:txBody>
-      </p:sp>
-      <p:pic>
-        <p:nvPicPr>
-          <p:cNvPr id="1028" name="Picture 4" descr="The Olympic Torch Relay: What You Need to Know | Olympic torch, Olympic  flame, Torch">
-            <a:extLst>
-              <a:ext uri="{FF2B5EF4-FFF2-40B4-BE49-F238E27FC236}">
-                <a16:creationId xmlns:a16="http://schemas.microsoft.com/office/drawing/2014/main" id="{9B88C585-9275-416E-BBCF-AEF2DA25BD11}"/>
-              </a:ext>
-            </a:extLst>
-          </p:cNvPr>
-          <p:cNvPicPr>
-            <a:picLocks noChangeAspect="1" noChangeArrowheads="1"/>
-          </p:cNvPicPr>
-          <p:nvPr/>
-        </p:nvPicPr>
-        <p:blipFill>
-          <a:blip r:embed="rId6">
-            <a:extLst>
-              <a:ext uri="{28A0092B-C50C-407E-A947-70E740481C1C}">
-                <a14:useLocalDpi xmlns:a14="http://schemas.microsoft.com/office/drawing/2010/main" val="0"/>
-              </a:ext>
-            </a:extLst>
-          </a:blip>
-          <a:srcRect/>
-          <a:stretch>
-            <a:fillRect/>
-          </a:stretch>
-        </p:blipFill>
-        <p:spPr bwMode="auto">
-          <a:xfrm>
-            <a:off x="3930315" y="3656054"/>
-            <a:ext cx="906434" cy="906434"/>
-          </a:xfrm>
-          <a:prstGeom prst="flowChartConnector">
-            <a:avLst/>
-          </a:prstGeom>
-          <a:noFill/>
-          <a:extLst>
-            <a:ext uri="{909E8E84-426E-40DD-AFC4-6F175D3DCCD1}">
-              <a14:hiddenFill xmlns:a14="http://schemas.microsoft.com/office/drawing/2010/main">
-                <a:solidFill>
-                  <a:srgbClr val="FFFFFF"/>
-                </a:solidFill>
-              </a14:hiddenFill>
-            </a:ext>
-          </a:extLst>
-        </p:spPr>
-      </p:pic>
-      <p:sp>
-        <p:nvSpPr>
-          <p:cNvPr id="28" name="TextBox 27">
-            <a:extLst>
-              <a:ext uri="{FF2B5EF4-FFF2-40B4-BE49-F238E27FC236}">
-                <a16:creationId xmlns:a16="http://schemas.microsoft.com/office/drawing/2014/main" id="{50E65576-8BB0-4FE1-B9F8-10B94D7F0276}"/>
-              </a:ext>
-            </a:extLst>
-          </p:cNvPr>
-          <p:cNvSpPr txBox="1"/>
-          <p:nvPr/>
-        </p:nvSpPr>
-        <p:spPr>
-          <a:xfrm>
-            <a:off x="2955924" y="3519130"/>
-            <a:ext cx="974391" cy="276999"/>
-          </a:xfrm>
-          <a:prstGeom prst="rect">
-            <a:avLst/>
-          </a:prstGeom>
-          <a:noFill/>
-        </p:spPr>
-        <p:txBody>
-          <a:bodyPr wrap="square" rtlCol="0">
-            <a:spAutoFit/>
-          </a:bodyPr>
-          <a:lstStyle/>
-          <a:p>
-            <a:pPr algn="r"/>
-            <a:r>
-              <a:rPr lang="en-GB" sz="1200" b="1" dirty="0"/>
-              <a:t>Avatar:</a:t>
-            </a:r>
-            <a:endParaRPr lang="sv-SE" sz="1200" b="1" dirty="0"/>
-          </a:p>
-        </p:txBody>
-      </p:sp>
-      <p:sp>
-        <p:nvSpPr>
-          <p:cNvPr id="29" name="Rectangle 28">
-            <a:extLst>
-              <a:ext uri="{FF2B5EF4-FFF2-40B4-BE49-F238E27FC236}">
-                <a16:creationId xmlns:a16="http://schemas.microsoft.com/office/drawing/2014/main" id="{74182380-0268-47CF-9665-499172921080}"/>
-              </a:ext>
-            </a:extLst>
-          </p:cNvPr>
-          <p:cNvSpPr/>
-          <p:nvPr/>
-        </p:nvSpPr>
-        <p:spPr>
-          <a:xfrm>
-            <a:off x="6808701" y="1652003"/>
-            <a:ext cx="3049674" cy="4634498"/>
-          </a:xfrm>
-          <a:prstGeom prst="rect">
-            <a:avLst/>
-          </a:prstGeom>
-          <a:solidFill>
-            <a:schemeClr val="bg2">
-              <a:alpha val="85000"/>
-            </a:schemeClr>
-          </a:solidFill>
-          <a:ln>
-            <a:gradFill>
-              <a:gsLst>
-                <a:gs pos="0">
-                  <a:schemeClr val="accent1">
-                    <a:lumMod val="5000"/>
-                    <a:lumOff val="95000"/>
-                  </a:schemeClr>
-                </a:gs>
-                <a:gs pos="74000">
-                  <a:schemeClr val="accent1">
-                    <a:lumMod val="45000"/>
-                    <a:lumOff val="55000"/>
-                  </a:schemeClr>
-                </a:gs>
-                <a:gs pos="83000">
-                  <a:schemeClr val="accent1">
-                    <a:lumMod val="45000"/>
-                    <a:lumOff val="55000"/>
-                  </a:schemeClr>
-                </a:gs>
-                <a:gs pos="100000">
-                  <a:schemeClr val="accent1">
-                    <a:lumMod val="30000"/>
-                    <a:lumOff val="70000"/>
-                  </a:schemeClr>
-                </a:gs>
-              </a:gsLst>
-              <a:lin ang="5400000" scaled="1"/>
-            </a:gradFill>
-          </a:ln>
-          <a:effectLst>
-            <a:outerShdw blurRad="63500" sx="102000" sy="102000" algn="ctr" rotWithShape="0">
-              <a:prstClr val="black">
-                <a:alpha val="40000"/>
-              </a:prstClr>
-            </a:outerShdw>
-          </a:effectLst>
-        </p:spPr>
-        <p:style>
-          <a:lnRef idx="2">
-            <a:schemeClr val="accent1">
-              <a:shade val="50000"/>
-            </a:schemeClr>
-          </a:lnRef>
-          <a:fillRef idx="1">
-            <a:schemeClr val="accent1"/>
-          </a:fillRef>
-          <a:effectRef idx="0">
-            <a:schemeClr val="accent1"/>
-          </a:effectRef>
-          <a:fontRef idx="minor">
-            <a:schemeClr val="lt1"/>
-          </a:fontRef>
-        </p:style>
-        <p:txBody>
-          <a:bodyPr rtlCol="0" anchor="t"/>
-          <a:lstStyle/>
-          <a:p>
-            <a:pPr algn="ctr"/>
-            <a:endParaRPr lang="sv-SE" dirty="0"/>
-          </a:p>
-        </p:txBody>
-      </p:sp>
-      <p:sp>
-        <p:nvSpPr>
-          <p:cNvPr id="30" name="TextBox 29">
-            <a:extLst>
-              <a:ext uri="{FF2B5EF4-FFF2-40B4-BE49-F238E27FC236}">
-                <a16:creationId xmlns:a16="http://schemas.microsoft.com/office/drawing/2014/main" id="{35A777DE-5ADF-4F94-8B63-5E2458646E09}"/>
-              </a:ext>
-            </a:extLst>
-          </p:cNvPr>
-          <p:cNvSpPr txBox="1"/>
-          <p:nvPr/>
-        </p:nvSpPr>
-        <p:spPr>
-          <a:xfrm>
-            <a:off x="7129375" y="2069450"/>
-            <a:ext cx="2357525" cy="369332"/>
-          </a:xfrm>
-          <a:prstGeom prst="rect">
-            <a:avLst/>
-          </a:prstGeom>
-          <a:noFill/>
-        </p:spPr>
-        <p:txBody>
-          <a:bodyPr wrap="square" rtlCol="0">
-            <a:spAutoFit/>
-          </a:bodyPr>
-          <a:lstStyle/>
-          <a:p>
-            <a:r>
-              <a:rPr lang="en-GB" b="1" dirty="0"/>
-              <a:t>Saved schedules</a:t>
-            </a:r>
-            <a:endParaRPr lang="sv-SE" b="1" dirty="0"/>
-          </a:p>
-        </p:txBody>
-      </p:sp>
-      <p:sp>
-        <p:nvSpPr>
-          <p:cNvPr id="34" name="Rectangle 33">
-            <a:extLst>
-              <a:ext uri="{FF2B5EF4-FFF2-40B4-BE49-F238E27FC236}">
-                <a16:creationId xmlns:a16="http://schemas.microsoft.com/office/drawing/2014/main" id="{E8020E7A-F5E3-4502-9506-6490E562C4F3}"/>
-              </a:ext>
-            </a:extLst>
-          </p:cNvPr>
-          <p:cNvSpPr/>
-          <p:nvPr/>
-        </p:nvSpPr>
-        <p:spPr>
-          <a:xfrm>
-            <a:off x="8045709" y="2657281"/>
-            <a:ext cx="720000" cy="720000"/>
-          </a:xfrm>
-          <a:prstGeom prst="rect">
-            <a:avLst/>
-          </a:prstGeom>
-          <a:solidFill>
-            <a:schemeClr val="bg2">
-              <a:alpha val="85000"/>
-            </a:schemeClr>
-          </a:solidFill>
-          <a:ln>
-            <a:gradFill>
-              <a:gsLst>
-                <a:gs pos="0">
-                  <a:schemeClr val="accent1">
-                    <a:lumMod val="5000"/>
-                    <a:lumOff val="95000"/>
-                  </a:schemeClr>
-                </a:gs>
-                <a:gs pos="74000">
-                  <a:schemeClr val="accent1">
-                    <a:lumMod val="45000"/>
-                    <a:lumOff val="55000"/>
-                  </a:schemeClr>
-                </a:gs>
-                <a:gs pos="83000">
-                  <a:schemeClr val="accent1">
-                    <a:lumMod val="45000"/>
-                    <a:lumOff val="55000"/>
-                  </a:schemeClr>
-                </a:gs>
-                <a:gs pos="100000">
-                  <a:schemeClr val="accent1">
-                    <a:lumMod val="30000"/>
-                    <a:lumOff val="70000"/>
-                  </a:schemeClr>
-                </a:gs>
-              </a:gsLst>
-              <a:lin ang="5400000" scaled="1"/>
-            </a:gradFill>
-          </a:ln>
-          <a:effectLst>
-            <a:outerShdw blurRad="63500" sx="102000" sy="102000" algn="ctr" rotWithShape="0">
-              <a:prstClr val="black">
-                <a:alpha val="40000"/>
-              </a:prstClr>
-            </a:outerShdw>
-          </a:effectLst>
-        </p:spPr>
-        <p:style>
-          <a:lnRef idx="2">
-            <a:schemeClr val="accent1">
-              <a:shade val="50000"/>
-            </a:schemeClr>
-          </a:lnRef>
-          <a:fillRef idx="1">
-            <a:schemeClr val="accent1"/>
-          </a:fillRef>
-          <a:effectRef idx="0">
-            <a:schemeClr val="accent1"/>
-          </a:effectRef>
-          <a:fontRef idx="minor">
-            <a:schemeClr val="lt1"/>
-          </a:fontRef>
-        </p:style>
-        <p:txBody>
-          <a:bodyPr lIns="36000" rIns="36000" rtlCol="0" anchor="ctr"/>
-          <a:lstStyle/>
-          <a:p>
-            <a:pPr algn="ctr"/>
-            <a:r>
-              <a:rPr lang="en-GB" sz="1200" dirty="0">
-                <a:solidFill>
-                  <a:schemeClr val="tx1"/>
-                </a:solidFill>
-              </a:rPr>
-              <a:t>My second schedule</a:t>
-            </a:r>
-            <a:endParaRPr lang="sv-SE" sz="1200" dirty="0">
-              <a:solidFill>
-                <a:schemeClr val="tx1"/>
-              </a:solidFill>
-            </a:endParaRPr>
-          </a:p>
-        </p:txBody>
-      </p:sp>
-      <p:sp>
-        <p:nvSpPr>
-          <p:cNvPr id="37" name="Rectangle 36">
-            <a:extLst>
-              <a:ext uri="{FF2B5EF4-FFF2-40B4-BE49-F238E27FC236}">
-                <a16:creationId xmlns:a16="http://schemas.microsoft.com/office/drawing/2014/main" id="{4229B0D8-A74D-4C56-9A99-91FAEB25DC63}"/>
-              </a:ext>
-            </a:extLst>
-          </p:cNvPr>
-          <p:cNvSpPr/>
-          <p:nvPr/>
-        </p:nvSpPr>
-        <p:spPr>
-          <a:xfrm>
-            <a:off x="9462999" y="2069449"/>
-            <a:ext cx="2235358" cy="1359551"/>
-          </a:xfrm>
-          <a:prstGeom prst="rect">
-            <a:avLst/>
-          </a:prstGeom>
-          <a:solidFill>
-            <a:schemeClr val="bg2">
-              <a:alpha val="85000"/>
-            </a:schemeClr>
-          </a:solidFill>
-          <a:ln>
-            <a:gradFill>
-              <a:gsLst>
-                <a:gs pos="0">
-                  <a:schemeClr val="accent1">
-                    <a:lumMod val="5000"/>
-                    <a:lumOff val="95000"/>
-                  </a:schemeClr>
-                </a:gs>
-                <a:gs pos="74000">
-                  <a:schemeClr val="accent1">
-                    <a:lumMod val="45000"/>
-                    <a:lumOff val="55000"/>
-                  </a:schemeClr>
-                </a:gs>
-                <a:gs pos="83000">
-                  <a:schemeClr val="accent1">
-                    <a:lumMod val="45000"/>
-                    <a:lumOff val="55000"/>
-                  </a:schemeClr>
-                </a:gs>
-                <a:gs pos="100000">
-                  <a:schemeClr val="accent1">
-                    <a:lumMod val="30000"/>
-                    <a:lumOff val="70000"/>
-                  </a:schemeClr>
-                </a:gs>
-              </a:gsLst>
-              <a:lin ang="5400000" scaled="1"/>
-            </a:gradFill>
-          </a:ln>
-          <a:effectLst>
-            <a:outerShdw blurRad="63500" sx="102000" sy="102000" algn="ctr" rotWithShape="0">
-              <a:prstClr val="black">
-                <a:alpha val="40000"/>
-              </a:prstClr>
-            </a:outerShdw>
-          </a:effectLst>
-        </p:spPr>
-        <p:style>
-          <a:lnRef idx="2">
-            <a:schemeClr val="accent1">
-              <a:shade val="50000"/>
-            </a:schemeClr>
-          </a:lnRef>
-          <a:fillRef idx="1">
-            <a:schemeClr val="accent1"/>
-          </a:fillRef>
-          <a:effectRef idx="0">
-            <a:schemeClr val="accent1"/>
-          </a:effectRef>
-          <a:fontRef idx="minor">
-            <a:schemeClr val="lt1"/>
-          </a:fontRef>
-        </p:style>
-        <p:txBody>
-          <a:bodyPr rtlCol="0" anchor="t"/>
-          <a:lstStyle/>
-          <a:p>
-            <a:pPr algn="ctr"/>
-            <a:endParaRPr lang="sv-SE" dirty="0"/>
-          </a:p>
-        </p:txBody>
-      </p:sp>
-      <p:sp>
-        <p:nvSpPr>
-          <p:cNvPr id="38" name="TextBox 37">
-            <a:extLst>
-              <a:ext uri="{FF2B5EF4-FFF2-40B4-BE49-F238E27FC236}">
-                <a16:creationId xmlns:a16="http://schemas.microsoft.com/office/drawing/2014/main" id="{3023AF48-7F25-44B3-A7FC-0C9F44F31DC2}"/>
-              </a:ext>
-            </a:extLst>
-          </p:cNvPr>
-          <p:cNvSpPr txBox="1"/>
-          <p:nvPr/>
-        </p:nvSpPr>
-        <p:spPr>
-          <a:xfrm>
-            <a:off x="9539887" y="2256651"/>
-            <a:ext cx="2064232" cy="461665"/>
-          </a:xfrm>
-          <a:prstGeom prst="rect">
-            <a:avLst/>
-          </a:prstGeom>
-          <a:noFill/>
-        </p:spPr>
-        <p:txBody>
-          <a:bodyPr wrap="square" rtlCol="0">
-            <a:spAutoFit/>
-          </a:bodyPr>
-          <a:lstStyle/>
-          <a:p>
-            <a:r>
-              <a:rPr lang="en-GB" sz="1200" dirty="0"/>
-              <a:t>What do you want to do with My second schedule?</a:t>
-            </a:r>
-            <a:endParaRPr lang="sv-SE" sz="1200" dirty="0"/>
-          </a:p>
-        </p:txBody>
-      </p:sp>
-      <p:sp>
-        <p:nvSpPr>
-          <p:cNvPr id="40" name="TextBox 39">
-            <a:extLst>
-              <a:ext uri="{FF2B5EF4-FFF2-40B4-BE49-F238E27FC236}">
-                <a16:creationId xmlns:a16="http://schemas.microsoft.com/office/drawing/2014/main" id="{19DCCA4C-9621-43DF-87DE-C219EC92C0CB}"/>
-              </a:ext>
-            </a:extLst>
-          </p:cNvPr>
-          <p:cNvSpPr txBox="1"/>
-          <p:nvPr/>
-        </p:nvSpPr>
-        <p:spPr>
-          <a:xfrm>
-            <a:off x="9604559" y="2990954"/>
-            <a:ext cx="580005" cy="228955"/>
-          </a:xfrm>
-          <a:prstGeom prst="rect">
-            <a:avLst/>
-          </a:prstGeom>
-          <a:solidFill>
-            <a:schemeClr val="bg2">
-              <a:alpha val="85000"/>
-            </a:schemeClr>
-          </a:solidFill>
-          <a:ln>
-            <a:gradFill>
-              <a:gsLst>
-                <a:gs pos="0">
-                  <a:schemeClr val="accent1">
-                    <a:lumMod val="5000"/>
-                    <a:lumOff val="95000"/>
-                  </a:schemeClr>
-                </a:gs>
-                <a:gs pos="74000">
-                  <a:schemeClr val="accent1">
-                    <a:lumMod val="45000"/>
-                    <a:lumOff val="55000"/>
-                  </a:schemeClr>
-                </a:gs>
-                <a:gs pos="83000">
-                  <a:schemeClr val="accent1">
-                    <a:lumMod val="45000"/>
-                    <a:lumOff val="55000"/>
-                  </a:schemeClr>
-                </a:gs>
-                <a:gs pos="100000">
-                  <a:schemeClr val="accent1">
-                    <a:lumMod val="30000"/>
-                    <a:lumOff val="70000"/>
-                  </a:schemeClr>
-                </a:gs>
-              </a:gsLst>
-              <a:lin ang="5400000" scaled="1"/>
-            </a:gradFill>
-          </a:ln>
-          <a:effectLst>
-            <a:outerShdw blurRad="63500" sx="102000" sy="102000" algn="ctr" rotWithShape="0">
-              <a:prstClr val="black">
-                <a:alpha val="40000"/>
-              </a:prstClr>
-            </a:outerShdw>
-          </a:effectLst>
-        </p:spPr>
-        <p:style>
-          <a:lnRef idx="2">
-            <a:schemeClr val="accent1">
-              <a:shade val="50000"/>
-            </a:schemeClr>
-          </a:lnRef>
-          <a:fillRef idx="1">
-            <a:schemeClr val="accent1"/>
-          </a:fillRef>
-          <a:effectRef idx="0">
-            <a:schemeClr val="accent1"/>
-          </a:effectRef>
-          <a:fontRef idx="minor">
-            <a:schemeClr val="lt1"/>
-          </a:fontRef>
-        </p:style>
-        <p:txBody>
-          <a:bodyPr lIns="36000" rIns="36000" rtlCol="0" anchor="ctr"/>
-          <a:lstStyle>
-            <a:defPPr>
-              <a:defRPr lang="sv-SE"/>
-            </a:defPPr>
-            <a:lvl1pPr algn="ctr">
-              <a:defRPr sz="1200" b="1"/>
-            </a:lvl1pPr>
-            <a:lvl2pPr>
-              <a:defRPr>
-                <a:solidFill>
-                  <a:schemeClr val="lt1"/>
-                </a:solidFill>
-              </a:defRPr>
-            </a:lvl2pPr>
-            <a:lvl3pPr>
-              <a:defRPr>
-                <a:solidFill>
-                  <a:schemeClr val="lt1"/>
-                </a:solidFill>
-              </a:defRPr>
-            </a:lvl3pPr>
-            <a:lvl4pPr>
-              <a:defRPr>
-                <a:solidFill>
-                  <a:schemeClr val="lt1"/>
-                </a:solidFill>
-              </a:defRPr>
-            </a:lvl4pPr>
-            <a:lvl5pPr>
-              <a:defRPr>
-                <a:solidFill>
-                  <a:schemeClr val="lt1"/>
-                </a:solidFill>
-              </a:defRPr>
-            </a:lvl5pPr>
-            <a:lvl6pPr>
-              <a:defRPr>
-                <a:solidFill>
-                  <a:schemeClr val="lt1"/>
-                </a:solidFill>
-              </a:defRPr>
-            </a:lvl6pPr>
-            <a:lvl7pPr>
-              <a:defRPr>
-                <a:solidFill>
-                  <a:schemeClr val="lt1"/>
-                </a:solidFill>
-              </a:defRPr>
-            </a:lvl7pPr>
-            <a:lvl8pPr>
-              <a:defRPr>
-                <a:solidFill>
-                  <a:schemeClr val="lt1"/>
-                </a:solidFill>
-              </a:defRPr>
-            </a:lvl8pPr>
-            <a:lvl9pPr>
-              <a:defRPr>
-                <a:solidFill>
-                  <a:schemeClr val="lt1"/>
-                </a:solidFill>
-              </a:defRPr>
-            </a:lvl9pPr>
-          </a:lstStyle>
-          <a:p>
-            <a:r>
-              <a:rPr lang="en-GB" b="0" dirty="0">
-                <a:solidFill>
-                  <a:schemeClr val="tx1"/>
-                </a:solidFill>
-              </a:rPr>
-              <a:t>Show</a:t>
-            </a:r>
-            <a:endParaRPr lang="sv-SE" b="0" dirty="0">
-              <a:solidFill>
-                <a:schemeClr val="tx1"/>
-              </a:solidFill>
-            </a:endParaRPr>
-          </a:p>
-        </p:txBody>
-      </p:sp>
-      <p:sp>
-        <p:nvSpPr>
-          <p:cNvPr id="48" name="TextBox 47">
-            <a:extLst>
-              <a:ext uri="{FF2B5EF4-FFF2-40B4-BE49-F238E27FC236}">
-                <a16:creationId xmlns:a16="http://schemas.microsoft.com/office/drawing/2014/main" id="{43DB58D7-05A3-4EB2-BB5C-5E6D4E3069B4}"/>
-              </a:ext>
-            </a:extLst>
-          </p:cNvPr>
-          <p:cNvSpPr txBox="1"/>
-          <p:nvPr/>
-        </p:nvSpPr>
-        <p:spPr>
-          <a:xfrm>
-            <a:off x="10298556" y="2990954"/>
-            <a:ext cx="580005" cy="228955"/>
-          </a:xfrm>
-          <a:prstGeom prst="rect">
-            <a:avLst/>
-          </a:prstGeom>
-          <a:solidFill>
-            <a:schemeClr val="bg2">
-              <a:alpha val="85000"/>
-            </a:schemeClr>
-          </a:solidFill>
-          <a:ln>
-            <a:gradFill>
-              <a:gsLst>
-                <a:gs pos="0">
-                  <a:schemeClr val="accent1">
-                    <a:lumMod val="5000"/>
-                    <a:lumOff val="95000"/>
-                  </a:schemeClr>
-                </a:gs>
-                <a:gs pos="74000">
-                  <a:schemeClr val="accent1">
-                    <a:lumMod val="45000"/>
-                    <a:lumOff val="55000"/>
-                  </a:schemeClr>
-                </a:gs>
-                <a:gs pos="83000">
-                  <a:schemeClr val="accent1">
-                    <a:lumMod val="45000"/>
-                    <a:lumOff val="55000"/>
-                  </a:schemeClr>
-                </a:gs>
-                <a:gs pos="100000">
-                  <a:schemeClr val="accent1">
-                    <a:lumMod val="30000"/>
-                    <a:lumOff val="70000"/>
-                  </a:schemeClr>
-                </a:gs>
-              </a:gsLst>
-              <a:lin ang="5400000" scaled="1"/>
-            </a:gradFill>
-          </a:ln>
-          <a:effectLst>
-            <a:outerShdw blurRad="63500" sx="102000" sy="102000" algn="ctr" rotWithShape="0">
-              <a:prstClr val="black">
-                <a:alpha val="40000"/>
-              </a:prstClr>
-            </a:outerShdw>
-          </a:effectLst>
-        </p:spPr>
-        <p:style>
-          <a:lnRef idx="2">
-            <a:schemeClr val="accent1">
-              <a:shade val="50000"/>
-            </a:schemeClr>
-          </a:lnRef>
-          <a:fillRef idx="1">
-            <a:schemeClr val="accent1"/>
-          </a:fillRef>
-          <a:effectRef idx="0">
-            <a:schemeClr val="accent1"/>
-          </a:effectRef>
-          <a:fontRef idx="minor">
-            <a:schemeClr val="lt1"/>
-          </a:fontRef>
-        </p:style>
-        <p:txBody>
-          <a:bodyPr lIns="36000" rIns="36000" rtlCol="0" anchor="ctr"/>
-          <a:lstStyle>
-            <a:defPPr>
-              <a:defRPr lang="sv-SE"/>
-            </a:defPPr>
-            <a:lvl1pPr algn="ctr">
-              <a:defRPr sz="1200" b="1"/>
-            </a:lvl1pPr>
-            <a:lvl2pPr>
-              <a:defRPr>
-                <a:solidFill>
-                  <a:schemeClr val="lt1"/>
-                </a:solidFill>
-              </a:defRPr>
-            </a:lvl2pPr>
-            <a:lvl3pPr>
-              <a:defRPr>
-                <a:solidFill>
-                  <a:schemeClr val="lt1"/>
-                </a:solidFill>
-              </a:defRPr>
-            </a:lvl3pPr>
-            <a:lvl4pPr>
-              <a:defRPr>
-                <a:solidFill>
-                  <a:schemeClr val="lt1"/>
-                </a:solidFill>
-              </a:defRPr>
-            </a:lvl4pPr>
-            <a:lvl5pPr>
-              <a:defRPr>
-                <a:solidFill>
-                  <a:schemeClr val="lt1"/>
-                </a:solidFill>
-              </a:defRPr>
-            </a:lvl5pPr>
-            <a:lvl6pPr>
-              <a:defRPr>
-                <a:solidFill>
-                  <a:schemeClr val="lt1"/>
-                </a:solidFill>
-              </a:defRPr>
-            </a:lvl6pPr>
-            <a:lvl7pPr>
-              <a:defRPr>
-                <a:solidFill>
-                  <a:schemeClr val="lt1"/>
-                </a:solidFill>
-              </a:defRPr>
-            </a:lvl7pPr>
-            <a:lvl8pPr>
-              <a:defRPr>
-                <a:solidFill>
-                  <a:schemeClr val="lt1"/>
-                </a:solidFill>
-              </a:defRPr>
-            </a:lvl8pPr>
-            <a:lvl9pPr>
-              <a:defRPr>
-                <a:solidFill>
-                  <a:schemeClr val="lt1"/>
-                </a:solidFill>
-              </a:defRPr>
-            </a:lvl9pPr>
-          </a:lstStyle>
-          <a:p>
-            <a:r>
-              <a:rPr lang="en-GB" b="0" dirty="0">
-                <a:solidFill>
-                  <a:schemeClr val="tx1"/>
-                </a:solidFill>
-              </a:rPr>
-              <a:t>Edit</a:t>
-            </a:r>
-            <a:endParaRPr lang="sv-SE" b="0" dirty="0">
-              <a:solidFill>
-                <a:schemeClr val="tx1"/>
-              </a:solidFill>
-            </a:endParaRPr>
-          </a:p>
-        </p:txBody>
-      </p:sp>
-      <p:sp>
-        <p:nvSpPr>
-          <p:cNvPr id="49" name="TextBox 48">
-            <a:extLst>
-              <a:ext uri="{FF2B5EF4-FFF2-40B4-BE49-F238E27FC236}">
-                <a16:creationId xmlns:a16="http://schemas.microsoft.com/office/drawing/2014/main" id="{E141A7E0-0CD3-495F-8206-725CF50F8F1E}"/>
-              </a:ext>
-            </a:extLst>
-          </p:cNvPr>
-          <p:cNvSpPr txBox="1"/>
-          <p:nvPr/>
-        </p:nvSpPr>
-        <p:spPr>
-          <a:xfrm>
-            <a:off x="10992553" y="2990954"/>
-            <a:ext cx="580005" cy="228955"/>
-          </a:xfrm>
-          <a:prstGeom prst="rect">
-            <a:avLst/>
-          </a:prstGeom>
-          <a:solidFill>
-            <a:schemeClr val="bg2">
-              <a:alpha val="85000"/>
-            </a:schemeClr>
-          </a:solidFill>
-          <a:ln>
-            <a:gradFill>
-              <a:gsLst>
-                <a:gs pos="0">
-                  <a:schemeClr val="accent1">
-                    <a:lumMod val="5000"/>
-                    <a:lumOff val="95000"/>
-                  </a:schemeClr>
-                </a:gs>
-                <a:gs pos="74000">
-                  <a:schemeClr val="accent1">
-                    <a:lumMod val="45000"/>
-                    <a:lumOff val="55000"/>
-                  </a:schemeClr>
-                </a:gs>
-                <a:gs pos="83000">
-                  <a:schemeClr val="accent1">
-                    <a:lumMod val="45000"/>
-                    <a:lumOff val="55000"/>
-                  </a:schemeClr>
-                </a:gs>
-                <a:gs pos="100000">
-                  <a:schemeClr val="accent1">
-                    <a:lumMod val="30000"/>
-                    <a:lumOff val="70000"/>
-                  </a:schemeClr>
-                </a:gs>
-              </a:gsLst>
-              <a:lin ang="5400000" scaled="1"/>
-            </a:gradFill>
-          </a:ln>
-          <a:effectLst>
-            <a:outerShdw blurRad="63500" sx="102000" sy="102000" algn="ctr" rotWithShape="0">
-              <a:prstClr val="black">
-                <a:alpha val="40000"/>
-              </a:prstClr>
-            </a:outerShdw>
-          </a:effectLst>
-        </p:spPr>
-        <p:style>
-          <a:lnRef idx="2">
-            <a:schemeClr val="accent1">
-              <a:shade val="50000"/>
-            </a:schemeClr>
-          </a:lnRef>
-          <a:fillRef idx="1">
-            <a:schemeClr val="accent1"/>
-          </a:fillRef>
-          <a:effectRef idx="0">
-            <a:schemeClr val="accent1"/>
-          </a:effectRef>
-          <a:fontRef idx="minor">
-            <a:schemeClr val="lt1"/>
-          </a:fontRef>
-        </p:style>
-        <p:txBody>
-          <a:bodyPr lIns="36000" rIns="36000" rtlCol="0" anchor="ctr"/>
-          <a:lstStyle>
-            <a:defPPr>
-              <a:defRPr lang="sv-SE"/>
-            </a:defPPr>
-            <a:lvl1pPr algn="ctr">
-              <a:defRPr sz="1200" b="1"/>
-            </a:lvl1pPr>
-            <a:lvl2pPr>
-              <a:defRPr>
-                <a:solidFill>
-                  <a:schemeClr val="lt1"/>
-                </a:solidFill>
-              </a:defRPr>
-            </a:lvl2pPr>
-            <a:lvl3pPr>
-              <a:defRPr>
-                <a:solidFill>
-                  <a:schemeClr val="lt1"/>
-                </a:solidFill>
-              </a:defRPr>
-            </a:lvl3pPr>
-            <a:lvl4pPr>
-              <a:defRPr>
-                <a:solidFill>
-                  <a:schemeClr val="lt1"/>
-                </a:solidFill>
-              </a:defRPr>
-            </a:lvl4pPr>
-            <a:lvl5pPr>
-              <a:defRPr>
-                <a:solidFill>
-                  <a:schemeClr val="lt1"/>
-                </a:solidFill>
-              </a:defRPr>
-            </a:lvl5pPr>
-            <a:lvl6pPr>
-              <a:defRPr>
-                <a:solidFill>
-                  <a:schemeClr val="lt1"/>
-                </a:solidFill>
-              </a:defRPr>
-            </a:lvl6pPr>
-            <a:lvl7pPr>
-              <a:defRPr>
-                <a:solidFill>
-                  <a:schemeClr val="lt1"/>
-                </a:solidFill>
-              </a:defRPr>
-            </a:lvl7pPr>
-            <a:lvl8pPr>
-              <a:defRPr>
-                <a:solidFill>
-                  <a:schemeClr val="lt1"/>
-                </a:solidFill>
-              </a:defRPr>
-            </a:lvl8pPr>
-            <a:lvl9pPr>
-              <a:defRPr>
-                <a:solidFill>
-                  <a:schemeClr val="lt1"/>
-                </a:solidFill>
-              </a:defRPr>
-            </a:lvl9pPr>
-          </a:lstStyle>
-          <a:p>
-            <a:r>
-              <a:rPr lang="en-GB" b="0" dirty="0">
-                <a:solidFill>
-                  <a:schemeClr val="tx1"/>
-                </a:solidFill>
-              </a:rPr>
-              <a:t>Delete</a:t>
-            </a:r>
-            <a:endParaRPr lang="sv-SE" b="0" dirty="0">
-              <a:solidFill>
-                <a:schemeClr val="tx1"/>
-              </a:solidFill>
-            </a:endParaRPr>
-          </a:p>
-        </p:txBody>
-      </p:sp>
-      <p:cxnSp>
-        <p:nvCxnSpPr>
-          <p:cNvPr id="14" name="Straight Arrow Connector 13">
-            <a:extLst>
-              <a:ext uri="{FF2B5EF4-FFF2-40B4-BE49-F238E27FC236}">
-                <a16:creationId xmlns:a16="http://schemas.microsoft.com/office/drawing/2014/main" id="{E6F2F89D-C6DD-40DD-A359-7BFA854BE699}"/>
-              </a:ext>
-            </a:extLst>
-          </p:cNvPr>
-          <p:cNvCxnSpPr>
-            <a:cxnSpLocks/>
-            <a:endCxn id="37" idx="1"/>
-          </p:cNvCxnSpPr>
-          <p:nvPr/>
-        </p:nvCxnSpPr>
-        <p:spPr>
-          <a:xfrm flipV="1">
-            <a:off x="8648683" y="2749225"/>
-            <a:ext cx="814316" cy="310444"/>
-          </a:xfrm>
-          <a:prstGeom prst="straightConnector1">
-            <a:avLst/>
-          </a:prstGeom>
-          <a:ln>
-            <a:tailEnd type="triangle"/>
-          </a:ln>
-        </p:spPr>
-        <p:style>
-          <a:lnRef idx="1">
-            <a:schemeClr val="accent1"/>
-          </a:lnRef>
-          <a:fillRef idx="0">
-            <a:schemeClr val="accent1"/>
-          </a:fillRef>
-          <a:effectRef idx="0">
-            <a:schemeClr val="accent1"/>
-          </a:effectRef>
-          <a:fontRef idx="minor">
-            <a:schemeClr val="tx1"/>
-          </a:fontRef>
-        </p:style>
-      </p:cxnSp>
-      <p:sp>
-        <p:nvSpPr>
-          <p:cNvPr id="50" name="TextBox 49">
-            <a:extLst>
-              <a:ext uri="{FF2B5EF4-FFF2-40B4-BE49-F238E27FC236}">
-                <a16:creationId xmlns:a16="http://schemas.microsoft.com/office/drawing/2014/main" id="{B5872C41-8602-48CD-AA43-E88D798CBFF9}"/>
-              </a:ext>
-            </a:extLst>
-          </p:cNvPr>
-          <p:cNvSpPr txBox="1"/>
-          <p:nvPr/>
-        </p:nvSpPr>
-        <p:spPr>
-          <a:xfrm rot="20493702">
-            <a:off x="8712214" y="2783707"/>
-            <a:ext cx="520281" cy="184666"/>
-          </a:xfrm>
-          <a:prstGeom prst="rect">
-            <a:avLst/>
-          </a:prstGeom>
-          <a:noFill/>
-        </p:spPr>
-        <p:txBody>
-          <a:bodyPr wrap="square" rtlCol="0">
-            <a:spAutoFit/>
-          </a:bodyPr>
-          <a:lstStyle/>
-          <a:p>
-            <a:r>
-              <a:rPr lang="en-GB" sz="600" dirty="0"/>
-              <a:t>on click</a:t>
-            </a:r>
-            <a:endParaRPr lang="sv-SE" sz="600" dirty="0"/>
-          </a:p>
-        </p:txBody>
-      </p:sp>
-      <p:sp>
-        <p:nvSpPr>
-          <p:cNvPr id="54" name="Rectangle 53">
-            <a:extLst>
-              <a:ext uri="{FF2B5EF4-FFF2-40B4-BE49-F238E27FC236}">
-                <a16:creationId xmlns:a16="http://schemas.microsoft.com/office/drawing/2014/main" id="{8EC76E98-8962-4263-ABE7-DF9C3CC4C445}"/>
-              </a:ext>
-            </a:extLst>
-          </p:cNvPr>
-          <p:cNvSpPr/>
-          <p:nvPr/>
-        </p:nvSpPr>
-        <p:spPr>
-          <a:xfrm>
-            <a:off x="7202186" y="2657281"/>
-            <a:ext cx="720000" cy="720000"/>
-          </a:xfrm>
-          <a:prstGeom prst="rect">
-            <a:avLst/>
-          </a:prstGeom>
-          <a:solidFill>
-            <a:schemeClr val="bg2">
-              <a:alpha val="85000"/>
-            </a:schemeClr>
-          </a:solidFill>
-          <a:ln>
-            <a:gradFill>
-              <a:gsLst>
-                <a:gs pos="0">
-                  <a:schemeClr val="accent1">
-                    <a:lumMod val="5000"/>
-                    <a:lumOff val="95000"/>
-                  </a:schemeClr>
-                </a:gs>
-                <a:gs pos="74000">
-                  <a:schemeClr val="accent1">
-                    <a:lumMod val="45000"/>
-                    <a:lumOff val="55000"/>
-                  </a:schemeClr>
-                </a:gs>
-                <a:gs pos="83000">
-                  <a:schemeClr val="accent1">
-                    <a:lumMod val="45000"/>
-                    <a:lumOff val="55000"/>
-                  </a:schemeClr>
-                </a:gs>
-                <a:gs pos="100000">
-                  <a:schemeClr val="accent1">
-                    <a:lumMod val="30000"/>
-                    <a:lumOff val="70000"/>
-                  </a:schemeClr>
-                </a:gs>
-              </a:gsLst>
-              <a:lin ang="5400000" scaled="1"/>
-            </a:gradFill>
-          </a:ln>
-          <a:effectLst>
-            <a:outerShdw blurRad="63500" sx="102000" sy="102000" algn="ctr" rotWithShape="0">
-              <a:prstClr val="black">
-                <a:alpha val="40000"/>
-              </a:prstClr>
-            </a:outerShdw>
-          </a:effectLst>
-        </p:spPr>
-        <p:style>
-          <a:lnRef idx="2">
-            <a:schemeClr val="accent1">
-              <a:shade val="50000"/>
-            </a:schemeClr>
-          </a:lnRef>
-          <a:fillRef idx="1">
-            <a:schemeClr val="accent1"/>
-          </a:fillRef>
-          <a:effectRef idx="0">
-            <a:schemeClr val="accent1"/>
-          </a:effectRef>
-          <a:fontRef idx="minor">
-            <a:schemeClr val="lt1"/>
-          </a:fontRef>
-        </p:style>
-        <p:txBody>
-          <a:bodyPr lIns="36000" rIns="36000" rtlCol="0" anchor="ctr"/>
-          <a:lstStyle/>
-          <a:p>
-            <a:pPr algn="ctr"/>
-            <a:r>
-              <a:rPr lang="en-GB" sz="1200" dirty="0">
-                <a:solidFill>
-                  <a:schemeClr val="tx1"/>
-                </a:solidFill>
-              </a:rPr>
-              <a:t>My first schedule</a:t>
-            </a:r>
-          </a:p>
-        </p:txBody>
-      </p:sp>
-    </p:spTree>
-    <p:extLst>
-      <p:ext uri="{BB962C8B-B14F-4D97-AF65-F5344CB8AC3E}">
-        <p14:creationId xmlns:p14="http://schemas.microsoft.com/office/powerpoint/2010/main" val="2352240134"/>
-      </p:ext>
-    </p:extLst>
-  </p:cSld>
-  <p:clrMapOvr>
-    <a:masterClrMapping/>
-  </p:clrMapOvr>
-  <p:extLst>
-    <p:ext uri="{6950BFC3-D8DA-4A85-94F7-54DA5524770B}">
-      <p188:commentRel xmlns:p188="http://schemas.microsoft.com/office/powerpoint/2018/8/main" r:id="rId2"/>
-    </p:ext>
-  </p:extLst>
-</p:sld>
-</file>
-
-<file path=ppt/slides/slide8.xml><?xml version="1.0" encoding="utf-8"?>
-<p:sld xmlns:a="http://schemas.openxmlformats.org/drawingml/2006/main" xmlns:r="http://schemas.openxmlformats.org/officeDocument/2006/relationships" xmlns:p="http://schemas.openxmlformats.org/presentationml/2006/main">
-  <p:cSld>
-    <p:spTree>
-      <p:nvGrpSpPr>
-        <p:cNvPr id="1" name=""/>
-        <p:cNvGrpSpPr/>
-        <p:nvPr/>
-      </p:nvGrpSpPr>
-      <p:grpSpPr>
-        <a:xfrm>
-          <a:off x="0" y="0"/>
-          <a:ext cx="0" cy="0"/>
-          <a:chOff x="0" y="0"/>
-          <a:chExt cx="0" cy="0"/>
-        </a:xfrm>
-      </p:grpSpPr>
-      <p:pic>
-        <p:nvPicPr>
-          <p:cNvPr id="1032" name="Picture 8" descr="Winter olympics Images, Stock Photos &amp;amp; Vectors | Shutterstock">
-            <a:extLst>
-              <a:ext uri="{FF2B5EF4-FFF2-40B4-BE49-F238E27FC236}">
-                <a16:creationId xmlns:a16="http://schemas.microsoft.com/office/drawing/2014/main" id="{9381FD0B-4BB1-451B-84D8-D12A1C1721D1}"/>
-              </a:ext>
-            </a:extLst>
-          </p:cNvPr>
-          <p:cNvPicPr>
-            <a:picLocks noChangeAspect="1" noChangeArrowheads="1"/>
-          </p:cNvPicPr>
-          <p:nvPr/>
-        </p:nvPicPr>
-        <p:blipFill rotWithShape="1">
-          <a:blip r:embed="rId2">
-            <a:extLst>
-              <a:ext uri="{28A0092B-C50C-407E-A947-70E740481C1C}">
-                <a14:useLocalDpi xmlns:a14="http://schemas.microsoft.com/office/drawing/2010/main" val="0"/>
-              </a:ext>
-            </a:extLst>
-          </a:blip>
-          <a:srcRect l="6645" b="14121"/>
-          <a:stretch/>
-        </p:blipFill>
-        <p:spPr bwMode="auto">
-          <a:xfrm>
-            <a:off x="-18058" y="0"/>
-            <a:ext cx="12210057" cy="6858815"/>
-          </a:xfrm>
-          <a:prstGeom prst="rect">
-            <a:avLst/>
-          </a:prstGeom>
-          <a:noFill/>
-          <a:extLst>
-            <a:ext uri="{909E8E84-426E-40DD-AFC4-6F175D3DCCD1}">
-              <a14:hiddenFill xmlns:a14="http://schemas.microsoft.com/office/drawing/2010/main">
-                <a:solidFill>
-                  <a:srgbClr val="FFFFFF"/>
-                </a:solidFill>
-              </a14:hiddenFill>
-            </a:ext>
-          </a:extLst>
-        </p:spPr>
-      </p:pic>
-      <p:sp>
-        <p:nvSpPr>
-          <p:cNvPr id="11" name="Rectangle 10">
-            <a:extLst>
-              <a:ext uri="{FF2B5EF4-FFF2-40B4-BE49-F238E27FC236}">
-                <a16:creationId xmlns:a16="http://schemas.microsoft.com/office/drawing/2014/main" id="{10EB8D02-9EDE-4911-8F59-FDB495188B2A}"/>
-              </a:ext>
-            </a:extLst>
-          </p:cNvPr>
-          <p:cNvSpPr/>
-          <p:nvPr/>
-        </p:nvSpPr>
-        <p:spPr>
-          <a:xfrm>
-            <a:off x="-18058" y="1"/>
-            <a:ext cx="12210058" cy="802104"/>
-          </a:xfrm>
-          <a:prstGeom prst="rect">
-            <a:avLst/>
-          </a:prstGeom>
-          <a:solidFill>
-            <a:srgbClr val="304550"/>
-          </a:solidFill>
-          <a:ln>
-            <a:noFill/>
-          </a:ln>
-          <a:effectLst/>
-        </p:spPr>
-        <p:style>
-          <a:lnRef idx="0">
-            <a:scrgbClr r="0" g="0" b="0"/>
-          </a:lnRef>
-          <a:fillRef idx="0">
-            <a:scrgbClr r="0" g="0" b="0"/>
-          </a:fillRef>
-          <a:effectRef idx="0">
-            <a:scrgbClr r="0" g="0" b="0"/>
-          </a:effectRef>
-          <a:fontRef idx="minor">
-            <a:schemeClr val="lt1"/>
-          </a:fontRef>
-        </p:style>
-        <p:txBody>
-          <a:bodyPr rtlCol="0" anchor="ctr"/>
-          <a:lstStyle/>
-          <a:p>
-            <a:r>
-              <a:rPr lang="en-GB" sz="2800" b="1" dirty="0"/>
-              <a:t>	Olympic Planner</a:t>
-            </a:r>
-          </a:p>
-        </p:txBody>
-      </p:sp>
-      <p:sp>
-        <p:nvSpPr>
-          <p:cNvPr id="2" name="TextBox 1">
-            <a:extLst>
-              <a:ext uri="{FF2B5EF4-FFF2-40B4-BE49-F238E27FC236}">
-                <a16:creationId xmlns:a16="http://schemas.microsoft.com/office/drawing/2014/main" id="{02A273FF-198B-4733-95DB-1931741DFB95}"/>
-              </a:ext>
-            </a:extLst>
-          </p:cNvPr>
-          <p:cNvSpPr txBox="1"/>
-          <p:nvPr/>
-        </p:nvSpPr>
-        <p:spPr>
-          <a:xfrm>
-            <a:off x="4748463" y="216568"/>
-            <a:ext cx="1919037" cy="369332"/>
-          </a:xfrm>
-          <a:prstGeom prst="rect">
-            <a:avLst/>
-          </a:prstGeom>
-          <a:noFill/>
-        </p:spPr>
-        <p:txBody>
-          <a:bodyPr wrap="square" rtlCol="0">
-            <a:spAutoFit/>
-          </a:bodyPr>
-          <a:lstStyle/>
-          <a:p>
-            <a:r>
-              <a:rPr lang="en-GB" dirty="0">
-                <a:solidFill>
-                  <a:schemeClr val="bg1"/>
-                </a:solidFill>
-              </a:rPr>
-              <a:t>Create schedule</a:t>
-            </a:r>
-            <a:endParaRPr lang="sv-SE" dirty="0">
-              <a:solidFill>
-                <a:schemeClr val="bg1"/>
-              </a:solidFill>
-            </a:endParaRPr>
-          </a:p>
-        </p:txBody>
-      </p:sp>
-      <p:sp>
-        <p:nvSpPr>
-          <p:cNvPr id="7" name="TextBox 6">
-            <a:extLst>
-              <a:ext uri="{FF2B5EF4-FFF2-40B4-BE49-F238E27FC236}">
-                <a16:creationId xmlns:a16="http://schemas.microsoft.com/office/drawing/2014/main" id="{7A0D3294-7EE1-45BB-B18F-7F0D6EFBA551}"/>
-              </a:ext>
-            </a:extLst>
-          </p:cNvPr>
-          <p:cNvSpPr txBox="1"/>
-          <p:nvPr/>
-        </p:nvSpPr>
-        <p:spPr>
-          <a:xfrm>
-            <a:off x="7058525" y="213765"/>
-            <a:ext cx="1729875" cy="369332"/>
-          </a:xfrm>
-          <a:prstGeom prst="rect">
-            <a:avLst/>
-          </a:prstGeom>
-          <a:noFill/>
-        </p:spPr>
-        <p:txBody>
-          <a:bodyPr wrap="square" rtlCol="0">
-            <a:spAutoFit/>
-          </a:bodyPr>
-          <a:lstStyle/>
-          <a:p>
-            <a:r>
-              <a:rPr lang="en-GB" dirty="0">
-                <a:solidFill>
-                  <a:schemeClr val="bg1"/>
-                </a:solidFill>
-              </a:rPr>
-              <a:t>My schedules</a:t>
-            </a:r>
-            <a:endParaRPr lang="sv-SE" dirty="0">
-              <a:solidFill>
-                <a:schemeClr val="bg1"/>
-              </a:solidFill>
-            </a:endParaRPr>
-          </a:p>
-        </p:txBody>
-      </p:sp>
-      <p:sp>
-        <p:nvSpPr>
-          <p:cNvPr id="3" name="Rectangle 2">
-            <a:extLst>
-              <a:ext uri="{FF2B5EF4-FFF2-40B4-BE49-F238E27FC236}">
-                <a16:creationId xmlns:a16="http://schemas.microsoft.com/office/drawing/2014/main" id="{69EDFEF5-BCCD-4D0C-ACC1-1686463FEB5A}"/>
-              </a:ext>
-            </a:extLst>
-          </p:cNvPr>
-          <p:cNvSpPr/>
-          <p:nvPr/>
-        </p:nvSpPr>
-        <p:spPr>
-          <a:xfrm>
-            <a:off x="2447925" y="1652003"/>
-            <a:ext cx="4219576" cy="4634498"/>
-          </a:xfrm>
-          <a:prstGeom prst="rect">
-            <a:avLst/>
-          </a:prstGeom>
-          <a:solidFill>
-            <a:schemeClr val="bg2">
-              <a:alpha val="85000"/>
-            </a:schemeClr>
-          </a:solidFill>
-          <a:ln>
-            <a:gradFill>
-              <a:gsLst>
-                <a:gs pos="0">
-                  <a:schemeClr val="accent1">
-                    <a:lumMod val="5000"/>
-                    <a:lumOff val="95000"/>
-                  </a:schemeClr>
-                </a:gs>
-                <a:gs pos="74000">
-                  <a:schemeClr val="accent1">
-                    <a:lumMod val="45000"/>
-                    <a:lumOff val="55000"/>
-                  </a:schemeClr>
-                </a:gs>
-                <a:gs pos="83000">
-                  <a:schemeClr val="accent1">
-                    <a:lumMod val="45000"/>
-                    <a:lumOff val="55000"/>
-                  </a:schemeClr>
-                </a:gs>
-                <a:gs pos="100000">
-                  <a:schemeClr val="accent1">
-                    <a:lumMod val="30000"/>
-                    <a:lumOff val="70000"/>
-                  </a:schemeClr>
-                </a:gs>
-              </a:gsLst>
-              <a:lin ang="5400000" scaled="1"/>
-            </a:gradFill>
-          </a:ln>
-          <a:effectLst>
-            <a:outerShdw blurRad="63500" sx="102000" sy="102000" algn="ctr" rotWithShape="0">
-              <a:prstClr val="black">
-                <a:alpha val="40000"/>
-              </a:prstClr>
-            </a:outerShdw>
-          </a:effectLst>
-        </p:spPr>
-        <p:style>
-          <a:lnRef idx="2">
-            <a:schemeClr val="accent1">
-              <a:shade val="50000"/>
-            </a:schemeClr>
-          </a:lnRef>
-          <a:fillRef idx="1">
-            <a:schemeClr val="accent1"/>
-          </a:fillRef>
-          <a:effectRef idx="0">
-            <a:schemeClr val="accent1"/>
-          </a:effectRef>
-          <a:fontRef idx="minor">
-            <a:schemeClr val="lt1"/>
-          </a:fontRef>
-        </p:style>
-        <p:txBody>
-          <a:bodyPr rtlCol="0" anchor="t"/>
-          <a:lstStyle/>
-          <a:p>
-            <a:pPr algn="ctr"/>
-            <a:endParaRPr lang="sv-SE" dirty="0"/>
-          </a:p>
-        </p:txBody>
-      </p:sp>
-      <p:sp>
-        <p:nvSpPr>
-          <p:cNvPr id="4" name="TextBox 3">
-            <a:extLst>
-              <a:ext uri="{FF2B5EF4-FFF2-40B4-BE49-F238E27FC236}">
-                <a16:creationId xmlns:a16="http://schemas.microsoft.com/office/drawing/2014/main" id="{A1F74440-F4FD-4161-AB2B-CF288D0F6C19}"/>
-              </a:ext>
-            </a:extLst>
-          </p:cNvPr>
-          <p:cNvSpPr txBox="1"/>
-          <p:nvPr/>
-        </p:nvSpPr>
-        <p:spPr>
-          <a:xfrm>
-            <a:off x="2955925" y="2069450"/>
-            <a:ext cx="2870200" cy="369332"/>
-          </a:xfrm>
-          <a:prstGeom prst="rect">
-            <a:avLst/>
-          </a:prstGeom>
-          <a:noFill/>
-        </p:spPr>
-        <p:txBody>
-          <a:bodyPr wrap="square" rtlCol="0">
-            <a:spAutoFit/>
-          </a:bodyPr>
-          <a:lstStyle/>
-          <a:p>
-            <a:r>
-              <a:rPr lang="en-GB" b="1" dirty="0"/>
-              <a:t>Personal Information</a:t>
-            </a:r>
-            <a:endParaRPr lang="sv-SE" b="1" dirty="0"/>
-          </a:p>
-        </p:txBody>
-      </p:sp>
-      <p:sp>
-        <p:nvSpPr>
-          <p:cNvPr id="15" name="Rectangle 14">
-            <a:extLst>
-              <a:ext uri="{FF2B5EF4-FFF2-40B4-BE49-F238E27FC236}">
-                <a16:creationId xmlns:a16="http://schemas.microsoft.com/office/drawing/2014/main" id="{659373C6-639B-45E9-8770-0A8B1E3C17CE}"/>
-              </a:ext>
-            </a:extLst>
-          </p:cNvPr>
-          <p:cNvSpPr/>
-          <p:nvPr/>
-        </p:nvSpPr>
-        <p:spPr>
-          <a:xfrm>
-            <a:off x="8803439" y="0"/>
-            <a:ext cx="1919037" cy="802104"/>
-          </a:xfrm>
-          <a:prstGeom prst="rect">
-            <a:avLst/>
-          </a:prstGeom>
-          <a:solidFill>
-            <a:schemeClr val="bg1">
-              <a:alpha val="31000"/>
-            </a:schemeClr>
-          </a:solidFill>
-          <a:ln>
-            <a:noFill/>
-          </a:ln>
-        </p:spPr>
-        <p:style>
-          <a:lnRef idx="2">
-            <a:schemeClr val="accent1">
-              <a:shade val="50000"/>
-            </a:schemeClr>
-          </a:lnRef>
-          <a:fillRef idx="1">
-            <a:schemeClr val="accent1"/>
-          </a:fillRef>
-          <a:effectRef idx="0">
-            <a:schemeClr val="accent1"/>
-          </a:effectRef>
-          <a:fontRef idx="minor">
-            <a:schemeClr val="lt1"/>
-          </a:fontRef>
-        </p:style>
-        <p:txBody>
-          <a:bodyPr rtlCol="0" anchor="ctr"/>
-          <a:lstStyle/>
-          <a:p>
-            <a:pPr algn="ctr"/>
-            <a:endParaRPr lang="sv-SE"/>
-          </a:p>
-        </p:txBody>
-      </p:sp>
-      <p:sp>
-        <p:nvSpPr>
-          <p:cNvPr id="13" name="TextBox 12">
-            <a:extLst>
-              <a:ext uri="{FF2B5EF4-FFF2-40B4-BE49-F238E27FC236}">
-                <a16:creationId xmlns:a16="http://schemas.microsoft.com/office/drawing/2014/main" id="{658E57C1-6F58-4CA5-B2B0-75434256E37C}"/>
-              </a:ext>
-            </a:extLst>
-          </p:cNvPr>
-          <p:cNvSpPr txBox="1"/>
-          <p:nvPr/>
-        </p:nvSpPr>
-        <p:spPr>
-          <a:xfrm>
-            <a:off x="9298402" y="202167"/>
-            <a:ext cx="1729875" cy="369332"/>
-          </a:xfrm>
-          <a:prstGeom prst="rect">
-            <a:avLst/>
-          </a:prstGeom>
-          <a:noFill/>
-        </p:spPr>
-        <p:txBody>
-          <a:bodyPr wrap="square" rtlCol="0">
-            <a:spAutoFit/>
-          </a:bodyPr>
-          <a:lstStyle/>
-          <a:p>
-            <a:r>
-              <a:rPr lang="en-GB" dirty="0">
-                <a:solidFill>
-                  <a:schemeClr val="bg1"/>
-                </a:solidFill>
-              </a:rPr>
-              <a:t>My page</a:t>
-            </a:r>
-            <a:endParaRPr lang="sv-SE" dirty="0">
-              <a:solidFill>
-                <a:schemeClr val="bg1"/>
-              </a:solidFill>
-            </a:endParaRPr>
-          </a:p>
-        </p:txBody>
-      </p:sp>
-      <p:sp>
-        <p:nvSpPr>
-          <p:cNvPr id="5" name="Rectangle 4">
-            <a:extLst>
-              <a:ext uri="{FF2B5EF4-FFF2-40B4-BE49-F238E27FC236}">
-                <a16:creationId xmlns:a16="http://schemas.microsoft.com/office/drawing/2014/main" id="{E7EB7B35-7FCC-482A-843C-50AEA28D3478}"/>
-              </a:ext>
-            </a:extLst>
-          </p:cNvPr>
-          <p:cNvSpPr/>
-          <p:nvPr/>
-        </p:nvSpPr>
-        <p:spPr>
-          <a:xfrm>
-            <a:off x="3921960" y="2533650"/>
-            <a:ext cx="2317416" cy="369332"/>
-          </a:xfrm>
-          <a:prstGeom prst="rect">
-            <a:avLst/>
-          </a:prstGeom>
-          <a:noFill/>
-          <a:ln>
-            <a:noFill/>
-          </a:ln>
-          <a:effectLst>
-            <a:innerShdw blurRad="25400">
-              <a:prstClr val="black"/>
-            </a:innerShdw>
-          </a:effectLst>
-        </p:spPr>
-        <p:style>
-          <a:lnRef idx="2">
-            <a:schemeClr val="accent1">
-              <a:shade val="50000"/>
-            </a:schemeClr>
-          </a:lnRef>
-          <a:fillRef idx="1">
-            <a:schemeClr val="accent1"/>
-          </a:fillRef>
-          <a:effectRef idx="0">
-            <a:schemeClr val="accent1"/>
-          </a:effectRef>
-          <a:fontRef idx="minor">
-            <a:schemeClr val="lt1"/>
-          </a:fontRef>
-        </p:style>
-        <p:txBody>
-          <a:bodyPr rtlCol="0" anchor="ctr"/>
-          <a:lstStyle/>
-          <a:p>
-            <a:r>
-              <a:rPr lang="en-GB" sz="1200" dirty="0">
-                <a:solidFill>
-                  <a:schemeClr val="tx1"/>
-                </a:solidFill>
-              </a:rPr>
-              <a:t>Test </a:t>
-            </a:r>
-            <a:r>
-              <a:rPr lang="en-GB" sz="1200" dirty="0" err="1">
-                <a:solidFill>
-                  <a:schemeClr val="tx1"/>
-                </a:solidFill>
-              </a:rPr>
-              <a:t>Testsson</a:t>
-            </a:r>
-            <a:endParaRPr lang="sv-SE" sz="1200" dirty="0">
-              <a:solidFill>
-                <a:schemeClr val="tx1"/>
-              </a:solidFill>
-            </a:endParaRPr>
-          </a:p>
-        </p:txBody>
-      </p:sp>
-      <p:sp>
-        <p:nvSpPr>
-          <p:cNvPr id="16" name="Rectangle 15">
-            <a:extLst>
-              <a:ext uri="{FF2B5EF4-FFF2-40B4-BE49-F238E27FC236}">
-                <a16:creationId xmlns:a16="http://schemas.microsoft.com/office/drawing/2014/main" id="{0A38768C-400F-41AA-8E12-817FFD5B25FF}"/>
-              </a:ext>
-            </a:extLst>
-          </p:cNvPr>
-          <p:cNvSpPr/>
-          <p:nvPr/>
-        </p:nvSpPr>
-        <p:spPr>
-          <a:xfrm>
-            <a:off x="3921960" y="2832615"/>
-            <a:ext cx="2317416" cy="369332"/>
-          </a:xfrm>
-          <a:prstGeom prst="rect">
-            <a:avLst/>
-          </a:prstGeom>
-          <a:noFill/>
-          <a:ln>
-            <a:noFill/>
-          </a:ln>
-          <a:effectLst>
-            <a:innerShdw blurRad="25400">
-              <a:prstClr val="black"/>
-            </a:innerShdw>
-          </a:effectLst>
-        </p:spPr>
-        <p:style>
-          <a:lnRef idx="2">
-            <a:schemeClr val="accent1">
-              <a:shade val="50000"/>
-            </a:schemeClr>
-          </a:lnRef>
-          <a:fillRef idx="1">
-            <a:schemeClr val="accent1"/>
-          </a:fillRef>
-          <a:effectRef idx="0">
-            <a:schemeClr val="accent1"/>
-          </a:effectRef>
-          <a:fontRef idx="minor">
-            <a:schemeClr val="lt1"/>
-          </a:fontRef>
-        </p:style>
-        <p:txBody>
-          <a:bodyPr rtlCol="0" anchor="ctr"/>
-          <a:lstStyle/>
-          <a:p>
-            <a:r>
-              <a:rPr lang="en-GB" sz="1200" dirty="0">
-                <a:solidFill>
-                  <a:schemeClr val="tx1"/>
-                </a:solidFill>
-              </a:rPr>
-              <a:t>test@email.com</a:t>
-            </a:r>
-            <a:endParaRPr lang="sv-SE" sz="1200" dirty="0">
-              <a:solidFill>
-                <a:schemeClr val="tx1"/>
-              </a:solidFill>
-            </a:endParaRPr>
-          </a:p>
-        </p:txBody>
-      </p:sp>
-      <p:grpSp>
-        <p:nvGrpSpPr>
-          <p:cNvPr id="6" name="Group 5">
-            <a:extLst>
-              <a:ext uri="{FF2B5EF4-FFF2-40B4-BE49-F238E27FC236}">
-                <a16:creationId xmlns:a16="http://schemas.microsoft.com/office/drawing/2014/main" id="{60C6C74C-8001-47FC-9A8E-9672C2086CBB}"/>
-              </a:ext>
-            </a:extLst>
-          </p:cNvPr>
-          <p:cNvGrpSpPr/>
-          <p:nvPr/>
-        </p:nvGrpSpPr>
-        <p:grpSpPr>
-          <a:xfrm>
-            <a:off x="5262481" y="2155212"/>
-            <a:ext cx="256255" cy="228955"/>
-            <a:chOff x="5999746" y="5628555"/>
-            <a:chExt cx="456783" cy="461665"/>
-          </a:xfrm>
-        </p:grpSpPr>
-        <p:sp>
-          <p:nvSpPr>
-            <p:cNvPr id="18" name="TextBox 17">
-              <a:extLst>
-                <a:ext uri="{FF2B5EF4-FFF2-40B4-BE49-F238E27FC236}">
-                  <a16:creationId xmlns:a16="http://schemas.microsoft.com/office/drawing/2014/main" id="{CA38CFBF-8960-4DD2-A23F-C7F60BAD2BC5}"/>
-                </a:ext>
-              </a:extLst>
-            </p:cNvPr>
-            <p:cNvSpPr txBox="1"/>
-            <p:nvPr/>
-          </p:nvSpPr>
-          <p:spPr>
-            <a:xfrm>
-              <a:off x="5999746" y="5628555"/>
-              <a:ext cx="456783" cy="461665"/>
-            </a:xfrm>
-            <a:prstGeom prst="rect">
-              <a:avLst/>
-            </a:prstGeom>
-            <a:solidFill>
-              <a:schemeClr val="bg2">
-                <a:alpha val="85000"/>
-              </a:schemeClr>
-            </a:solidFill>
-            <a:ln>
-              <a:gradFill>
-                <a:gsLst>
-                  <a:gs pos="0">
-                    <a:schemeClr val="accent1">
-                      <a:lumMod val="5000"/>
-                      <a:lumOff val="95000"/>
-                    </a:schemeClr>
-                  </a:gs>
-                  <a:gs pos="74000">
-                    <a:schemeClr val="accent1">
-                      <a:lumMod val="45000"/>
-                      <a:lumOff val="55000"/>
-                    </a:schemeClr>
-                  </a:gs>
-                  <a:gs pos="83000">
-                    <a:schemeClr val="accent1">
-                      <a:lumMod val="45000"/>
-                      <a:lumOff val="55000"/>
-                    </a:schemeClr>
-                  </a:gs>
-                  <a:gs pos="100000">
-                    <a:schemeClr val="accent1">
-                      <a:lumMod val="30000"/>
-                      <a:lumOff val="70000"/>
-                    </a:schemeClr>
-                  </a:gs>
-                </a:gsLst>
-                <a:lin ang="5400000" scaled="1"/>
-              </a:gradFill>
-            </a:ln>
-            <a:effectLst>
-              <a:outerShdw blurRad="63500" sx="102000" sy="102000" algn="ctr" rotWithShape="0">
-                <a:prstClr val="black">
-                  <a:alpha val="40000"/>
-                </a:prstClr>
-              </a:outerShdw>
-            </a:effectLst>
-          </p:spPr>
-          <p:style>
-            <a:lnRef idx="2">
-              <a:schemeClr val="accent1">
-                <a:shade val="50000"/>
-              </a:schemeClr>
-            </a:lnRef>
-            <a:fillRef idx="1">
-              <a:schemeClr val="accent1"/>
-            </a:fillRef>
-            <a:effectRef idx="0">
-              <a:schemeClr val="accent1"/>
-            </a:effectRef>
-            <a:fontRef idx="minor">
-              <a:schemeClr val="lt1"/>
-            </a:fontRef>
-          </p:style>
-          <p:txBody>
-            <a:bodyPr rtlCol="0" anchor="ctr"/>
-            <a:lstStyle>
-              <a:defPPr>
-                <a:defRPr lang="sv-SE"/>
-              </a:defPPr>
-              <a:lvl1pPr algn="ctr">
-                <a:defRPr sz="1200" b="1"/>
-              </a:lvl1pPr>
-              <a:lvl2pPr>
-                <a:defRPr>
-                  <a:solidFill>
-                    <a:schemeClr val="lt1"/>
-                  </a:solidFill>
-                </a:defRPr>
-              </a:lvl2pPr>
-              <a:lvl3pPr>
-                <a:defRPr>
-                  <a:solidFill>
-                    <a:schemeClr val="lt1"/>
-                  </a:solidFill>
-                </a:defRPr>
-              </a:lvl3pPr>
-              <a:lvl4pPr>
-                <a:defRPr>
-                  <a:solidFill>
-                    <a:schemeClr val="lt1"/>
-                  </a:solidFill>
-                </a:defRPr>
-              </a:lvl4pPr>
-              <a:lvl5pPr>
-                <a:defRPr>
-                  <a:solidFill>
-                    <a:schemeClr val="lt1"/>
-                  </a:solidFill>
-                </a:defRPr>
-              </a:lvl5pPr>
-              <a:lvl6pPr>
-                <a:defRPr>
-                  <a:solidFill>
-                    <a:schemeClr val="lt1"/>
-                  </a:solidFill>
-                </a:defRPr>
-              </a:lvl6pPr>
-              <a:lvl7pPr>
-                <a:defRPr>
-                  <a:solidFill>
-                    <a:schemeClr val="lt1"/>
-                  </a:solidFill>
-                </a:defRPr>
-              </a:lvl7pPr>
-              <a:lvl8pPr>
-                <a:defRPr>
-                  <a:solidFill>
-                    <a:schemeClr val="lt1"/>
-                  </a:solidFill>
-                </a:defRPr>
-              </a:lvl8pPr>
-              <a:lvl9pPr>
-                <a:defRPr>
-                  <a:solidFill>
-                    <a:schemeClr val="lt1"/>
-                  </a:solidFill>
-                </a:defRPr>
-              </a:lvl9pPr>
-            </a:lstStyle>
-            <a:p>
-              <a:endParaRPr lang="sv-SE" sz="1400" dirty="0">
-                <a:solidFill>
-                  <a:schemeClr val="tx1"/>
-                </a:solidFill>
-              </a:endParaRPr>
-            </a:p>
-          </p:txBody>
-        </p:sp>
-        <p:pic>
-          <p:nvPicPr>
-            <p:cNvPr id="23" name="Graphic 22" descr="Pen with solid fill">
-              <a:extLst>
-                <a:ext uri="{FF2B5EF4-FFF2-40B4-BE49-F238E27FC236}">
-                  <a16:creationId xmlns:a16="http://schemas.microsoft.com/office/drawing/2014/main" id="{C412B556-80ED-41DA-9E7C-7D63ADA299B2}"/>
-                </a:ext>
-              </a:extLst>
-            </p:cNvPr>
-            <p:cNvPicPr>
-              <a:picLocks noChangeAspect="1"/>
-            </p:cNvPicPr>
-            <p:nvPr/>
-          </p:nvPicPr>
-          <p:blipFill>
             <a:blip r:embed="rId3">
               <a:extLst>
                 <a:ext uri="{28A0092B-C50C-407E-A947-70E740481C1C}">
@@ -21093,829 +23457,57 @@
           </a:p>
         </p:txBody>
       </p:sp>
-      <p:sp>
-        <p:nvSpPr>
-          <p:cNvPr id="29" name="Rectangle 28">
-            <a:extLst>
-              <a:ext uri="{FF2B5EF4-FFF2-40B4-BE49-F238E27FC236}">
-                <a16:creationId xmlns:a16="http://schemas.microsoft.com/office/drawing/2014/main" id="{74182380-0268-47CF-9665-499172921080}"/>
-              </a:ext>
-            </a:extLst>
-          </p:cNvPr>
-          <p:cNvSpPr/>
+      <p:pic>
+        <p:nvPicPr>
+          <p:cNvPr id="31" name="Picture 4" descr="The Olympic Torch Relay: What You Need to Know | Olympic torch, Olympic  flame, Torch">
+            <a:extLst>
+              <a:ext uri="{FF2B5EF4-FFF2-40B4-BE49-F238E27FC236}">
+                <a16:creationId xmlns:a16="http://schemas.microsoft.com/office/drawing/2014/main" id="{4B287235-819A-41C4-A2B4-D5FD1E8693A4}"/>
+              </a:ext>
+            </a:extLst>
+          </p:cNvPr>
+          <p:cNvPicPr>
+            <a:picLocks noChangeAspect="1" noChangeArrowheads="1"/>
+          </p:cNvPicPr>
           <p:nvPr/>
-        </p:nvSpPr>
-        <p:spPr>
+        </p:nvPicPr>
+        <p:blipFill>
+          <a:blip r:embed="rId5">
+            <a:extLst>
+              <a:ext uri="{28A0092B-C50C-407E-A947-70E740481C1C}">
+                <a14:useLocalDpi xmlns:a14="http://schemas.microsoft.com/office/drawing/2010/main" val="0"/>
+              </a:ext>
+            </a:extLst>
+          </a:blip>
+          <a:srcRect/>
+          <a:stretch>
+            <a:fillRect/>
+          </a:stretch>
+        </p:blipFill>
+        <p:spPr bwMode="auto">
           <a:xfrm>
-            <a:off x="6808701" y="1652003"/>
-            <a:ext cx="3049674" cy="4634498"/>
+            <a:off x="11198685" y="119759"/>
+            <a:ext cx="534148" cy="534148"/>
           </a:xfrm>
-          <a:prstGeom prst="rect">
-            <a:avLst/>
-          </a:prstGeom>
-          <a:solidFill>
-            <a:schemeClr val="bg2">
-              <a:alpha val="85000"/>
-            </a:schemeClr>
-          </a:solidFill>
-          <a:ln>
-            <a:gradFill>
-              <a:gsLst>
-                <a:gs pos="0">
-                  <a:schemeClr val="accent1">
-                    <a:lumMod val="5000"/>
-                    <a:lumOff val="95000"/>
-                  </a:schemeClr>
-                </a:gs>
-                <a:gs pos="74000">
-                  <a:schemeClr val="accent1">
-                    <a:lumMod val="45000"/>
-                    <a:lumOff val="55000"/>
-                  </a:schemeClr>
-                </a:gs>
-                <a:gs pos="83000">
-                  <a:schemeClr val="accent1">
-                    <a:lumMod val="45000"/>
-                    <a:lumOff val="55000"/>
-                  </a:schemeClr>
-                </a:gs>
-                <a:gs pos="100000">
-                  <a:schemeClr val="accent1">
-                    <a:lumMod val="30000"/>
-                    <a:lumOff val="70000"/>
-                  </a:schemeClr>
-                </a:gs>
-              </a:gsLst>
-              <a:lin ang="5400000" scaled="1"/>
-            </a:gradFill>
-          </a:ln>
-          <a:effectLst>
-            <a:outerShdw blurRad="63500" sx="102000" sy="102000" algn="ctr" rotWithShape="0">
-              <a:prstClr val="black">
-                <a:alpha val="40000"/>
-              </a:prstClr>
-            </a:outerShdw>
-          </a:effectLst>
-        </p:spPr>
-        <p:style>
-          <a:lnRef idx="2">
-            <a:schemeClr val="accent1">
-              <a:shade val="50000"/>
-            </a:schemeClr>
-          </a:lnRef>
-          <a:fillRef idx="1">
-            <a:schemeClr val="accent1"/>
-          </a:fillRef>
-          <a:effectRef idx="0">
-            <a:schemeClr val="accent1"/>
-          </a:effectRef>
-          <a:fontRef idx="minor">
-            <a:schemeClr val="lt1"/>
-          </a:fontRef>
-        </p:style>
-        <p:txBody>
-          <a:bodyPr rtlCol="0" anchor="t"/>
-          <a:lstStyle/>
-          <a:p>
-            <a:pPr algn="ctr"/>
-            <a:endParaRPr lang="sv-SE" dirty="0"/>
-          </a:p>
-        </p:txBody>
-      </p:sp>
-      <p:sp>
-        <p:nvSpPr>
-          <p:cNvPr id="30" name="TextBox 29">
-            <a:extLst>
-              <a:ext uri="{FF2B5EF4-FFF2-40B4-BE49-F238E27FC236}">
-                <a16:creationId xmlns:a16="http://schemas.microsoft.com/office/drawing/2014/main" id="{35A777DE-5ADF-4F94-8B63-5E2458646E09}"/>
-              </a:ext>
-            </a:extLst>
-          </p:cNvPr>
-          <p:cNvSpPr txBox="1"/>
-          <p:nvPr/>
-        </p:nvSpPr>
-        <p:spPr>
-          <a:xfrm>
-            <a:off x="7129375" y="2069450"/>
-            <a:ext cx="2357525" cy="369332"/>
-          </a:xfrm>
-          <a:prstGeom prst="rect">
+          <a:prstGeom prst="flowChartConnector">
             <a:avLst/>
           </a:prstGeom>
           <a:noFill/>
+          <a:extLst>
+            <a:ext uri="{909E8E84-426E-40DD-AFC4-6F175D3DCCD1}">
+              <a14:hiddenFill xmlns:a14="http://schemas.microsoft.com/office/drawing/2010/main">
+                <a:solidFill>
+                  <a:srgbClr val="FFFFFF"/>
+                </a:solidFill>
+              </a14:hiddenFill>
+            </a:ext>
+          </a:extLst>
         </p:spPr>
-        <p:txBody>
-          <a:bodyPr wrap="square" rtlCol="0">
-            <a:spAutoFit/>
-          </a:bodyPr>
-          <a:lstStyle/>
-          <a:p>
-            <a:r>
-              <a:rPr lang="en-GB" b="1" dirty="0"/>
-              <a:t>Saved schedules</a:t>
-            </a:r>
-            <a:endParaRPr lang="sv-SE" b="1" dirty="0"/>
-          </a:p>
-        </p:txBody>
-      </p:sp>
-      <p:sp>
-        <p:nvSpPr>
-          <p:cNvPr id="34" name="Rectangle 33">
-            <a:extLst>
-              <a:ext uri="{FF2B5EF4-FFF2-40B4-BE49-F238E27FC236}">
-                <a16:creationId xmlns:a16="http://schemas.microsoft.com/office/drawing/2014/main" id="{E8020E7A-F5E3-4502-9506-6490E562C4F3}"/>
-              </a:ext>
-            </a:extLst>
-          </p:cNvPr>
-          <p:cNvSpPr/>
-          <p:nvPr/>
-        </p:nvSpPr>
-        <p:spPr>
-          <a:xfrm>
-            <a:off x="7592676" y="2723912"/>
-            <a:ext cx="1748454" cy="1072217"/>
-          </a:xfrm>
-          <a:prstGeom prst="rect">
-            <a:avLst/>
-          </a:prstGeom>
-          <a:noFill/>
-          <a:ln>
-            <a:noFill/>
-          </a:ln>
-          <a:effectLst>
-            <a:innerShdw blurRad="25400">
-              <a:prstClr val="black"/>
-            </a:innerShdw>
-          </a:effectLst>
-        </p:spPr>
-        <p:style>
-          <a:lnRef idx="2">
-            <a:schemeClr val="accent1">
-              <a:shade val="50000"/>
-            </a:schemeClr>
-          </a:lnRef>
-          <a:fillRef idx="1">
-            <a:schemeClr val="accent1"/>
-          </a:fillRef>
-          <a:effectRef idx="0">
-            <a:schemeClr val="accent1"/>
-          </a:effectRef>
-          <a:fontRef idx="minor">
-            <a:schemeClr val="lt1"/>
-          </a:fontRef>
-        </p:style>
-        <p:txBody>
-          <a:bodyPr rtlCol="0" anchor="t"/>
-          <a:lstStyle/>
-          <a:p>
-            <a:r>
-              <a:rPr lang="en-GB" sz="1200" dirty="0">
-                <a:solidFill>
-                  <a:schemeClr val="tx1"/>
-                </a:solidFill>
-              </a:rPr>
-              <a:t>My first schedule</a:t>
-            </a:r>
-          </a:p>
-          <a:p>
-            <a:r>
-              <a:rPr lang="en-GB" sz="1200" dirty="0">
-                <a:solidFill>
-                  <a:schemeClr val="tx1"/>
-                </a:solidFill>
-              </a:rPr>
-              <a:t>My second schedule</a:t>
-            </a:r>
-            <a:endParaRPr lang="sv-SE" sz="1200" dirty="0">
-              <a:solidFill>
-                <a:schemeClr val="tx1"/>
-              </a:solidFill>
-            </a:endParaRPr>
-          </a:p>
-        </p:txBody>
-      </p:sp>
-      <p:sp>
-        <p:nvSpPr>
-          <p:cNvPr id="40" name="TextBox 39">
-            <a:extLst>
-              <a:ext uri="{FF2B5EF4-FFF2-40B4-BE49-F238E27FC236}">
-                <a16:creationId xmlns:a16="http://schemas.microsoft.com/office/drawing/2014/main" id="{19DCCA4C-9621-43DF-87DE-C219EC92C0CB}"/>
-              </a:ext>
-            </a:extLst>
-          </p:cNvPr>
-          <p:cNvSpPr txBox="1"/>
-          <p:nvPr/>
-        </p:nvSpPr>
-        <p:spPr>
-          <a:xfrm>
-            <a:off x="7330403" y="4099298"/>
-            <a:ext cx="580005" cy="228955"/>
-          </a:xfrm>
-          <a:prstGeom prst="rect">
-            <a:avLst/>
-          </a:prstGeom>
-          <a:solidFill>
-            <a:schemeClr val="bg2">
-              <a:alpha val="85000"/>
-            </a:schemeClr>
-          </a:solidFill>
-          <a:ln>
-            <a:gradFill>
-              <a:gsLst>
-                <a:gs pos="0">
-                  <a:schemeClr val="accent1">
-                    <a:lumMod val="5000"/>
-                    <a:lumOff val="95000"/>
-                  </a:schemeClr>
-                </a:gs>
-                <a:gs pos="74000">
-                  <a:schemeClr val="accent1">
-                    <a:lumMod val="45000"/>
-                    <a:lumOff val="55000"/>
-                  </a:schemeClr>
-                </a:gs>
-                <a:gs pos="83000">
-                  <a:schemeClr val="accent1">
-                    <a:lumMod val="45000"/>
-                    <a:lumOff val="55000"/>
-                  </a:schemeClr>
-                </a:gs>
-                <a:gs pos="100000">
-                  <a:schemeClr val="accent1">
-                    <a:lumMod val="30000"/>
-                    <a:lumOff val="70000"/>
-                  </a:schemeClr>
-                </a:gs>
-              </a:gsLst>
-              <a:lin ang="5400000" scaled="1"/>
-            </a:gradFill>
-          </a:ln>
-          <a:effectLst>
-            <a:outerShdw blurRad="63500" sx="102000" sy="102000" algn="ctr" rotWithShape="0">
-              <a:prstClr val="black">
-                <a:alpha val="40000"/>
-              </a:prstClr>
-            </a:outerShdw>
-          </a:effectLst>
-        </p:spPr>
-        <p:style>
-          <a:lnRef idx="2">
-            <a:schemeClr val="accent1">
-              <a:shade val="50000"/>
-            </a:schemeClr>
-          </a:lnRef>
-          <a:fillRef idx="1">
-            <a:schemeClr val="accent1"/>
-          </a:fillRef>
-          <a:effectRef idx="0">
-            <a:schemeClr val="accent1"/>
-          </a:effectRef>
-          <a:fontRef idx="minor">
-            <a:schemeClr val="lt1"/>
-          </a:fontRef>
-        </p:style>
-        <p:txBody>
-          <a:bodyPr lIns="36000" rIns="36000" rtlCol="0" anchor="ctr"/>
-          <a:lstStyle>
-            <a:defPPr>
-              <a:defRPr lang="sv-SE"/>
-            </a:defPPr>
-            <a:lvl1pPr algn="ctr">
-              <a:defRPr sz="1200" b="1"/>
-            </a:lvl1pPr>
-            <a:lvl2pPr>
-              <a:defRPr>
-                <a:solidFill>
-                  <a:schemeClr val="lt1"/>
-                </a:solidFill>
-              </a:defRPr>
-            </a:lvl2pPr>
-            <a:lvl3pPr>
-              <a:defRPr>
-                <a:solidFill>
-                  <a:schemeClr val="lt1"/>
-                </a:solidFill>
-              </a:defRPr>
-            </a:lvl3pPr>
-            <a:lvl4pPr>
-              <a:defRPr>
-                <a:solidFill>
-                  <a:schemeClr val="lt1"/>
-                </a:solidFill>
-              </a:defRPr>
-            </a:lvl4pPr>
-            <a:lvl5pPr>
-              <a:defRPr>
-                <a:solidFill>
-                  <a:schemeClr val="lt1"/>
-                </a:solidFill>
-              </a:defRPr>
-            </a:lvl5pPr>
-            <a:lvl6pPr>
-              <a:defRPr>
-                <a:solidFill>
-                  <a:schemeClr val="lt1"/>
-                </a:solidFill>
-              </a:defRPr>
-            </a:lvl6pPr>
-            <a:lvl7pPr>
-              <a:defRPr>
-                <a:solidFill>
-                  <a:schemeClr val="lt1"/>
-                </a:solidFill>
-              </a:defRPr>
-            </a:lvl7pPr>
-            <a:lvl8pPr>
-              <a:defRPr>
-                <a:solidFill>
-                  <a:schemeClr val="lt1"/>
-                </a:solidFill>
-              </a:defRPr>
-            </a:lvl8pPr>
-            <a:lvl9pPr>
-              <a:defRPr>
-                <a:solidFill>
-                  <a:schemeClr val="lt1"/>
-                </a:solidFill>
-              </a:defRPr>
-            </a:lvl9pPr>
-          </a:lstStyle>
-          <a:p>
-            <a:r>
-              <a:rPr lang="en-GB" b="0" dirty="0">
-                <a:solidFill>
-                  <a:schemeClr val="tx1"/>
-                </a:solidFill>
-              </a:rPr>
-              <a:t>Show</a:t>
-            </a:r>
-            <a:endParaRPr lang="sv-SE" b="0" dirty="0">
-              <a:solidFill>
-                <a:schemeClr val="tx1"/>
-              </a:solidFill>
-            </a:endParaRPr>
-          </a:p>
-        </p:txBody>
-      </p:sp>
-      <p:sp>
-        <p:nvSpPr>
-          <p:cNvPr id="48" name="TextBox 47">
-            <a:extLst>
-              <a:ext uri="{FF2B5EF4-FFF2-40B4-BE49-F238E27FC236}">
-                <a16:creationId xmlns:a16="http://schemas.microsoft.com/office/drawing/2014/main" id="{43DB58D7-05A3-4EB2-BB5C-5E6D4E3069B4}"/>
-              </a:ext>
-            </a:extLst>
-          </p:cNvPr>
-          <p:cNvSpPr txBox="1"/>
-          <p:nvPr/>
-        </p:nvSpPr>
-        <p:spPr>
-          <a:xfrm>
-            <a:off x="8024400" y="4099298"/>
-            <a:ext cx="580005" cy="228955"/>
-          </a:xfrm>
-          <a:prstGeom prst="rect">
-            <a:avLst/>
-          </a:prstGeom>
-          <a:solidFill>
-            <a:schemeClr val="bg2">
-              <a:alpha val="85000"/>
-            </a:schemeClr>
-          </a:solidFill>
-          <a:ln>
-            <a:gradFill>
-              <a:gsLst>
-                <a:gs pos="0">
-                  <a:schemeClr val="accent1">
-                    <a:lumMod val="5000"/>
-                    <a:lumOff val="95000"/>
-                  </a:schemeClr>
-                </a:gs>
-                <a:gs pos="74000">
-                  <a:schemeClr val="accent1">
-                    <a:lumMod val="45000"/>
-                    <a:lumOff val="55000"/>
-                  </a:schemeClr>
-                </a:gs>
-                <a:gs pos="83000">
-                  <a:schemeClr val="accent1">
-                    <a:lumMod val="45000"/>
-                    <a:lumOff val="55000"/>
-                  </a:schemeClr>
-                </a:gs>
-                <a:gs pos="100000">
-                  <a:schemeClr val="accent1">
-                    <a:lumMod val="30000"/>
-                    <a:lumOff val="70000"/>
-                  </a:schemeClr>
-                </a:gs>
-              </a:gsLst>
-              <a:lin ang="5400000" scaled="1"/>
-            </a:gradFill>
-          </a:ln>
-          <a:effectLst>
-            <a:outerShdw blurRad="63500" sx="102000" sy="102000" algn="ctr" rotWithShape="0">
-              <a:prstClr val="black">
-                <a:alpha val="40000"/>
-              </a:prstClr>
-            </a:outerShdw>
-          </a:effectLst>
-        </p:spPr>
-        <p:style>
-          <a:lnRef idx="2">
-            <a:schemeClr val="accent1">
-              <a:shade val="50000"/>
-            </a:schemeClr>
-          </a:lnRef>
-          <a:fillRef idx="1">
-            <a:schemeClr val="accent1"/>
-          </a:fillRef>
-          <a:effectRef idx="0">
-            <a:schemeClr val="accent1"/>
-          </a:effectRef>
-          <a:fontRef idx="minor">
-            <a:schemeClr val="lt1"/>
-          </a:fontRef>
-        </p:style>
-        <p:txBody>
-          <a:bodyPr lIns="36000" rIns="36000" rtlCol="0" anchor="ctr"/>
-          <a:lstStyle>
-            <a:defPPr>
-              <a:defRPr lang="sv-SE"/>
-            </a:defPPr>
-            <a:lvl1pPr algn="ctr">
-              <a:defRPr sz="1200" b="1"/>
-            </a:lvl1pPr>
-            <a:lvl2pPr>
-              <a:defRPr>
-                <a:solidFill>
-                  <a:schemeClr val="lt1"/>
-                </a:solidFill>
-              </a:defRPr>
-            </a:lvl2pPr>
-            <a:lvl3pPr>
-              <a:defRPr>
-                <a:solidFill>
-                  <a:schemeClr val="lt1"/>
-                </a:solidFill>
-              </a:defRPr>
-            </a:lvl3pPr>
-            <a:lvl4pPr>
-              <a:defRPr>
-                <a:solidFill>
-                  <a:schemeClr val="lt1"/>
-                </a:solidFill>
-              </a:defRPr>
-            </a:lvl4pPr>
-            <a:lvl5pPr>
-              <a:defRPr>
-                <a:solidFill>
-                  <a:schemeClr val="lt1"/>
-                </a:solidFill>
-              </a:defRPr>
-            </a:lvl5pPr>
-            <a:lvl6pPr>
-              <a:defRPr>
-                <a:solidFill>
-                  <a:schemeClr val="lt1"/>
-                </a:solidFill>
-              </a:defRPr>
-            </a:lvl6pPr>
-            <a:lvl7pPr>
-              <a:defRPr>
-                <a:solidFill>
-                  <a:schemeClr val="lt1"/>
-                </a:solidFill>
-              </a:defRPr>
-            </a:lvl7pPr>
-            <a:lvl8pPr>
-              <a:defRPr>
-                <a:solidFill>
-                  <a:schemeClr val="lt1"/>
-                </a:solidFill>
-              </a:defRPr>
-            </a:lvl8pPr>
-            <a:lvl9pPr>
-              <a:defRPr>
-                <a:solidFill>
-                  <a:schemeClr val="lt1"/>
-                </a:solidFill>
-              </a:defRPr>
-            </a:lvl9pPr>
-          </a:lstStyle>
-          <a:p>
-            <a:r>
-              <a:rPr lang="en-GB" b="0" dirty="0">
-                <a:solidFill>
-                  <a:schemeClr val="tx1"/>
-                </a:solidFill>
-              </a:rPr>
-              <a:t>Edit</a:t>
-            </a:r>
-            <a:endParaRPr lang="sv-SE" b="0" dirty="0">
-              <a:solidFill>
-                <a:schemeClr val="tx1"/>
-              </a:solidFill>
-            </a:endParaRPr>
-          </a:p>
-        </p:txBody>
-      </p:sp>
-      <p:sp>
-        <p:nvSpPr>
-          <p:cNvPr id="49" name="TextBox 48">
-            <a:extLst>
-              <a:ext uri="{FF2B5EF4-FFF2-40B4-BE49-F238E27FC236}">
-                <a16:creationId xmlns:a16="http://schemas.microsoft.com/office/drawing/2014/main" id="{E141A7E0-0CD3-495F-8206-725CF50F8F1E}"/>
-              </a:ext>
-            </a:extLst>
-          </p:cNvPr>
-          <p:cNvSpPr txBox="1"/>
-          <p:nvPr/>
-        </p:nvSpPr>
-        <p:spPr>
-          <a:xfrm>
-            <a:off x="8718397" y="4099298"/>
-            <a:ext cx="580005" cy="228955"/>
-          </a:xfrm>
-          <a:prstGeom prst="rect">
-            <a:avLst/>
-          </a:prstGeom>
-          <a:solidFill>
-            <a:schemeClr val="bg2">
-              <a:alpha val="85000"/>
-            </a:schemeClr>
-          </a:solidFill>
-          <a:ln>
-            <a:gradFill>
-              <a:gsLst>
-                <a:gs pos="0">
-                  <a:schemeClr val="accent1">
-                    <a:lumMod val="5000"/>
-                    <a:lumOff val="95000"/>
-                  </a:schemeClr>
-                </a:gs>
-                <a:gs pos="74000">
-                  <a:schemeClr val="accent1">
-                    <a:lumMod val="45000"/>
-                    <a:lumOff val="55000"/>
-                  </a:schemeClr>
-                </a:gs>
-                <a:gs pos="83000">
-                  <a:schemeClr val="accent1">
-                    <a:lumMod val="45000"/>
-                    <a:lumOff val="55000"/>
-                  </a:schemeClr>
-                </a:gs>
-                <a:gs pos="100000">
-                  <a:schemeClr val="accent1">
-                    <a:lumMod val="30000"/>
-                    <a:lumOff val="70000"/>
-                  </a:schemeClr>
-                </a:gs>
-              </a:gsLst>
-              <a:lin ang="5400000" scaled="1"/>
-            </a:gradFill>
-          </a:ln>
-          <a:effectLst>
-            <a:outerShdw blurRad="63500" sx="102000" sy="102000" algn="ctr" rotWithShape="0">
-              <a:prstClr val="black">
-                <a:alpha val="40000"/>
-              </a:prstClr>
-            </a:outerShdw>
-          </a:effectLst>
-        </p:spPr>
-        <p:style>
-          <a:lnRef idx="2">
-            <a:schemeClr val="accent1">
-              <a:shade val="50000"/>
-            </a:schemeClr>
-          </a:lnRef>
-          <a:fillRef idx="1">
-            <a:schemeClr val="accent1"/>
-          </a:fillRef>
-          <a:effectRef idx="0">
-            <a:schemeClr val="accent1"/>
-          </a:effectRef>
-          <a:fontRef idx="minor">
-            <a:schemeClr val="lt1"/>
-          </a:fontRef>
-        </p:style>
-        <p:txBody>
-          <a:bodyPr lIns="36000" rIns="36000" rtlCol="0" anchor="ctr"/>
-          <a:lstStyle>
-            <a:defPPr>
-              <a:defRPr lang="sv-SE"/>
-            </a:defPPr>
-            <a:lvl1pPr algn="ctr">
-              <a:defRPr sz="1200" b="1"/>
-            </a:lvl1pPr>
-            <a:lvl2pPr>
-              <a:defRPr>
-                <a:solidFill>
-                  <a:schemeClr val="lt1"/>
-                </a:solidFill>
-              </a:defRPr>
-            </a:lvl2pPr>
-            <a:lvl3pPr>
-              <a:defRPr>
-                <a:solidFill>
-                  <a:schemeClr val="lt1"/>
-                </a:solidFill>
-              </a:defRPr>
-            </a:lvl3pPr>
-            <a:lvl4pPr>
-              <a:defRPr>
-                <a:solidFill>
-                  <a:schemeClr val="lt1"/>
-                </a:solidFill>
-              </a:defRPr>
-            </a:lvl4pPr>
-            <a:lvl5pPr>
-              <a:defRPr>
-                <a:solidFill>
-                  <a:schemeClr val="lt1"/>
-                </a:solidFill>
-              </a:defRPr>
-            </a:lvl5pPr>
-            <a:lvl6pPr>
-              <a:defRPr>
-                <a:solidFill>
-                  <a:schemeClr val="lt1"/>
-                </a:solidFill>
-              </a:defRPr>
-            </a:lvl6pPr>
-            <a:lvl7pPr>
-              <a:defRPr>
-                <a:solidFill>
-                  <a:schemeClr val="lt1"/>
-                </a:solidFill>
-              </a:defRPr>
-            </a:lvl7pPr>
-            <a:lvl8pPr>
-              <a:defRPr>
-                <a:solidFill>
-                  <a:schemeClr val="lt1"/>
-                </a:solidFill>
-              </a:defRPr>
-            </a:lvl8pPr>
-            <a:lvl9pPr>
-              <a:defRPr>
-                <a:solidFill>
-                  <a:schemeClr val="lt1"/>
-                </a:solidFill>
-              </a:defRPr>
-            </a:lvl9pPr>
-          </a:lstStyle>
-          <a:p>
-            <a:r>
-              <a:rPr lang="en-GB" b="0" dirty="0">
-                <a:solidFill>
-                  <a:schemeClr val="tx1"/>
-                </a:solidFill>
-              </a:rPr>
-              <a:t>Delete</a:t>
-            </a:r>
-            <a:endParaRPr lang="sv-SE" b="0" dirty="0">
-              <a:solidFill>
-                <a:schemeClr val="tx1"/>
-              </a:solidFill>
-            </a:endParaRPr>
-          </a:p>
-        </p:txBody>
-      </p:sp>
-      <p:sp>
-        <p:nvSpPr>
-          <p:cNvPr id="31" name="Rectangle 30">
-            <a:extLst>
-              <a:ext uri="{FF2B5EF4-FFF2-40B4-BE49-F238E27FC236}">
-                <a16:creationId xmlns:a16="http://schemas.microsoft.com/office/drawing/2014/main" id="{3F99BE17-5356-4631-8714-9D72F4C0AE6B}"/>
-              </a:ext>
-            </a:extLst>
-          </p:cNvPr>
-          <p:cNvSpPr/>
-          <p:nvPr/>
-        </p:nvSpPr>
-        <p:spPr>
-          <a:xfrm>
-            <a:off x="7365364" y="2784229"/>
-            <a:ext cx="144000" cy="144000"/>
-          </a:xfrm>
-          <a:prstGeom prst="rect">
-            <a:avLst/>
-          </a:prstGeom>
-          <a:solidFill>
-            <a:schemeClr val="bg1">
-              <a:lumMod val="95000"/>
-            </a:schemeClr>
-          </a:solidFill>
-          <a:ln>
-            <a:noFill/>
-          </a:ln>
-          <a:effectLst>
-            <a:innerShdw blurRad="25400">
-              <a:prstClr val="black"/>
-            </a:innerShdw>
-          </a:effectLst>
-        </p:spPr>
-        <p:style>
-          <a:lnRef idx="2">
-            <a:schemeClr val="accent1">
-              <a:shade val="50000"/>
-            </a:schemeClr>
-          </a:lnRef>
-          <a:fillRef idx="1">
-            <a:schemeClr val="accent1"/>
-          </a:fillRef>
-          <a:effectRef idx="0">
-            <a:schemeClr val="accent1"/>
-          </a:effectRef>
-          <a:fontRef idx="minor">
-            <a:schemeClr val="lt1"/>
-          </a:fontRef>
-        </p:style>
-        <p:txBody>
-          <a:bodyPr lIns="0" tIns="0" rIns="0" bIns="0" rtlCol="0" anchor="ctr"/>
-          <a:lstStyle/>
-          <a:p>
-            <a:pPr algn="ctr"/>
-            <a:endParaRPr lang="en-GB" sz="1200" dirty="0">
-              <a:solidFill>
-                <a:schemeClr val="tx1"/>
-              </a:solidFill>
-            </a:endParaRPr>
-          </a:p>
-        </p:txBody>
-      </p:sp>
-      <p:sp>
-        <p:nvSpPr>
-          <p:cNvPr id="32" name="Rectangle 31">
-            <a:extLst>
-              <a:ext uri="{FF2B5EF4-FFF2-40B4-BE49-F238E27FC236}">
-                <a16:creationId xmlns:a16="http://schemas.microsoft.com/office/drawing/2014/main" id="{1D517A0B-BA2A-42A9-A7C4-94E4C9219AB0}"/>
-              </a:ext>
-            </a:extLst>
-          </p:cNvPr>
-          <p:cNvSpPr/>
-          <p:nvPr/>
-        </p:nvSpPr>
-        <p:spPr>
-          <a:xfrm>
-            <a:off x="7365364" y="2987432"/>
-            <a:ext cx="144000" cy="144000"/>
-          </a:xfrm>
-          <a:prstGeom prst="rect">
-            <a:avLst/>
-          </a:prstGeom>
-          <a:solidFill>
-            <a:schemeClr val="bg1">
-              <a:lumMod val="95000"/>
-            </a:schemeClr>
-          </a:solidFill>
-          <a:ln>
-            <a:noFill/>
-          </a:ln>
-          <a:effectLst>
-            <a:innerShdw blurRad="25400">
-              <a:prstClr val="black"/>
-            </a:innerShdw>
-          </a:effectLst>
-        </p:spPr>
-        <p:style>
-          <a:lnRef idx="2">
-            <a:schemeClr val="accent1">
-              <a:shade val="50000"/>
-            </a:schemeClr>
-          </a:lnRef>
-          <a:fillRef idx="1">
-            <a:schemeClr val="accent1"/>
-          </a:fillRef>
-          <a:effectRef idx="0">
-            <a:schemeClr val="accent1"/>
-          </a:effectRef>
-          <a:fontRef idx="minor">
-            <a:schemeClr val="lt1"/>
-          </a:fontRef>
-        </p:style>
-        <p:txBody>
-          <a:bodyPr lIns="0" tIns="0" rIns="0" bIns="0" rtlCol="0" anchor="ctr"/>
-          <a:lstStyle/>
-          <a:p>
-            <a:pPr algn="ctr"/>
-            <a:r>
-              <a:rPr lang="en-GB" sz="1200" dirty="0">
-                <a:solidFill>
-                  <a:schemeClr val="tx1"/>
-                </a:solidFill>
-              </a:rPr>
-              <a:t>x</a:t>
-            </a:r>
-          </a:p>
-        </p:txBody>
-      </p:sp>
+      </p:pic>
     </p:spTree>
     <p:extLst>
       <p:ext uri="{BB962C8B-B14F-4D97-AF65-F5344CB8AC3E}">
-        <p14:creationId xmlns:p14="http://schemas.microsoft.com/office/powerpoint/2010/main" val="3037095722"/>
+        <p14:creationId xmlns:p14="http://schemas.microsoft.com/office/powerpoint/2010/main" val="3828722957"/>
       </p:ext>
     </p:extLst>
   </p:cSld>
